--- a/ppt/答辩报告-彭昊若.pptx
+++ b/ppt/答辩报告-彭昊若.pptx
@@ -11,8 +11,8 @@
     <p:sldId id="256" r:id="rId2"/>
     <p:sldId id="295" r:id="rId3"/>
     <p:sldId id="328" r:id="rId4"/>
-    <p:sldId id="345" r:id="rId5"/>
-    <p:sldId id="346" r:id="rId6"/>
+    <p:sldId id="346" r:id="rId5"/>
+    <p:sldId id="345" r:id="rId6"/>
     <p:sldId id="351" r:id="rId7"/>
     <p:sldId id="352" r:id="rId8"/>
     <p:sldId id="353" r:id="rId9"/>
@@ -25,33 +25,33 @@
     <p:sldId id="357" r:id="rId16"/>
     <p:sldId id="358" r:id="rId17"/>
     <p:sldId id="359" r:id="rId18"/>
-    <p:sldId id="360" r:id="rId19"/>
-    <p:sldId id="361" r:id="rId20"/>
-    <p:sldId id="362" r:id="rId21"/>
-    <p:sldId id="363" r:id="rId22"/>
-    <p:sldId id="336" r:id="rId23"/>
-    <p:sldId id="364" r:id="rId24"/>
-    <p:sldId id="339" r:id="rId25"/>
-    <p:sldId id="365" r:id="rId26"/>
-    <p:sldId id="372" r:id="rId27"/>
-    <p:sldId id="373" r:id="rId28"/>
-    <p:sldId id="366" r:id="rId29"/>
-    <p:sldId id="367" r:id="rId30"/>
-    <p:sldId id="370" r:id="rId31"/>
-    <p:sldId id="371" r:id="rId32"/>
-    <p:sldId id="374" r:id="rId33"/>
-    <p:sldId id="375" r:id="rId34"/>
-    <p:sldId id="377" r:id="rId35"/>
-    <p:sldId id="378" r:id="rId36"/>
-    <p:sldId id="379" r:id="rId37"/>
-    <p:sldId id="376" r:id="rId38"/>
-    <p:sldId id="381" r:id="rId39"/>
-    <p:sldId id="380" r:id="rId40"/>
-    <p:sldId id="369" r:id="rId41"/>
-    <p:sldId id="382" r:id="rId42"/>
-    <p:sldId id="383" r:id="rId43"/>
-    <p:sldId id="287" r:id="rId44"/>
-    <p:sldId id="288" r:id="rId45"/>
+    <p:sldId id="361" r:id="rId19"/>
+    <p:sldId id="362" r:id="rId20"/>
+    <p:sldId id="363" r:id="rId21"/>
+    <p:sldId id="336" r:id="rId22"/>
+    <p:sldId id="364" r:id="rId23"/>
+    <p:sldId id="339" r:id="rId24"/>
+    <p:sldId id="365" r:id="rId25"/>
+    <p:sldId id="372" r:id="rId26"/>
+    <p:sldId id="373" r:id="rId27"/>
+    <p:sldId id="366" r:id="rId28"/>
+    <p:sldId id="367" r:id="rId29"/>
+    <p:sldId id="370" r:id="rId30"/>
+    <p:sldId id="371" r:id="rId31"/>
+    <p:sldId id="374" r:id="rId32"/>
+    <p:sldId id="375" r:id="rId33"/>
+    <p:sldId id="377" r:id="rId34"/>
+    <p:sldId id="378" r:id="rId35"/>
+    <p:sldId id="379" r:id="rId36"/>
+    <p:sldId id="376" r:id="rId37"/>
+    <p:sldId id="381" r:id="rId38"/>
+    <p:sldId id="380" r:id="rId39"/>
+    <p:sldId id="369" r:id="rId40"/>
+    <p:sldId id="382" r:id="rId41"/>
+    <p:sldId id="383" r:id="rId42"/>
+    <p:sldId id="287" r:id="rId43"/>
+    <p:sldId id="288" r:id="rId44"/>
+    <p:sldId id="384" r:id="rId45"/>
     <p:sldId id="368" r:id="rId46"/>
   </p:sldIdLst>
   <p:sldSz cx="9144000" cy="6858000" type="screen4x3"/>
@@ -237,7 +237,7 @@
             <a:fld id="{8BD5461A-20BD-4FE6-A25A-24A28188B5CB}" type="datetimeFigureOut">
               <a:rPr lang="zh-CN" altLang="en-US" smtClean="0"/>
               <a:pPr/>
-              <a:t>2013/6/9</a:t>
+              <a:t>2013/6/16</a:t>
             </a:fld>
             <a:endParaRPr lang="zh-CN" altLang="en-US"/>
           </a:p>
@@ -1027,7 +1027,7 @@
             <a:fld id="{A04183CA-C427-4D50-AA18-66AD51C4BEA1}" type="datetime1">
               <a:rPr lang="en-US" altLang="zh-CN" smtClean="0"/>
               <a:pPr/>
-              <a:t>6/9/2013</a:t>
+              <a:t>6/16/2013</a:t>
             </a:fld>
             <a:endParaRPr lang="zh-CN" altLang="en-US" dirty="0"/>
           </a:p>
@@ -1224,7 +1224,7 @@
             <a:fld id="{73DA0B40-D56B-4F9C-87D7-75D4EF1D378F}" type="datetime1">
               <a:rPr lang="en-US" altLang="zh-CN" smtClean="0"/>
               <a:pPr/>
-              <a:t>6/9/2013</a:t>
+              <a:t>6/16/2013</a:t>
             </a:fld>
             <a:endParaRPr lang="zh-CN" altLang="en-US"/>
           </a:p>
@@ -1476,7 +1476,7 @@
             <a:fld id="{FF020AE1-8046-4514-9E44-0CD0CA17FAD2}" type="datetime1">
               <a:rPr lang="en-US" altLang="zh-CN" smtClean="0"/>
               <a:pPr/>
-              <a:t>6/9/2013</a:t>
+              <a:t>6/16/2013</a:t>
             </a:fld>
             <a:endParaRPr lang="zh-CN" altLang="en-US"/>
           </a:p>
@@ -1987,7 +1987,7 @@
             <a:fld id="{E48EE12C-0903-4385-8BEA-23562D8217AF}" type="datetime1">
               <a:rPr lang="en-US" altLang="zh-CN" smtClean="0"/>
               <a:pPr/>
-              <a:t>6/9/2013</a:t>
+              <a:t>6/16/2013</a:t>
             </a:fld>
             <a:endParaRPr lang="zh-CN" altLang="en-US"/>
           </a:p>
@@ -2188,7 +2188,7 @@
             <a:fld id="{AA871C8C-E756-4E09-B6AB-E5F0ADEAA580}" type="datetime1">
               <a:rPr lang="en-US" altLang="zh-CN" smtClean="0"/>
               <a:pPr/>
-              <a:t>6/9/2013</a:t>
+              <a:t>6/16/2013</a:t>
             </a:fld>
             <a:endParaRPr lang="zh-CN" altLang="en-US"/>
           </a:p>
@@ -2548,7 +2548,7 @@
             <a:fld id="{1E851B90-666E-4193-BB0B-70555D7542B3}" type="datetime1">
               <a:rPr lang="en-US" altLang="zh-CN" smtClean="0"/>
               <a:pPr/>
-              <a:t>6/9/2013</a:t>
+              <a:t>6/16/2013</a:t>
             </a:fld>
             <a:endParaRPr lang="zh-CN" altLang="en-US"/>
           </a:p>
@@ -3047,7 +3047,7 @@
             <a:fld id="{02E4BD9D-0C5F-432F-9941-C46DAA194873}" type="datetime1">
               <a:rPr lang="en-US" altLang="zh-CN" smtClean="0"/>
               <a:pPr/>
-              <a:t>6/9/2013</a:t>
+              <a:t>6/16/2013</a:t>
             </a:fld>
             <a:endParaRPr lang="zh-CN" altLang="en-US"/>
           </a:p>
@@ -3237,7 +3237,7 @@
             <a:fld id="{5CB94F2C-2EC1-4AA1-B318-31969D9B9A98}" type="datetime1">
               <a:rPr lang="en-US" altLang="zh-CN" smtClean="0"/>
               <a:pPr/>
-              <a:t>6/9/2013</a:t>
+              <a:t>6/16/2013</a:t>
             </a:fld>
             <a:endParaRPr lang="zh-CN" altLang="en-US"/>
           </a:p>
@@ -3404,7 +3404,7 @@
             <a:fld id="{DCCBC2E7-A4AC-416F-8AB7-64ADA8A29AC5}" type="datetime1">
               <a:rPr lang="en-US" altLang="zh-CN" smtClean="0"/>
               <a:pPr/>
-              <a:t>6/9/2013</a:t>
+              <a:t>6/16/2013</a:t>
             </a:fld>
             <a:endParaRPr lang="zh-CN" altLang="en-US"/>
           </a:p>
@@ -3753,7 +3753,7 @@
             <a:fld id="{191C1736-A778-49C9-8F8B-9507D675D00E}" type="datetime1">
               <a:rPr lang="en-US" altLang="zh-CN" smtClean="0"/>
               <a:pPr/>
-              <a:t>6/9/2013</a:t>
+              <a:t>6/16/2013</a:t>
             </a:fld>
             <a:endParaRPr lang="zh-CN" altLang="en-US"/>
           </a:p>
@@ -4082,7 +4082,7 @@
             <a:fld id="{5A8979C9-8CFE-458A-9276-6AF0CA45F441}" type="datetime1">
               <a:rPr lang="en-US" altLang="zh-CN" smtClean="0"/>
               <a:pPr/>
-              <a:t>6/9/2013</a:t>
+              <a:t>6/16/2013</a:t>
             </a:fld>
             <a:endParaRPr lang="zh-CN" altLang="en-US"/>
           </a:p>
@@ -4679,7 +4679,7 @@
             <a:fld id="{D753D5A3-0B4C-4974-812D-5907D1DC7249}" type="datetime1">
               <a:rPr lang="en-US" altLang="zh-CN" smtClean="0"/>
               <a:pPr/>
-              <a:t>6/9/2013</a:t>
+              <a:t>6/16/2013</a:t>
             </a:fld>
             <a:endParaRPr lang="zh-CN" altLang="en-US"/>
           </a:p>
@@ -5326,7 +5326,7 @@
           <a:p>
             <a:r>
               <a:rPr lang="en-US" altLang="zh-CN" smtClean="0"/>
-              <a:t>6/18/2013</a:t>
+              <a:t>6/17/2013</a:t>
             </a:r>
             <a:endParaRPr lang="zh-CN" altLang="en-US" dirty="0"/>
           </a:p>
@@ -5361,6 +5361,7 @@
   <p:clrMapOvr>
     <a:masterClrMapping/>
   </p:clrMapOvr>
+  <p:transition advTm="11544"/>
   <p:timing>
     <p:tnLst>
       <p:par>
@@ -5700,6 +5701,7 @@
   <p:clrMapOvr>
     <a:masterClrMapping/>
   </p:clrMapOvr>
+  <p:transition advTm="14679"/>
   <p:timing>
     <p:tnLst>
       <p:par>
@@ -5873,11 +5875,7 @@
           <a:p>
             <a:r>
               <a:rPr lang="zh-CN" altLang="en-US" dirty="0" smtClean="0"/>
-              <a:t>带二</a:t>
-            </a:r>
-            <a:r>
-              <a:rPr lang="zh-CN" altLang="en-US" dirty="0" smtClean="0"/>
-              <a:t>阶惩罚项（高斯先验）</a:t>
+              <a:t>带二阶惩罚项（高斯先验）</a:t>
             </a:r>
             <a:endParaRPr lang="en-US" altLang="zh-CN" dirty="0" smtClean="0"/>
           </a:p>
@@ -5890,15 +5888,7 @@
           <a:p>
             <a:r>
               <a:rPr lang="zh-CN" altLang="en-US" dirty="0" smtClean="0"/>
-              <a:t>带一阶</a:t>
-            </a:r>
-            <a:r>
-              <a:rPr lang="zh-CN" altLang="en-US" dirty="0" smtClean="0"/>
-              <a:t>惩罚项</a:t>
-            </a:r>
-            <a:r>
-              <a:rPr lang="zh-CN" altLang="en-US" dirty="0" smtClean="0"/>
-              <a:t>（拉普拉斯先验）</a:t>
+              <a:t>带一阶惩罚项（拉普拉斯先验）</a:t>
             </a:r>
             <a:endParaRPr lang="en-US" altLang="zh-CN" dirty="0" smtClean="0"/>
           </a:p>
@@ -5981,6 +5971,7 @@
   <p:clrMapOvr>
     <a:masterClrMapping/>
   </p:clrMapOvr>
+  <p:transition advTm="13198"/>
   <p:timing>
     <p:tnLst>
       <p:par>
@@ -6104,11 +6095,7 @@
             <a:pPr lvl="1"/>
             <a:r>
               <a:rPr lang="zh-CN" altLang="en-US" dirty="0" smtClean="0"/>
-              <a:t>可乘</a:t>
-            </a:r>
-            <a:r>
-              <a:rPr lang="zh-CN" altLang="en-US" dirty="0" smtClean="0"/>
-              <a:t>式更新算法</a:t>
+              <a:t>可乘式更新算法</a:t>
             </a:r>
             <a:endParaRPr lang="en-US" altLang="zh-CN" dirty="0" smtClean="0"/>
           </a:p>
@@ -6161,6 +6148,7 @@
   <p:clrMapOvr>
     <a:masterClrMapping/>
   </p:clrMapOvr>
+  <p:transition advTm="28408"/>
   <p:timing>
     <p:tnLst>
       <p:par>
@@ -6228,11 +6216,7 @@
           <a:p>
             <a:r>
               <a:rPr lang="zh-CN" altLang="en-US" dirty="0" smtClean="0"/>
-              <a:t>算法框架</a:t>
-            </a:r>
-            <a:r>
-              <a:rPr lang="zh-CN" altLang="en-US" dirty="0" smtClean="0"/>
-              <a:t>（每次迭代）</a:t>
+              <a:t>算法框架（每次迭代）</a:t>
             </a:r>
             <a:endParaRPr lang="en-US" altLang="zh-CN" dirty="0" smtClean="0"/>
           </a:p>
@@ -6347,7 +6331,7 @@
           <p:nvPr/>
         </p:nvPicPr>
         <p:blipFill>
-          <a:blip r:embed="rId2"/>
+          <a:blip r:embed="rId3"/>
           <a:stretch>
             <a:fillRect/>
           </a:stretch>
@@ -6371,7 +6355,7 @@
           <p:nvPr/>
         </p:nvPicPr>
         <p:blipFill>
-          <a:blip r:embed="rId3"/>
+          <a:blip r:embed="rId4"/>
           <a:stretch>
             <a:fillRect/>
           </a:stretch>
@@ -6395,7 +6379,7 @@
           <p:nvPr/>
         </p:nvPicPr>
         <p:blipFill>
-          <a:blip r:embed="rId2"/>
+          <a:blip r:embed="rId3"/>
           <a:stretch>
             <a:fillRect/>
           </a:stretch>
@@ -6419,7 +6403,7 @@
           <p:nvPr/>
         </p:nvPicPr>
         <p:blipFill>
-          <a:blip r:embed="rId3"/>
+          <a:blip r:embed="rId4"/>
           <a:stretch>
             <a:fillRect/>
           </a:stretch>
@@ -6434,17 +6418,425 @@
           </a:prstGeom>
         </p:spPr>
       </p:pic>
+      <p:sp>
+        <p:nvSpPr>
+          <p:cNvPr id="10" name="矩形 9"/>
+          <p:cNvSpPr/>
+          <p:nvPr/>
+        </p:nvSpPr>
+        <p:spPr bwMode="auto">
+          <a:xfrm>
+            <a:off x="6286512" y="2071678"/>
+            <a:ext cx="1928826" cy="928694"/>
+          </a:xfrm>
+          <a:prstGeom prst="rect">
+            <a:avLst/>
+          </a:prstGeom>
+          <a:solidFill>
+            <a:schemeClr val="accent1"/>
+          </a:solidFill>
+          <a:ln w="9525" cap="flat" cmpd="sng" algn="ctr">
+            <a:solidFill>
+              <a:schemeClr val="tx1"/>
+            </a:solidFill>
+            <a:prstDash val="solid"/>
+            <a:miter lim="800000"/>
+            <a:headEnd type="none" w="med" len="med"/>
+            <a:tailEnd type="none" w="med" len="med"/>
+          </a:ln>
+          <a:effectLst/>
+        </p:spPr>
+        <p:txBody>
+          <a:bodyPr vert="horz" wrap="none" lIns="91440" tIns="45720" rIns="91440" bIns="45720" numCol="1" rtlCol="0" anchor="t" anchorCtr="0" compatLnSpc="1">
+            <a:prstTxWarp prst="textNoShape">
+              <a:avLst/>
+            </a:prstTxWarp>
+          </a:bodyPr>
+          <a:lstStyle/>
+          <a:p>
+            <a:pPr marL="0" marR="0" indent="0" algn="l" defTabSz="914400" rtl="0" eaLnBrk="1" fontAlgn="base" latinLnBrk="0" hangingPunct="1">
+              <a:lnSpc>
+                <a:spcPct val="100000"/>
+              </a:lnSpc>
+              <a:spcBef>
+                <a:spcPct val="0"/>
+              </a:spcBef>
+              <a:spcAft>
+                <a:spcPct val="0"/>
+              </a:spcAft>
+              <a:buClrTx/>
+              <a:buSzTx/>
+              <a:buFontTx/>
+              <a:buNone/>
+              <a:tabLst/>
+            </a:pPr>
+            <a:endParaRPr kumimoji="0" lang="zh-CN" altLang="en-US" sz="2400" b="0" i="0" u="none" strike="noStrike" cap="none" normalizeH="0" baseline="0" smtClean="0">
+              <a:ln>
+                <a:noFill/>
+              </a:ln>
+              <a:solidFill>
+                <a:schemeClr val="tx1"/>
+              </a:solidFill>
+              <a:effectLst/>
+              <a:latin typeface="Tahoma" charset="0"/>
+            </a:endParaRPr>
+          </a:p>
+        </p:txBody>
+      </p:sp>
+      <p:sp>
+        <p:nvSpPr>
+          <p:cNvPr id="13" name="矩形 12"/>
+          <p:cNvSpPr/>
+          <p:nvPr/>
+        </p:nvSpPr>
+        <p:spPr bwMode="auto">
+          <a:xfrm>
+            <a:off x="6286512" y="2285992"/>
+            <a:ext cx="1928826" cy="142876"/>
+          </a:xfrm>
+          <a:prstGeom prst="rect">
+            <a:avLst/>
+          </a:prstGeom>
+          <a:solidFill>
+            <a:srgbClr val="FF0000"/>
+          </a:solidFill>
+          <a:ln w="9525" cap="flat" cmpd="sng" algn="ctr">
+            <a:solidFill>
+              <a:schemeClr val="tx1"/>
+            </a:solidFill>
+            <a:prstDash val="solid"/>
+            <a:miter lim="800000"/>
+            <a:headEnd type="none" w="med" len="med"/>
+            <a:tailEnd type="none" w="med" len="med"/>
+          </a:ln>
+          <a:effectLst/>
+        </p:spPr>
+        <p:txBody>
+          <a:bodyPr vert="horz" wrap="none" lIns="91440" tIns="45720" rIns="91440" bIns="45720" numCol="1" rtlCol="0" anchor="t" anchorCtr="0" compatLnSpc="1">
+            <a:prstTxWarp prst="textNoShape">
+              <a:avLst/>
+            </a:prstTxWarp>
+          </a:bodyPr>
+          <a:lstStyle/>
+          <a:p>
+            <a:pPr marL="0" marR="0" indent="0" algn="l" defTabSz="914400" rtl="0" eaLnBrk="1" fontAlgn="base" latinLnBrk="0" hangingPunct="1">
+              <a:lnSpc>
+                <a:spcPct val="100000"/>
+              </a:lnSpc>
+              <a:spcBef>
+                <a:spcPct val="0"/>
+              </a:spcBef>
+              <a:spcAft>
+                <a:spcPct val="0"/>
+              </a:spcAft>
+              <a:buClrTx/>
+              <a:buSzTx/>
+              <a:buFontTx/>
+              <a:buNone/>
+              <a:tabLst/>
+            </a:pPr>
+            <a:endParaRPr kumimoji="0" lang="zh-CN" altLang="en-US" sz="2400" b="0" i="0" u="none" strike="noStrike" cap="none" normalizeH="0" baseline="0" dirty="0" smtClean="0">
+              <a:ln>
+                <a:noFill/>
+              </a:ln>
+              <a:solidFill>
+                <a:schemeClr val="tx1"/>
+              </a:solidFill>
+              <a:effectLst/>
+              <a:latin typeface="Tahoma" charset="0"/>
+            </a:endParaRPr>
+          </a:p>
+        </p:txBody>
+      </p:sp>
+      <p:sp>
+        <p:nvSpPr>
+          <p:cNvPr id="14" name="矩形 13"/>
+          <p:cNvSpPr/>
+          <p:nvPr/>
+        </p:nvSpPr>
+        <p:spPr bwMode="auto">
+          <a:xfrm rot="5400000">
+            <a:off x="7143768" y="2500307"/>
+            <a:ext cx="928694" cy="71438"/>
+          </a:xfrm>
+          <a:prstGeom prst="rect">
+            <a:avLst/>
+          </a:prstGeom>
+          <a:solidFill>
+            <a:srgbClr val="FFFF00"/>
+          </a:solidFill>
+          <a:ln w="9525" cap="flat" cmpd="sng" algn="ctr">
+            <a:solidFill>
+              <a:schemeClr val="tx1"/>
+            </a:solidFill>
+            <a:prstDash val="solid"/>
+            <a:miter lim="800000"/>
+            <a:headEnd type="none" w="med" len="med"/>
+            <a:tailEnd type="none" w="med" len="med"/>
+          </a:ln>
+          <a:effectLst/>
+        </p:spPr>
+        <p:txBody>
+          <a:bodyPr vert="horz" wrap="none" lIns="91440" tIns="45720" rIns="91440" bIns="45720" numCol="1" rtlCol="0" anchor="t" anchorCtr="0" compatLnSpc="1">
+            <a:prstTxWarp prst="textNoShape">
+              <a:avLst/>
+            </a:prstTxWarp>
+          </a:bodyPr>
+          <a:lstStyle/>
+          <a:p>
+            <a:pPr marL="0" marR="0" indent="0" algn="l" defTabSz="914400" rtl="0" eaLnBrk="1" fontAlgn="base" latinLnBrk="0" hangingPunct="1">
+              <a:lnSpc>
+                <a:spcPct val="100000"/>
+              </a:lnSpc>
+              <a:spcBef>
+                <a:spcPct val="0"/>
+              </a:spcBef>
+              <a:spcAft>
+                <a:spcPct val="0"/>
+              </a:spcAft>
+              <a:buClrTx/>
+              <a:buSzTx/>
+              <a:buFontTx/>
+              <a:buNone/>
+              <a:tabLst/>
+            </a:pPr>
+            <a:endParaRPr kumimoji="0" lang="zh-CN" altLang="en-US" sz="2400" b="0" i="0" u="none" strike="noStrike" cap="none" normalizeH="0" baseline="0" dirty="0" smtClean="0">
+              <a:ln>
+                <a:noFill/>
+              </a:ln>
+              <a:solidFill>
+                <a:schemeClr val="tx1"/>
+              </a:solidFill>
+              <a:effectLst/>
+              <a:latin typeface="Tahoma" charset="0"/>
+            </a:endParaRPr>
+          </a:p>
+        </p:txBody>
+      </p:sp>
     </p:spTree>
+    <p:custDataLst>
+      <p:tags r:id="rId1"/>
+    </p:custDataLst>
   </p:cSld>
   <p:clrMapOvr>
     <a:masterClrMapping/>
   </p:clrMapOvr>
+  <p:transition advTm="39671"/>
   <p:timing>
     <p:tnLst>
       <p:par>
-        <p:cTn id="1" dur="indefinite" restart="never" nodeType="tmRoot"/>
+        <p:cTn id="1" dur="indefinite" restart="never" nodeType="tmRoot">
+          <p:childTnLst>
+            <p:seq concurrent="1" nextAc="seek">
+              <p:cTn id="2" dur="indefinite" nodeType="mainSeq">
+                <p:childTnLst>
+                  <p:par>
+                    <p:cTn id="3" fill="hold">
+                      <p:stCondLst>
+                        <p:cond delay="indefinite"/>
+                      </p:stCondLst>
+                      <p:childTnLst>
+                        <p:par>
+                          <p:cTn id="4" fill="hold">
+                            <p:stCondLst>
+                              <p:cond delay="0"/>
+                            </p:stCondLst>
+                            <p:childTnLst>
+                              <p:par>
+                                <p:cTn id="5" presetID="2" presetClass="entr" presetSubtype="2" fill="hold" grpId="0" nodeType="clickEffect">
+                                  <p:stCondLst>
+                                    <p:cond delay="0"/>
+                                  </p:stCondLst>
+                                  <p:childTnLst>
+                                    <p:set>
+                                      <p:cBhvr>
+                                        <p:cTn id="6" dur="1" fill="hold">
+                                          <p:stCondLst>
+                                            <p:cond delay="0"/>
+                                          </p:stCondLst>
+                                        </p:cTn>
+                                        <p:tgtEl>
+                                          <p:spTgt spid="13"/>
+                                        </p:tgtEl>
+                                        <p:attrNameLst>
+                                          <p:attrName>style.visibility</p:attrName>
+                                        </p:attrNameLst>
+                                      </p:cBhvr>
+                                      <p:to>
+                                        <p:strVal val="visible"/>
+                                      </p:to>
+                                    </p:set>
+                                    <p:anim calcmode="lin" valueType="num">
+                                      <p:cBhvr additive="base">
+                                        <p:cTn id="7" dur="500" fill="hold"/>
+                                        <p:tgtEl>
+                                          <p:spTgt spid="13"/>
+                                        </p:tgtEl>
+                                        <p:attrNameLst>
+                                          <p:attrName>ppt_x</p:attrName>
+                                        </p:attrNameLst>
+                                      </p:cBhvr>
+                                      <p:tavLst>
+                                        <p:tav tm="0">
+                                          <p:val>
+                                            <p:strVal val="1+#ppt_w/2"/>
+                                          </p:val>
+                                        </p:tav>
+                                        <p:tav tm="100000">
+                                          <p:val>
+                                            <p:strVal val="#ppt_x"/>
+                                          </p:val>
+                                        </p:tav>
+                                      </p:tavLst>
+                                    </p:anim>
+                                    <p:anim calcmode="lin" valueType="num">
+                                      <p:cBhvr additive="base">
+                                        <p:cTn id="8" dur="500" fill="hold"/>
+                                        <p:tgtEl>
+                                          <p:spTgt spid="13"/>
+                                        </p:tgtEl>
+                                        <p:attrNameLst>
+                                          <p:attrName>ppt_y</p:attrName>
+                                        </p:attrNameLst>
+                                      </p:cBhvr>
+                                      <p:tavLst>
+                                        <p:tav tm="0">
+                                          <p:val>
+                                            <p:strVal val="#ppt_y"/>
+                                          </p:val>
+                                        </p:tav>
+                                        <p:tav tm="100000">
+                                          <p:val>
+                                            <p:strVal val="#ppt_y"/>
+                                          </p:val>
+                                        </p:tav>
+                                      </p:tavLst>
+                                    </p:anim>
+                                  </p:childTnLst>
+                                </p:cTn>
+                              </p:par>
+                            </p:childTnLst>
+                          </p:cTn>
+                        </p:par>
+                      </p:childTnLst>
+                    </p:cTn>
+                  </p:par>
+                  <p:par>
+                    <p:cTn id="9" fill="hold">
+                      <p:stCondLst>
+                        <p:cond delay="indefinite"/>
+                      </p:stCondLst>
+                      <p:childTnLst>
+                        <p:par>
+                          <p:cTn id="10" fill="hold">
+                            <p:stCondLst>
+                              <p:cond delay="0"/>
+                            </p:stCondLst>
+                            <p:childTnLst>
+                              <p:par>
+                                <p:cTn id="11" presetID="2" presetClass="entr" presetSubtype="2" fill="hold" grpId="0" nodeType="clickEffect">
+                                  <p:stCondLst>
+                                    <p:cond delay="0"/>
+                                  </p:stCondLst>
+                                  <p:childTnLst>
+                                    <p:set>
+                                      <p:cBhvr>
+                                        <p:cTn id="12" dur="1" fill="hold">
+                                          <p:stCondLst>
+                                            <p:cond delay="0"/>
+                                          </p:stCondLst>
+                                        </p:cTn>
+                                        <p:tgtEl>
+                                          <p:spTgt spid="14"/>
+                                        </p:tgtEl>
+                                        <p:attrNameLst>
+                                          <p:attrName>style.visibility</p:attrName>
+                                        </p:attrNameLst>
+                                      </p:cBhvr>
+                                      <p:to>
+                                        <p:strVal val="visible"/>
+                                      </p:to>
+                                    </p:set>
+                                    <p:anim calcmode="lin" valueType="num">
+                                      <p:cBhvr additive="base">
+                                        <p:cTn id="13" dur="500" fill="hold"/>
+                                        <p:tgtEl>
+                                          <p:spTgt spid="14"/>
+                                        </p:tgtEl>
+                                        <p:attrNameLst>
+                                          <p:attrName>ppt_x</p:attrName>
+                                        </p:attrNameLst>
+                                      </p:cBhvr>
+                                      <p:tavLst>
+                                        <p:tav tm="0">
+                                          <p:val>
+                                            <p:strVal val="1+#ppt_w/2"/>
+                                          </p:val>
+                                        </p:tav>
+                                        <p:tav tm="100000">
+                                          <p:val>
+                                            <p:strVal val="#ppt_x"/>
+                                          </p:val>
+                                        </p:tav>
+                                      </p:tavLst>
+                                    </p:anim>
+                                    <p:anim calcmode="lin" valueType="num">
+                                      <p:cBhvr additive="base">
+                                        <p:cTn id="14" dur="500" fill="hold"/>
+                                        <p:tgtEl>
+                                          <p:spTgt spid="14"/>
+                                        </p:tgtEl>
+                                        <p:attrNameLst>
+                                          <p:attrName>ppt_y</p:attrName>
+                                        </p:attrNameLst>
+                                      </p:cBhvr>
+                                      <p:tavLst>
+                                        <p:tav tm="0">
+                                          <p:val>
+                                            <p:strVal val="#ppt_y"/>
+                                          </p:val>
+                                        </p:tav>
+                                        <p:tav tm="100000">
+                                          <p:val>
+                                            <p:strVal val="#ppt_y"/>
+                                          </p:val>
+                                        </p:tav>
+                                      </p:tavLst>
+                                    </p:anim>
+                                  </p:childTnLst>
+                                </p:cTn>
+                              </p:par>
+                            </p:childTnLst>
+                          </p:cTn>
+                        </p:par>
+                      </p:childTnLst>
+                    </p:cTn>
+                  </p:par>
+                </p:childTnLst>
+              </p:cTn>
+              <p:prevCondLst>
+                <p:cond evt="onPrev" delay="0">
+                  <p:tgtEl>
+                    <p:sldTgt/>
+                  </p:tgtEl>
+                </p:cond>
+              </p:prevCondLst>
+              <p:nextCondLst>
+                <p:cond evt="onNext" delay="0">
+                  <p:tgtEl>
+                    <p:sldTgt/>
+                  </p:tgtEl>
+                </p:cond>
+              </p:nextCondLst>
+            </p:seq>
+          </p:childTnLst>
+        </p:cTn>
       </p:par>
     </p:tnLst>
+    <p:bldLst>
+      <p:bldP spid="13" grpId="0" animBg="1"/>
+      <p:bldP spid="14" grpId="0" animBg="1"/>
+    </p:bldLst>
   </p:timing>
 </p:sld>
 </file>
@@ -7426,6 +7818,7 @@
   <p:clrMapOvr>
     <a:masterClrMapping/>
   </p:clrMapOvr>
+  <p:transition advTm="44850"/>
   <p:timing>
     <p:tnLst>
       <p:par>
@@ -7528,22 +7921,18 @@
             <a:pPr lvl="1"/>
             <a:r>
               <a:rPr lang="zh-CN" altLang="en-US" dirty="0" smtClean="0"/>
-              <a:t>两</a:t>
-            </a:r>
-            <a:r>
-              <a:rPr lang="zh-CN" altLang="en-US" dirty="0" smtClean="0"/>
-              <a:t>个版本，实验结果均采用一阶惩罚项模型</a:t>
+              <a:t>两个</a:t>
+            </a:r>
+            <a:r>
+              <a:rPr lang="zh-CN" altLang="en-US" dirty="0" smtClean="0"/>
+              <a:t>版本</a:t>
             </a:r>
             <a:endParaRPr lang="en-US" altLang="zh-CN" dirty="0" smtClean="0"/>
           </a:p>
           <a:p>
             <a:r>
               <a:rPr lang="zh-CN" altLang="en-US" dirty="0" smtClean="0"/>
-              <a:t>训练数据</a:t>
-            </a:r>
-            <a:r>
-              <a:rPr lang="zh-CN" altLang="en-US" dirty="0" smtClean="0"/>
-              <a:t>集的稀疏问题</a:t>
+              <a:t>训练数据集的稀疏问题</a:t>
             </a:r>
             <a:endParaRPr lang="en-US" altLang="zh-CN" dirty="0" smtClean="0"/>
           </a:p>
@@ -7586,6 +7975,7 @@
   <p:clrMapOvr>
     <a:masterClrMapping/>
   </p:clrMapOvr>
+  <p:transition advTm="40045"/>
   <p:timing>
     <p:tnLst>
       <p:par>
@@ -7818,6 +8208,7 @@
   <p:clrMapOvr>
     <a:masterClrMapping/>
   </p:clrMapOvr>
+  <p:transition advTm="31075"/>
   <p:timing>
     <p:tnLst>
       <p:par>
@@ -7991,11 +8382,7 @@
           <a:p>
             <a:r>
               <a:rPr lang="zh-CN" altLang="en-US" dirty="0" smtClean="0"/>
-              <a:t>时间复杂</a:t>
-            </a:r>
-            <a:r>
-              <a:rPr lang="zh-CN" altLang="en-US" dirty="0" smtClean="0"/>
-              <a:t>度</a:t>
+              <a:t>时间复杂度</a:t>
             </a:r>
             <a:endParaRPr lang="en-US" altLang="zh-CN" dirty="0" smtClean="0"/>
           </a:p>
@@ -8033,11 +8420,7 @@
             <a:pPr lvl="1"/>
             <a:r>
               <a:rPr lang="zh-CN" altLang="en-US" dirty="0" smtClean="0"/>
-              <a:t>一</a:t>
-            </a:r>
-            <a:r>
-              <a:rPr lang="zh-CN" altLang="en-US" dirty="0" smtClean="0"/>
-              <a:t>遍</a:t>
+              <a:t>一遍</a:t>
             </a:r>
             <a:r>
               <a:rPr lang="en-US" altLang="zh-CN" dirty="0" smtClean="0"/>
@@ -8052,11 +8435,7 @@
           <a:p>
             <a:r>
               <a:rPr lang="zh-CN" altLang="en-US" dirty="0" smtClean="0"/>
-              <a:t>参数</a:t>
-            </a:r>
-            <a:r>
-              <a:rPr lang="zh-CN" altLang="en-US" dirty="0" smtClean="0"/>
-              <a:t>传递</a:t>
+              <a:t>参数传递</a:t>
             </a:r>
             <a:endParaRPr lang="en-US" altLang="zh-CN" dirty="0" smtClean="0"/>
           </a:p>
@@ -8139,6 +8518,7 @@
   <p:clrMapOvr>
     <a:masterClrMapping/>
   </p:clrMapOvr>
+  <p:transition advTm="33587"/>
   <p:timing>
     <p:tnLst>
       <p:par>
@@ -8183,35 +8563,39 @@
           <a:p>
             <a:r>
               <a:rPr lang="en-US" altLang="zh-CN" dirty="0" smtClean="0"/>
-              <a:t>Hadoop VS Spark</a:t>
+              <a:t>Spark</a:t>
+            </a:r>
+            <a:r>
+              <a:rPr lang="zh-CN" altLang="en-US" dirty="0" smtClean="0"/>
+              <a:t>上的并行梯度下降法</a:t>
             </a:r>
             <a:endParaRPr lang="zh-CN" altLang="en-US" dirty="0"/>
           </a:p>
         </p:txBody>
       </p:sp>
-      <p:sp>
-        <p:nvSpPr>
-          <p:cNvPr id="3" name="内容占位符 2"/>
-          <p:cNvSpPr>
-            <a:spLocks noGrp="1"/>
-          </p:cNvSpPr>
+      <p:pic>
+        <p:nvPicPr>
+          <p:cNvPr id="5" name="内容占位符 4" descr="alg4.JPG"/>
+          <p:cNvPicPr>
+            <a:picLocks noGrp="1" noChangeAspect="1"/>
+          </p:cNvPicPr>
           <p:nvPr>
             <p:ph idx="1"/>
           </p:nvPr>
-        </p:nvSpPr>
-        <p:spPr/>
-        <p:txBody>
-          <a:bodyPr/>
-          <a:lstStyle/>
-          <a:p>
-            <a:r>
-              <a:rPr lang="en-US" altLang="zh-CN" dirty="0" smtClean="0"/>
-              <a:t>Memory Utilization</a:t>
-            </a:r>
-            <a:endParaRPr lang="zh-CN" altLang="en-US" dirty="0"/>
-          </a:p>
-        </p:txBody>
-      </p:sp>
+        </p:nvPicPr>
+        <p:blipFill>
+          <a:blip r:embed="rId2"/>
+          <a:stretch>
+            <a:fillRect/>
+          </a:stretch>
+        </p:blipFill>
+        <p:spPr>
+          <a:xfrm>
+            <a:off x="714348" y="2214554"/>
+            <a:ext cx="8197586" cy="3714776"/>
+          </a:xfrm>
+        </p:spPr>
+      </p:pic>
       <p:sp>
         <p:nvSpPr>
           <p:cNvPr id="4" name="灯片编号占位符 3"/>
@@ -8236,63 +8620,12 @@
           </a:p>
         </p:txBody>
       </p:sp>
-      <p:pic>
-        <p:nvPicPr>
-          <p:cNvPr id="5" name="Picture 4" descr="I:\彭昊若\清华academic\毕设\state1.JPG"/>
-          <p:cNvPicPr>
-            <a:picLocks noChangeAspect="1" noChangeArrowheads="1"/>
-          </p:cNvPicPr>
-          <p:nvPr/>
-        </p:nvPicPr>
-        <p:blipFill>
-          <a:blip r:embed="rId2"/>
-          <a:srcRect/>
-          <a:stretch>
-            <a:fillRect/>
-          </a:stretch>
-        </p:blipFill>
-        <p:spPr bwMode="auto">
-          <a:xfrm>
-            <a:off x="357158" y="2786058"/>
-            <a:ext cx="4741786" cy="3570702"/>
-          </a:xfrm>
-          <a:prstGeom prst="rect">
-            <a:avLst/>
-          </a:prstGeom>
-          <a:noFill/>
-        </p:spPr>
-      </p:pic>
-      <p:pic>
-        <p:nvPicPr>
-          <p:cNvPr id="6" name="Picture 5" descr="I:\彭昊若\清华academic\毕设\state2.JPG"/>
-          <p:cNvPicPr>
-            <a:picLocks noChangeAspect="1" noChangeArrowheads="1"/>
-          </p:cNvPicPr>
-          <p:nvPr/>
-        </p:nvPicPr>
-        <p:blipFill>
-          <a:blip r:embed="rId3" cstate="print"/>
-          <a:srcRect/>
-          <a:stretch>
-            <a:fillRect/>
-          </a:stretch>
-        </p:blipFill>
-        <p:spPr bwMode="auto">
-          <a:xfrm>
-            <a:off x="5572132" y="3643314"/>
-            <a:ext cx="3045189" cy="2286016"/>
-          </a:xfrm>
-          <a:prstGeom prst="rect">
-            <a:avLst/>
-          </a:prstGeom>
-          <a:noFill/>
-        </p:spPr>
-      </p:pic>
     </p:spTree>
   </p:cSld>
   <p:clrMapOvr>
     <a:masterClrMapping/>
   </p:clrMapOvr>
+  <p:transition advTm="11170"/>
   <p:timing>
     <p:tnLst>
       <p:par>
@@ -8337,39 +8670,100 @@
           <a:p>
             <a:r>
               <a:rPr lang="en-US" altLang="zh-CN" dirty="0" smtClean="0"/>
-              <a:t>Spark</a:t>
-            </a:r>
-            <a:r>
-              <a:rPr lang="zh-CN" altLang="en-US" dirty="0" smtClean="0"/>
-              <a:t>上的并行梯度下降法</a:t>
+              <a:t>Mahout</a:t>
+            </a:r>
+            <a:r>
+              <a:rPr lang="zh-CN" altLang="en-US" dirty="0" smtClean="0"/>
+              <a:t>上的在线</a:t>
+            </a:r>
+            <a:r>
+              <a:rPr lang="en-US" altLang="zh-CN" dirty="0" smtClean="0"/>
+              <a:t>SGD</a:t>
+            </a:r>
+            <a:r>
+              <a:rPr lang="zh-CN" altLang="en-US" dirty="0" smtClean="0"/>
+              <a:t>算法</a:t>
             </a:r>
             <a:endParaRPr lang="zh-CN" altLang="en-US" dirty="0"/>
           </a:p>
         </p:txBody>
       </p:sp>
-      <p:pic>
-        <p:nvPicPr>
-          <p:cNvPr id="5" name="内容占位符 4" descr="alg4.JPG"/>
-          <p:cNvPicPr>
-            <a:picLocks noGrp="1" noChangeAspect="1"/>
-          </p:cNvPicPr>
+      <p:sp>
+        <p:nvSpPr>
+          <p:cNvPr id="3" name="内容占位符 2"/>
+          <p:cNvSpPr>
+            <a:spLocks noGrp="1"/>
+          </p:cNvSpPr>
           <p:nvPr>
             <p:ph idx="1"/>
           </p:nvPr>
-        </p:nvPicPr>
-        <p:blipFill>
-          <a:blip r:embed="rId2"/>
-          <a:stretch>
-            <a:fillRect/>
-          </a:stretch>
-        </p:blipFill>
-        <p:spPr>
-          <a:xfrm>
-            <a:off x="714348" y="2214554"/>
-            <a:ext cx="8197586" cy="3714776"/>
-          </a:xfrm>
-        </p:spPr>
-      </p:pic>
+        </p:nvSpPr>
+        <p:spPr/>
+        <p:txBody>
+          <a:bodyPr/>
+          <a:lstStyle/>
+          <a:p>
+            <a:r>
+              <a:rPr lang="zh-CN" altLang="en-US" dirty="0" smtClean="0"/>
+              <a:t>算法函数</a:t>
+            </a:r>
+            <a:endParaRPr lang="en-US" altLang="zh-CN" dirty="0" smtClean="0"/>
+          </a:p>
+          <a:p>
+            <a:pPr lvl="1"/>
+            <a:r>
+              <a:rPr lang="en-US" altLang="zh-CN" dirty="0" err="1" smtClean="0"/>
+              <a:t>OnlineLogisticRegression</a:t>
+            </a:r>
+            <a:endParaRPr lang="en-US" altLang="zh-CN" dirty="0" smtClean="0"/>
+          </a:p>
+          <a:p>
+            <a:r>
+              <a:rPr lang="zh-CN" altLang="en-US" dirty="0" smtClean="0"/>
+              <a:t>数据存储结构</a:t>
+            </a:r>
+            <a:endParaRPr lang="en-US" altLang="zh-CN" dirty="0" smtClean="0"/>
+          </a:p>
+          <a:p>
+            <a:pPr lvl="1"/>
+            <a:r>
+              <a:rPr lang="en-US" altLang="zh-CN" dirty="0" err="1" smtClean="0"/>
+              <a:t>RandomAccessSparseVector</a:t>
+            </a:r>
+            <a:endParaRPr lang="en-US" altLang="zh-CN" dirty="0" smtClean="0"/>
+          </a:p>
+          <a:p>
+            <a:r>
+              <a:rPr lang="zh-CN" altLang="en-US" dirty="0" smtClean="0"/>
+              <a:t>交叉验证</a:t>
+            </a:r>
+            <a:endParaRPr lang="en-US" altLang="zh-CN" dirty="0" smtClean="0"/>
+          </a:p>
+          <a:p>
+            <a:pPr lvl="1"/>
+            <a:r>
+              <a:rPr lang="zh-CN" altLang="en-US" dirty="0" smtClean="0"/>
+              <a:t>使用自己的</a:t>
+            </a:r>
+            <a:r>
+              <a:rPr lang="en-US" altLang="zh-CN" dirty="0" err="1" smtClean="0"/>
+              <a:t>CrossValidation</a:t>
+            </a:r>
+            <a:r>
+              <a:rPr lang="zh-CN" altLang="en-US" dirty="0" smtClean="0"/>
+              <a:t>函数</a:t>
+            </a:r>
+            <a:endParaRPr lang="en-US" altLang="zh-CN" dirty="0" smtClean="0"/>
+          </a:p>
+          <a:p>
+            <a:r>
+              <a:rPr lang="zh-CN" altLang="en-US" dirty="0" smtClean="0"/>
+              <a:t>单机多线程</a:t>
+            </a:r>
+            <a:endParaRPr lang="zh-CN" altLang="en-US" dirty="0"/>
+          </a:p>
+        </p:txBody>
+      </p:sp>
       <p:sp>
         <p:nvSpPr>
           <p:cNvPr id="4" name="灯片编号占位符 3"/>
@@ -8399,6 +8793,7 @@
   <p:clrMapOvr>
     <a:masterClrMapping/>
   </p:clrMapOvr>
+  <p:transition advTm="18096"/>
   <p:timing>
     <p:tnLst>
       <p:par>
@@ -8474,7 +8869,15 @@
             <a:pPr lvl="1"/>
             <a:r>
               <a:rPr lang="zh-CN" altLang="en-US" dirty="0" smtClean="0"/>
-              <a:t>研究背景与相关工作</a:t>
+              <a:t>研究背景</a:t>
+            </a:r>
+            <a:r>
+              <a:rPr lang="zh-CN" altLang="en-US" dirty="0" smtClean="0"/>
+              <a:t>与</a:t>
+            </a:r>
+            <a:r>
+              <a:rPr lang="zh-CN" altLang="en-US" dirty="0" smtClean="0"/>
+              <a:t>内容</a:t>
             </a:r>
             <a:endParaRPr lang="en-US" altLang="zh-CN" dirty="0" smtClean="0"/>
           </a:p>
@@ -8482,18 +8885,26 @@
             <a:pPr lvl="1"/>
             <a:r>
               <a:rPr lang="zh-CN" altLang="en-US" dirty="0" smtClean="0"/>
+              <a:t>相关工作</a:t>
+            </a:r>
+            <a:endParaRPr lang="en-US" altLang="zh-CN" dirty="0" smtClean="0"/>
+          </a:p>
+          <a:p>
+            <a:r>
+              <a:rPr lang="zh-CN" altLang="en-US" dirty="0" smtClean="0"/>
               <a:t>研究</a:t>
             </a:r>
             <a:r>
               <a:rPr lang="zh-CN" altLang="en-US" dirty="0" smtClean="0"/>
-              <a:t>内容与方式</a:t>
+              <a:t>过程</a:t>
             </a:r>
             <a:endParaRPr lang="en-US" altLang="zh-CN" dirty="0" smtClean="0"/>
           </a:p>
           <a:p>
-            <a:r>
-              <a:rPr lang="zh-CN" altLang="en-US" dirty="0" smtClean="0"/>
-              <a:t>研究过程</a:t>
+            <a:pPr lvl="1"/>
+            <a:r>
+              <a:rPr lang="zh-CN" altLang="en-US" dirty="0" smtClean="0"/>
+              <a:t>并行系统简介</a:t>
             </a:r>
             <a:endParaRPr lang="en-US" altLang="zh-CN" dirty="0" smtClean="0"/>
           </a:p>
@@ -8501,34 +8912,14 @@
             <a:pPr lvl="1"/>
             <a:r>
               <a:rPr lang="zh-CN" altLang="en-US" dirty="0" smtClean="0"/>
-              <a:t>并行系统</a:t>
-            </a:r>
-            <a:r>
-              <a:rPr lang="zh-CN" altLang="en-US" dirty="0" smtClean="0"/>
-              <a:t>简介</a:t>
+              <a:t>算法简介</a:t>
             </a:r>
             <a:endParaRPr lang="en-US" altLang="zh-CN" dirty="0" smtClean="0"/>
           </a:p>
           <a:p>
-            <a:pPr lvl="1"/>
-            <a:r>
-              <a:rPr lang="zh-CN" altLang="en-US" dirty="0" smtClean="0"/>
-              <a:t>算法</a:t>
-            </a:r>
-            <a:r>
-              <a:rPr lang="zh-CN" altLang="en-US" dirty="0" smtClean="0"/>
-              <a:t>简介</a:t>
-            </a:r>
-            <a:endParaRPr lang="en-US" altLang="zh-CN" dirty="0" smtClean="0"/>
-          </a:p>
-          <a:p>
-            <a:r>
-              <a:rPr lang="zh-CN" altLang="en-US" dirty="0" smtClean="0"/>
-              <a:t>研究</a:t>
-            </a:r>
-            <a:r>
-              <a:rPr lang="zh-CN" altLang="en-US" dirty="0" smtClean="0"/>
-              <a:t>结果</a:t>
+            <a:r>
+              <a:rPr lang="zh-CN" altLang="en-US" dirty="0" smtClean="0"/>
+              <a:t>研究结果</a:t>
             </a:r>
             <a:endParaRPr lang="en-US" altLang="zh-CN" dirty="0" smtClean="0"/>
           </a:p>
@@ -8572,6 +8963,7 @@
   <p:clrMapOvr>
     <a:masterClrMapping/>
   </p:clrMapOvr>
+  <p:transition advTm="4430"/>
   <p:timing>
     <p:tnLst>
       <p:par>
@@ -8615,20 +9007,8 @@
           <a:lstStyle/>
           <a:p>
             <a:r>
-              <a:rPr lang="en-US" altLang="zh-CN" dirty="0" smtClean="0"/>
-              <a:t>Mahout</a:t>
-            </a:r>
-            <a:r>
-              <a:rPr lang="zh-CN" altLang="en-US" dirty="0" smtClean="0"/>
-              <a:t>上的在线</a:t>
-            </a:r>
-            <a:r>
-              <a:rPr lang="en-US" altLang="zh-CN" dirty="0" smtClean="0"/>
-              <a:t>SGD</a:t>
-            </a:r>
-            <a:r>
-              <a:rPr lang="zh-CN" altLang="en-US" dirty="0" smtClean="0"/>
-              <a:t>算法</a:t>
+              <a:rPr lang="zh-CN" altLang="en-US" dirty="0" smtClean="0"/>
+              <a:t>实验环境</a:t>
             </a:r>
             <a:endParaRPr lang="zh-CN" altLang="en-US" dirty="0"/>
           </a:p>
@@ -8651,66 +9031,9 @@
           <a:p>
             <a:r>
               <a:rPr lang="zh-CN" altLang="en-US" dirty="0" smtClean="0"/>
-              <a:t>算法函数</a:t>
+              <a:t>数据集</a:t>
             </a:r>
             <a:endParaRPr lang="en-US" altLang="zh-CN" dirty="0" smtClean="0"/>
-          </a:p>
-          <a:p>
-            <a:pPr lvl="1"/>
-            <a:r>
-              <a:rPr lang="en-US" altLang="zh-CN" dirty="0" err="1" smtClean="0"/>
-              <a:t>OnlineLogisticRegression</a:t>
-            </a:r>
-            <a:endParaRPr lang="en-US" altLang="zh-CN" dirty="0" smtClean="0"/>
-          </a:p>
-          <a:p>
-            <a:r>
-              <a:rPr lang="zh-CN" altLang="en-US" dirty="0" smtClean="0"/>
-              <a:t>数据存储结构</a:t>
-            </a:r>
-            <a:endParaRPr lang="en-US" altLang="zh-CN" dirty="0" smtClean="0"/>
-          </a:p>
-          <a:p>
-            <a:pPr lvl="1"/>
-            <a:r>
-              <a:rPr lang="en-US" altLang="zh-CN" dirty="0" err="1" smtClean="0"/>
-              <a:t>RandomAccessSparseVector</a:t>
-            </a:r>
-            <a:endParaRPr lang="en-US" altLang="zh-CN" dirty="0" smtClean="0"/>
-          </a:p>
-          <a:p>
-            <a:r>
-              <a:rPr lang="zh-CN" altLang="en-US" dirty="0" smtClean="0"/>
-              <a:t>交叉</a:t>
-            </a:r>
-            <a:r>
-              <a:rPr lang="zh-CN" altLang="en-US" dirty="0" smtClean="0"/>
-              <a:t>验证</a:t>
-            </a:r>
-            <a:endParaRPr lang="en-US" altLang="zh-CN" dirty="0" smtClean="0"/>
-          </a:p>
-          <a:p>
-            <a:pPr lvl="1"/>
-            <a:r>
-              <a:rPr lang="zh-CN" altLang="en-US" dirty="0" smtClean="0"/>
-              <a:t>使用自己的</a:t>
-            </a:r>
-            <a:r>
-              <a:rPr lang="en-US" altLang="zh-CN" dirty="0" err="1" smtClean="0"/>
-              <a:t>CrossValidation</a:t>
-            </a:r>
-            <a:r>
-              <a:rPr lang="zh-CN" altLang="en-US" dirty="0" smtClean="0"/>
-              <a:t>函数</a:t>
-            </a:r>
-            <a:endParaRPr lang="en-US" altLang="zh-CN" dirty="0" smtClean="0"/>
-          </a:p>
-          <a:p>
-            <a:r>
-              <a:rPr lang="zh-CN" altLang="en-US" dirty="0" smtClean="0"/>
-              <a:t>单机多线程</a:t>
-            </a:r>
-            <a:endParaRPr lang="zh-CN" altLang="en-US" dirty="0"/>
           </a:p>
         </p:txBody>
       </p:sp>
@@ -8733,108 +9056,6 @@
               <a:rPr lang="zh-CN" altLang="en-US" smtClean="0"/>
               <a:pPr/>
               <a:t>20</a:t>
-            </a:fld>
-            <a:endParaRPr lang="zh-CN" altLang="en-US"/>
-          </a:p>
-        </p:txBody>
-      </p:sp>
-    </p:spTree>
-  </p:cSld>
-  <p:clrMapOvr>
-    <a:masterClrMapping/>
-  </p:clrMapOvr>
-  <p:timing>
-    <p:tnLst>
-      <p:par>
-        <p:cTn id="1" dur="indefinite" restart="never" nodeType="tmRoot"/>
-      </p:par>
-    </p:tnLst>
-  </p:timing>
-</p:sld>
-</file>
-
-<file path=ppt/slides/slide21.xml><?xml version="1.0" encoding="utf-8"?>
-<p:sld xmlns:a="http://schemas.openxmlformats.org/drawingml/2006/main" xmlns:r="http://schemas.openxmlformats.org/officeDocument/2006/relationships" xmlns:p="http://schemas.openxmlformats.org/presentationml/2006/main">
-  <p:cSld>
-    <p:spTree>
-      <p:nvGrpSpPr>
-        <p:cNvPr id="1" name=""/>
-        <p:cNvGrpSpPr/>
-        <p:nvPr/>
-      </p:nvGrpSpPr>
-      <p:grpSpPr>
-        <a:xfrm>
-          <a:off x="0" y="0"/>
-          <a:ext cx="0" cy="0"/>
-          <a:chOff x="0" y="0"/>
-          <a:chExt cx="0" cy="0"/>
-        </a:xfrm>
-      </p:grpSpPr>
-      <p:sp>
-        <p:nvSpPr>
-          <p:cNvPr id="2" name="标题 1"/>
-          <p:cNvSpPr>
-            <a:spLocks noGrp="1"/>
-          </p:cNvSpPr>
-          <p:nvPr>
-            <p:ph type="title"/>
-          </p:nvPr>
-        </p:nvSpPr>
-        <p:spPr/>
-        <p:txBody>
-          <a:bodyPr/>
-          <a:lstStyle/>
-          <a:p>
-            <a:r>
-              <a:rPr lang="zh-CN" altLang="en-US" dirty="0" smtClean="0"/>
-              <a:t>实验环境</a:t>
-            </a:r>
-            <a:endParaRPr lang="zh-CN" altLang="en-US" dirty="0"/>
-          </a:p>
-        </p:txBody>
-      </p:sp>
-      <p:sp>
-        <p:nvSpPr>
-          <p:cNvPr id="3" name="内容占位符 2"/>
-          <p:cNvSpPr>
-            <a:spLocks noGrp="1"/>
-          </p:cNvSpPr>
-          <p:nvPr>
-            <p:ph idx="1"/>
-          </p:nvPr>
-        </p:nvSpPr>
-        <p:spPr/>
-        <p:txBody>
-          <a:bodyPr/>
-          <a:lstStyle/>
-          <a:p>
-            <a:r>
-              <a:rPr lang="zh-CN" altLang="en-US" dirty="0" smtClean="0"/>
-              <a:t>数据集</a:t>
-            </a:r>
-            <a:endParaRPr lang="en-US" altLang="zh-CN" dirty="0" smtClean="0"/>
-          </a:p>
-        </p:txBody>
-      </p:sp>
-      <p:sp>
-        <p:nvSpPr>
-          <p:cNvPr id="4" name="灯片编号占位符 3"/>
-          <p:cNvSpPr>
-            <a:spLocks noGrp="1"/>
-          </p:cNvSpPr>
-          <p:nvPr>
-            <p:ph type="sldNum" sz="quarter" idx="12"/>
-          </p:nvPr>
-        </p:nvSpPr>
-        <p:spPr/>
-        <p:txBody>
-          <a:bodyPr/>
-          <a:lstStyle/>
-          <a:p>
-            <a:fld id="{0C913308-F349-4B6D-A68A-DD1791B4A57B}" type="slidenum">
-              <a:rPr lang="zh-CN" altLang="en-US" smtClean="0"/>
-              <a:pPr/>
-              <a:t>21</a:t>
             </a:fld>
             <a:endParaRPr lang="zh-CN" altLang="en-US"/>
           </a:p>
@@ -8869,6 +9090,7 @@
   <p:clrMapOvr>
     <a:masterClrMapping/>
   </p:clrMapOvr>
+  <p:transition advTm="14820"/>
   <p:timing>
     <p:tnLst>
       <p:par>
@@ -8879,7 +9101,7 @@
 </p:sld>
 </file>
 
-<file path=ppt/slides/slide22.xml><?xml version="1.0" encoding="utf-8"?>
+<file path=ppt/slides/slide21.xml><?xml version="1.0" encoding="utf-8"?>
 <p:sld xmlns:a="http://schemas.openxmlformats.org/drawingml/2006/main" xmlns:r="http://schemas.openxmlformats.org/officeDocument/2006/relationships" xmlns:p="http://schemas.openxmlformats.org/presentationml/2006/main">
   <p:cSld>
     <p:spTree>
@@ -8960,7 +9182,7 @@
             <a:fld id="{0C913308-F349-4B6D-A68A-DD1791B4A57B}" type="slidenum">
               <a:rPr lang="zh-CN" altLang="en-US" smtClean="0"/>
               <a:pPr/>
-              <a:t>22</a:t>
+              <a:t>21</a:t>
             </a:fld>
             <a:endParaRPr lang="zh-CN" altLang="en-US"/>
           </a:p>
@@ -8995,6 +9217,180 @@
   <p:clrMapOvr>
     <a:masterClrMapping/>
   </p:clrMapOvr>
+  <p:transition advTm="5694"/>
+  <p:timing>
+    <p:tnLst>
+      <p:par>
+        <p:cTn id="1" dur="indefinite" restart="never" nodeType="tmRoot"/>
+      </p:par>
+    </p:tnLst>
+  </p:timing>
+</p:sld>
+</file>
+
+<file path=ppt/slides/slide22.xml><?xml version="1.0" encoding="utf-8"?>
+<p:sld xmlns:a="http://schemas.openxmlformats.org/drawingml/2006/main" xmlns:r="http://schemas.openxmlformats.org/officeDocument/2006/relationships" xmlns:p="http://schemas.openxmlformats.org/presentationml/2006/main">
+  <p:cSld>
+    <p:spTree>
+      <p:nvGrpSpPr>
+        <p:cNvPr id="1" name=""/>
+        <p:cNvGrpSpPr/>
+        <p:nvPr/>
+      </p:nvGrpSpPr>
+      <p:grpSpPr>
+        <a:xfrm>
+          <a:off x="0" y="0"/>
+          <a:ext cx="0" cy="0"/>
+          <a:chOff x="0" y="0"/>
+          <a:chExt cx="0" cy="0"/>
+        </a:xfrm>
+      </p:grpSpPr>
+      <p:sp>
+        <p:nvSpPr>
+          <p:cNvPr id="2" name="标题 1"/>
+          <p:cNvSpPr>
+            <a:spLocks noGrp="1"/>
+          </p:cNvSpPr>
+          <p:nvPr>
+            <p:ph type="title"/>
+          </p:nvPr>
+        </p:nvSpPr>
+        <p:spPr/>
+        <p:txBody>
+          <a:bodyPr/>
+          <a:lstStyle/>
+          <a:p>
+            <a:r>
+              <a:rPr lang="zh-CN" altLang="en-US" dirty="0" smtClean="0"/>
+              <a:t>实验环境</a:t>
+            </a:r>
+            <a:endParaRPr lang="zh-CN" altLang="en-US" dirty="0"/>
+          </a:p>
+        </p:txBody>
+      </p:sp>
+      <p:sp>
+        <p:nvSpPr>
+          <p:cNvPr id="3" name="内容占位符 2"/>
+          <p:cNvSpPr>
+            <a:spLocks noGrp="1"/>
+          </p:cNvSpPr>
+          <p:nvPr>
+            <p:ph idx="1"/>
+          </p:nvPr>
+        </p:nvSpPr>
+        <p:spPr/>
+        <p:txBody>
+          <a:bodyPr/>
+          <a:lstStyle/>
+          <a:p>
+            <a:r>
+              <a:rPr lang="zh-CN" altLang="en-US" dirty="0" smtClean="0"/>
+              <a:t>测试程序</a:t>
+            </a:r>
+            <a:endParaRPr lang="en-US" altLang="zh-CN" dirty="0" smtClean="0"/>
+          </a:p>
+          <a:p>
+            <a:pPr lvl="1"/>
+            <a:r>
+              <a:rPr lang="en-US" altLang="zh-CN" dirty="0" err="1" smtClean="0"/>
+              <a:t>Liblinear</a:t>
+            </a:r>
+            <a:r>
+              <a:rPr lang="zh-CN" altLang="en-US" dirty="0" smtClean="0"/>
+              <a:t>：串行</a:t>
+            </a:r>
+          </a:p>
+          <a:p>
+            <a:pPr lvl="1"/>
+            <a:r>
+              <a:rPr lang="en-US" altLang="zh-CN" dirty="0" smtClean="0"/>
+              <a:t>SLLR</a:t>
+            </a:r>
+            <a:r>
+              <a:rPr lang="zh-CN" altLang="en-US" dirty="0" smtClean="0"/>
+              <a:t>：串行</a:t>
+            </a:r>
+            <a:endParaRPr lang="en-US" altLang="zh-CN" dirty="0" smtClean="0"/>
+          </a:p>
+          <a:p>
+            <a:pPr lvl="1"/>
+            <a:r>
+              <a:rPr lang="en-US" altLang="zh-CN" dirty="0" smtClean="0"/>
+              <a:t>Mahout</a:t>
+            </a:r>
+            <a:r>
+              <a:rPr lang="zh-CN" altLang="en-US" dirty="0" smtClean="0"/>
+              <a:t>：单机多线程</a:t>
+            </a:r>
+          </a:p>
+          <a:p>
+            <a:pPr lvl="1"/>
+            <a:r>
+              <a:rPr lang="en-US" altLang="zh-CN" dirty="0" smtClean="0"/>
+              <a:t>PSUBPLR-MR</a:t>
+            </a:r>
+            <a:r>
+              <a:rPr lang="zh-CN" altLang="en-US" dirty="0" smtClean="0"/>
+              <a:t>：多机并行</a:t>
+            </a:r>
+          </a:p>
+          <a:p>
+            <a:pPr lvl="1"/>
+            <a:r>
+              <a:rPr lang="en-US" altLang="zh-CN" dirty="0" smtClean="0"/>
+              <a:t>PGDPLR-SPARK</a:t>
+            </a:r>
+            <a:r>
+              <a:rPr lang="zh-CN" altLang="en-US" dirty="0" smtClean="0"/>
+              <a:t> ：多机并行</a:t>
+            </a:r>
+          </a:p>
+          <a:p>
+            <a:pPr lvl="1"/>
+            <a:r>
+              <a:rPr lang="en-US" altLang="zh-CN" dirty="0" smtClean="0"/>
+              <a:t>PSUBPLR-SPARK</a:t>
+            </a:r>
+            <a:r>
+              <a:rPr lang="zh-CN" altLang="en-US" dirty="0" smtClean="0"/>
+              <a:t>：多机并行</a:t>
+            </a:r>
+          </a:p>
+          <a:p>
+            <a:endParaRPr lang="zh-CN" altLang="en-US" dirty="0"/>
+          </a:p>
+        </p:txBody>
+      </p:sp>
+      <p:sp>
+        <p:nvSpPr>
+          <p:cNvPr id="4" name="灯片编号占位符 3"/>
+          <p:cNvSpPr>
+            <a:spLocks noGrp="1"/>
+          </p:cNvSpPr>
+          <p:nvPr>
+            <p:ph type="sldNum" sz="quarter" idx="12"/>
+          </p:nvPr>
+        </p:nvSpPr>
+        <p:spPr/>
+        <p:txBody>
+          <a:bodyPr/>
+          <a:lstStyle/>
+          <a:p>
+            <a:fld id="{0C913308-F349-4B6D-A68A-DD1791B4A57B}" type="slidenum">
+              <a:rPr lang="zh-CN" altLang="en-US" smtClean="0"/>
+              <a:pPr/>
+              <a:t>22</a:t>
+            </a:fld>
+            <a:endParaRPr lang="zh-CN" altLang="en-US"/>
+          </a:p>
+        </p:txBody>
+      </p:sp>
+    </p:spTree>
+  </p:cSld>
+  <p:clrMapOvr>
+    <a:masterClrMapping/>
+  </p:clrMapOvr>
+  <p:transition advTm="36738"/>
   <p:timing>
     <p:tnLst>
       <p:par>
@@ -9039,7 +9435,7 @@
           <a:p>
             <a:r>
               <a:rPr lang="zh-CN" altLang="en-US" dirty="0" smtClean="0"/>
-              <a:t>实验环境</a:t>
+              <a:t>实验结果</a:t>
             </a:r>
             <a:endParaRPr lang="zh-CN" altLang="en-US" dirty="0"/>
           </a:p>
@@ -9061,91 +9457,18 @@
           <a:lstStyle/>
           <a:p>
             <a:r>
-              <a:rPr lang="zh-CN" altLang="en-US" dirty="0" smtClean="0"/>
-              <a:t>测试程序</a:t>
-            </a:r>
-            <a:endParaRPr lang="en-US" altLang="zh-CN" dirty="0" smtClean="0"/>
-          </a:p>
-          <a:p>
-            <a:pPr lvl="1"/>
-            <a:r>
-              <a:rPr lang="en-US" altLang="zh-CN" dirty="0" err="1" smtClean="0"/>
-              <a:t>Liblinear</a:t>
-            </a:r>
-            <a:r>
-              <a:rPr lang="zh-CN" altLang="en-US" dirty="0" smtClean="0"/>
-              <a:t>：串行</a:t>
-            </a:r>
-            <a:endParaRPr lang="zh-CN" altLang="en-US" dirty="0" smtClean="0"/>
-          </a:p>
-          <a:p>
-            <a:pPr lvl="1"/>
-            <a:r>
-              <a:rPr lang="en-US" altLang="zh-CN" dirty="0" smtClean="0"/>
-              <a:t>SLLR</a:t>
-            </a:r>
-            <a:r>
-              <a:rPr lang="zh-CN" altLang="en-US" dirty="0" smtClean="0"/>
-              <a:t>：串行</a:t>
-            </a:r>
-            <a:endParaRPr lang="en-US" altLang="zh-CN" dirty="0" smtClean="0"/>
-          </a:p>
-          <a:p>
-            <a:pPr lvl="1"/>
-            <a:r>
-              <a:rPr lang="en-US" altLang="zh-CN" dirty="0" smtClean="0"/>
-              <a:t>Mahout</a:t>
-            </a:r>
-            <a:r>
-              <a:rPr lang="zh-CN" altLang="en-US" dirty="0" smtClean="0"/>
-              <a:t>：单机多线程</a:t>
-            </a:r>
-            <a:endParaRPr lang="zh-CN" altLang="en-US" dirty="0" smtClean="0"/>
-          </a:p>
-          <a:p>
-            <a:pPr lvl="1"/>
-            <a:r>
-              <a:rPr lang="en-US" altLang="zh-CN" dirty="0" smtClean="0"/>
-              <a:t>PSUBPLR-MR</a:t>
-            </a:r>
-            <a:r>
-              <a:rPr lang="zh-CN" altLang="en-US" dirty="0" smtClean="0"/>
-              <a:t>：多机并行</a:t>
-            </a:r>
-            <a:endParaRPr lang="zh-CN" altLang="en-US" dirty="0" smtClean="0"/>
-          </a:p>
-          <a:p>
-            <a:pPr lvl="1"/>
-            <a:r>
-              <a:rPr lang="en-US" altLang="zh-CN" dirty="0" smtClean="0"/>
-              <a:t>PGDPLR-SPARK</a:t>
-            </a:r>
-            <a:r>
-              <a:rPr lang="zh-CN" altLang="en-US" dirty="0" smtClean="0"/>
-              <a:t> ：</a:t>
-            </a:r>
-            <a:r>
-              <a:rPr lang="zh-CN" altLang="en-US" dirty="0" smtClean="0"/>
-              <a:t>多机并行</a:t>
-            </a:r>
-          </a:p>
-          <a:p>
-            <a:pPr lvl="1"/>
-            <a:r>
-              <a:rPr lang="en-US" altLang="zh-CN" dirty="0" smtClean="0"/>
-              <a:t>PSUBPLR-SPARK</a:t>
-            </a:r>
-            <a:r>
-              <a:rPr lang="zh-CN" altLang="en-US" dirty="0" smtClean="0"/>
-              <a:t>：多</a:t>
-            </a:r>
-            <a:r>
-              <a:rPr lang="zh-CN" altLang="en-US" dirty="0" smtClean="0"/>
-              <a:t>机并行</a:t>
-            </a:r>
-          </a:p>
-          <a:p>
-            <a:endParaRPr lang="zh-CN" altLang="en-US" dirty="0"/>
+              <a:rPr lang="zh-CN" altLang="en-US" sz="2800" dirty="0" smtClean="0"/>
+              <a:t>仿真</a:t>
+            </a:r>
+            <a:r>
+              <a:rPr lang="en-US" altLang="zh-CN" sz="2800" dirty="0" smtClean="0"/>
+              <a:t>2D</a:t>
+            </a:r>
+            <a:r>
+              <a:rPr lang="zh-CN" altLang="en-US" sz="2800" dirty="0" smtClean="0"/>
+              <a:t>数据集</a:t>
+            </a:r>
+            <a:endParaRPr lang="zh-CN" altLang="en-US" sz="2800" dirty="0"/>
           </a:p>
         </p:txBody>
       </p:sp>
@@ -9168,116 +9491,6 @@
               <a:rPr lang="zh-CN" altLang="en-US" smtClean="0"/>
               <a:pPr/>
               <a:t>23</a:t>
-            </a:fld>
-            <a:endParaRPr lang="zh-CN" altLang="en-US"/>
-          </a:p>
-        </p:txBody>
-      </p:sp>
-    </p:spTree>
-  </p:cSld>
-  <p:clrMapOvr>
-    <a:masterClrMapping/>
-  </p:clrMapOvr>
-  <p:timing>
-    <p:tnLst>
-      <p:par>
-        <p:cTn id="1" dur="indefinite" restart="never" nodeType="tmRoot"/>
-      </p:par>
-    </p:tnLst>
-  </p:timing>
-</p:sld>
-</file>
-
-<file path=ppt/slides/slide24.xml><?xml version="1.0" encoding="utf-8"?>
-<p:sld xmlns:a="http://schemas.openxmlformats.org/drawingml/2006/main" xmlns:r="http://schemas.openxmlformats.org/officeDocument/2006/relationships" xmlns:p="http://schemas.openxmlformats.org/presentationml/2006/main">
-  <p:cSld>
-    <p:spTree>
-      <p:nvGrpSpPr>
-        <p:cNvPr id="1" name=""/>
-        <p:cNvGrpSpPr/>
-        <p:nvPr/>
-      </p:nvGrpSpPr>
-      <p:grpSpPr>
-        <a:xfrm>
-          <a:off x="0" y="0"/>
-          <a:ext cx="0" cy="0"/>
-          <a:chOff x="0" y="0"/>
-          <a:chExt cx="0" cy="0"/>
-        </a:xfrm>
-      </p:grpSpPr>
-      <p:sp>
-        <p:nvSpPr>
-          <p:cNvPr id="2" name="标题 1"/>
-          <p:cNvSpPr>
-            <a:spLocks noGrp="1"/>
-          </p:cNvSpPr>
-          <p:nvPr>
-            <p:ph type="title"/>
-          </p:nvPr>
-        </p:nvSpPr>
-        <p:spPr/>
-        <p:txBody>
-          <a:bodyPr/>
-          <a:lstStyle/>
-          <a:p>
-            <a:r>
-              <a:rPr lang="zh-CN" altLang="en-US" dirty="0" smtClean="0"/>
-              <a:t>实验结果</a:t>
-            </a:r>
-            <a:endParaRPr lang="zh-CN" altLang="en-US" dirty="0"/>
-          </a:p>
-        </p:txBody>
-      </p:sp>
-      <p:sp>
-        <p:nvSpPr>
-          <p:cNvPr id="3" name="内容占位符 2"/>
-          <p:cNvSpPr>
-            <a:spLocks noGrp="1"/>
-          </p:cNvSpPr>
-          <p:nvPr>
-            <p:ph idx="1"/>
-          </p:nvPr>
-        </p:nvSpPr>
-        <p:spPr/>
-        <p:txBody>
-          <a:bodyPr/>
-          <a:lstStyle/>
-          <a:p>
-            <a:r>
-              <a:rPr lang="zh-CN" altLang="en-US" sz="2800" dirty="0" smtClean="0"/>
-              <a:t>仿真</a:t>
-            </a:r>
-            <a:r>
-              <a:rPr lang="en-US" altLang="zh-CN" sz="2800" dirty="0" smtClean="0"/>
-              <a:t>2D</a:t>
-            </a:r>
-            <a:r>
-              <a:rPr lang="zh-CN" altLang="en-US" sz="2800" dirty="0" smtClean="0"/>
-              <a:t>数据集</a:t>
-            </a:r>
-            <a:endParaRPr lang="zh-CN" altLang="en-US" sz="2800" dirty="0"/>
-          </a:p>
-        </p:txBody>
-      </p:sp>
-      <p:sp>
-        <p:nvSpPr>
-          <p:cNvPr id="4" name="灯片编号占位符 3"/>
-          <p:cNvSpPr>
-            <a:spLocks noGrp="1"/>
-          </p:cNvSpPr>
-          <p:nvPr>
-            <p:ph type="sldNum" sz="quarter" idx="12"/>
-          </p:nvPr>
-        </p:nvSpPr>
-        <p:spPr/>
-        <p:txBody>
-          <a:bodyPr/>
-          <a:lstStyle/>
-          <a:p>
-            <a:fld id="{0C913308-F349-4B6D-A68A-DD1791B4A57B}" type="slidenum">
-              <a:rPr lang="zh-CN" altLang="en-US" smtClean="0"/>
-              <a:pPr/>
-              <a:t>24</a:t>
             </a:fld>
             <a:endParaRPr lang="zh-CN" altLang="en-US"/>
           </a:p>
@@ -9312,6 +9525,196 @@
   <p:clrMapOvr>
     <a:masterClrMapping/>
   </p:clrMapOvr>
+  <p:transition advTm="23213"/>
+  <p:timing>
+    <p:tnLst>
+      <p:par>
+        <p:cTn id="1" dur="indefinite" restart="never" nodeType="tmRoot"/>
+      </p:par>
+    </p:tnLst>
+  </p:timing>
+</p:sld>
+</file>
+
+<file path=ppt/slides/slide24.xml><?xml version="1.0" encoding="utf-8"?>
+<p:sld xmlns:a="http://schemas.openxmlformats.org/drawingml/2006/main" xmlns:r="http://schemas.openxmlformats.org/officeDocument/2006/relationships" xmlns:p="http://schemas.openxmlformats.org/presentationml/2006/main">
+  <p:cSld>
+    <p:spTree>
+      <p:nvGrpSpPr>
+        <p:cNvPr id="1" name=""/>
+        <p:cNvGrpSpPr/>
+        <p:nvPr/>
+      </p:nvGrpSpPr>
+      <p:grpSpPr>
+        <a:xfrm>
+          <a:off x="0" y="0"/>
+          <a:ext cx="0" cy="0"/>
+          <a:chOff x="0" y="0"/>
+          <a:chExt cx="0" cy="0"/>
+        </a:xfrm>
+      </p:grpSpPr>
+      <p:sp>
+        <p:nvSpPr>
+          <p:cNvPr id="2" name="标题 1"/>
+          <p:cNvSpPr>
+            <a:spLocks noGrp="1"/>
+          </p:cNvSpPr>
+          <p:nvPr>
+            <p:ph type="title"/>
+          </p:nvPr>
+        </p:nvSpPr>
+        <p:spPr/>
+        <p:txBody>
+          <a:bodyPr/>
+          <a:lstStyle/>
+          <a:p>
+            <a:r>
+              <a:rPr lang="zh-CN" altLang="en-US" dirty="0" smtClean="0"/>
+              <a:t>实验结果</a:t>
+            </a:r>
+            <a:endParaRPr lang="zh-CN" altLang="en-US" dirty="0"/>
+          </a:p>
+        </p:txBody>
+      </p:sp>
+      <p:pic>
+        <p:nvPicPr>
+          <p:cNvPr id="5" name="内容占位符 4" descr="table3.JPG"/>
+          <p:cNvPicPr>
+            <a:picLocks noGrp="1" noChangeAspect="1"/>
+          </p:cNvPicPr>
+          <p:nvPr>
+            <p:ph idx="1"/>
+          </p:nvPr>
+        </p:nvPicPr>
+        <p:blipFill>
+          <a:blip r:embed="rId2"/>
+          <a:stretch>
+            <a:fillRect/>
+          </a:stretch>
+        </p:blipFill>
+        <p:spPr>
+          <a:xfrm>
+            <a:off x="-32" y="2714620"/>
+            <a:ext cx="9112669" cy="2428892"/>
+          </a:xfrm>
+        </p:spPr>
+      </p:pic>
+      <p:sp>
+        <p:nvSpPr>
+          <p:cNvPr id="4" name="灯片编号占位符 3"/>
+          <p:cNvSpPr>
+            <a:spLocks noGrp="1"/>
+          </p:cNvSpPr>
+          <p:nvPr>
+            <p:ph type="sldNum" sz="quarter" idx="12"/>
+          </p:nvPr>
+        </p:nvSpPr>
+        <p:spPr/>
+        <p:txBody>
+          <a:bodyPr/>
+          <a:lstStyle/>
+          <a:p>
+            <a:fld id="{0C913308-F349-4B6D-A68A-DD1791B4A57B}" type="slidenum">
+              <a:rPr lang="zh-CN" altLang="en-US" smtClean="0"/>
+              <a:pPr/>
+              <a:t>24</a:t>
+            </a:fld>
+            <a:endParaRPr lang="zh-CN" altLang="en-US"/>
+          </a:p>
+        </p:txBody>
+      </p:sp>
+      <p:sp>
+        <p:nvSpPr>
+          <p:cNvPr id="6" name="内容占位符 2"/>
+          <p:cNvSpPr txBox="1">
+            <a:spLocks/>
+          </p:cNvSpPr>
+          <p:nvPr/>
+        </p:nvSpPr>
+        <p:spPr bwMode="auto">
+          <a:xfrm>
+            <a:off x="1182688" y="2017713"/>
+            <a:ext cx="7772400" cy="4114800"/>
+          </a:xfrm>
+          <a:prstGeom prst="rect">
+            <a:avLst/>
+          </a:prstGeom>
+          <a:noFill/>
+          <a:ln w="9525">
+            <a:noFill/>
+            <a:miter lim="800000"/>
+            <a:headEnd/>
+            <a:tailEnd/>
+          </a:ln>
+          <a:effectLst/>
+        </p:spPr>
+        <p:txBody>
+          <a:bodyPr vert="horz" wrap="square" lIns="91440" tIns="45720" rIns="91440" bIns="45720" numCol="1" anchor="t" anchorCtr="0" compatLnSpc="1">
+            <a:prstTxWarp prst="textNoShape">
+              <a:avLst/>
+            </a:prstTxWarp>
+          </a:bodyPr>
+          <a:lstStyle/>
+          <a:p>
+            <a:pPr marL="342900" marR="0" lvl="0" indent="-342900" algn="l" defTabSz="914400" rtl="0" eaLnBrk="1" fontAlgn="base" latinLnBrk="0" hangingPunct="1">
+              <a:lnSpc>
+                <a:spcPct val="100000"/>
+              </a:lnSpc>
+              <a:spcBef>
+                <a:spcPct val="20000"/>
+              </a:spcBef>
+              <a:spcAft>
+                <a:spcPct val="0"/>
+              </a:spcAft>
+              <a:buClr>
+                <a:schemeClr val="folHlink"/>
+              </a:buClr>
+              <a:buSzPct val="60000"/>
+              <a:buFont typeface="Wingdings" pitchFamily="2" charset="2"/>
+              <a:buChar char="n"/>
+              <a:tabLst/>
+              <a:defRPr/>
+            </a:pPr>
+            <a:r>
+              <a:rPr kumimoji="0" lang="zh-CN" altLang="en-US" sz="2800" b="0" i="0" u="none" strike="noStrike" kern="0" cap="none" spc="0" normalizeH="0" baseline="0" noProof="0" dirty="0" smtClean="0">
+                <a:ln>
+                  <a:noFill/>
+                </a:ln>
+                <a:solidFill>
+                  <a:schemeClr val="tx1"/>
+                </a:solidFill>
+                <a:effectLst/>
+                <a:uLnTx/>
+                <a:uFillTx/>
+                <a:latin typeface="+mn-lt"/>
+                <a:ea typeface="+mn-ea"/>
+                <a:cs typeface="+mn-cs"/>
+              </a:rPr>
+              <a:t>学习精度结果</a:t>
+            </a:r>
+            <a:endParaRPr kumimoji="0" lang="zh-CN" altLang="en-US" sz="2800" b="0" i="0" u="none" strike="noStrike" kern="0" cap="none" spc="0" normalizeH="0" baseline="0" noProof="0" dirty="0">
+              <a:ln>
+                <a:noFill/>
+              </a:ln>
+              <a:solidFill>
+                <a:schemeClr val="tx1"/>
+              </a:solidFill>
+              <a:effectLst/>
+              <a:uLnTx/>
+              <a:uFillTx/>
+              <a:latin typeface="+mn-lt"/>
+              <a:ea typeface="+mn-ea"/>
+              <a:cs typeface="+mn-cs"/>
+            </a:endParaRPr>
+          </a:p>
+        </p:txBody>
+      </p:sp>
+    </p:spTree>
+  </p:cSld>
+  <p:clrMapOvr>
+    <a:masterClrMapping/>
+  </p:clrMapOvr>
+  <p:transition advTm="9313"/>
   <p:timing>
     <p:tnLst>
       <p:par>
@@ -9362,29 +9765,37 @@
           </a:p>
         </p:txBody>
       </p:sp>
-      <p:pic>
-        <p:nvPicPr>
-          <p:cNvPr id="5" name="内容占位符 4" descr="table3.JPG"/>
-          <p:cNvPicPr>
-            <a:picLocks noGrp="1" noChangeAspect="1"/>
-          </p:cNvPicPr>
+      <p:sp>
+        <p:nvSpPr>
+          <p:cNvPr id="3" name="内容占位符 2"/>
+          <p:cNvSpPr>
+            <a:spLocks noGrp="1"/>
+          </p:cNvSpPr>
           <p:nvPr>
             <p:ph idx="1"/>
           </p:nvPr>
-        </p:nvPicPr>
-        <p:blipFill>
-          <a:blip r:embed="rId2"/>
-          <a:stretch>
-            <a:fillRect/>
-          </a:stretch>
-        </p:blipFill>
-        <p:spPr>
-          <a:xfrm>
-            <a:off x="-32" y="2714620"/>
-            <a:ext cx="9112669" cy="2428892"/>
-          </a:xfrm>
-        </p:spPr>
-      </p:pic>
+        </p:nvSpPr>
+        <p:spPr/>
+        <p:txBody>
+          <a:bodyPr/>
+          <a:lstStyle/>
+          <a:p>
+            <a:r>
+              <a:rPr lang="zh-CN" altLang="en-US" dirty="0" smtClean="0"/>
+              <a:t>迭代</a:t>
+            </a:r>
+            <a:r>
+              <a:rPr lang="en-US" altLang="zh-CN" dirty="0" smtClean="0"/>
+              <a:t>-</a:t>
+            </a:r>
+            <a:r>
+              <a:rPr lang="zh-CN" altLang="en-US" dirty="0" smtClean="0"/>
+              <a:t>测试误差</a:t>
+            </a:r>
+            <a:endParaRPr lang="zh-CN" altLang="en-US" dirty="0"/>
+          </a:p>
+        </p:txBody>
+      </p:sp>
       <p:sp>
         <p:nvSpPr>
           <p:cNvPr id="4" name="灯片编号占位符 3"/>
@@ -9404,202 +9815,6 @@
               <a:rPr lang="zh-CN" altLang="en-US" smtClean="0"/>
               <a:pPr/>
               <a:t>25</a:t>
-            </a:fld>
-            <a:endParaRPr lang="zh-CN" altLang="en-US"/>
-          </a:p>
-        </p:txBody>
-      </p:sp>
-      <p:sp>
-        <p:nvSpPr>
-          <p:cNvPr id="6" name="内容占位符 2"/>
-          <p:cNvSpPr txBox="1">
-            <a:spLocks/>
-          </p:cNvSpPr>
-          <p:nvPr/>
-        </p:nvSpPr>
-        <p:spPr bwMode="auto">
-          <a:xfrm>
-            <a:off x="1182688" y="2017713"/>
-            <a:ext cx="7772400" cy="4114800"/>
-          </a:xfrm>
-          <a:prstGeom prst="rect">
-            <a:avLst/>
-          </a:prstGeom>
-          <a:noFill/>
-          <a:ln w="9525">
-            <a:noFill/>
-            <a:miter lim="800000"/>
-            <a:headEnd/>
-            <a:tailEnd/>
-          </a:ln>
-          <a:effectLst/>
-        </p:spPr>
-        <p:txBody>
-          <a:bodyPr vert="horz" wrap="square" lIns="91440" tIns="45720" rIns="91440" bIns="45720" numCol="1" anchor="t" anchorCtr="0" compatLnSpc="1">
-            <a:prstTxWarp prst="textNoShape">
-              <a:avLst/>
-            </a:prstTxWarp>
-          </a:bodyPr>
-          <a:lstStyle/>
-          <a:p>
-            <a:pPr marL="342900" marR="0" lvl="0" indent="-342900" algn="l" defTabSz="914400" rtl="0" eaLnBrk="1" fontAlgn="base" latinLnBrk="0" hangingPunct="1">
-              <a:lnSpc>
-                <a:spcPct val="100000"/>
-              </a:lnSpc>
-              <a:spcBef>
-                <a:spcPct val="20000"/>
-              </a:spcBef>
-              <a:spcAft>
-                <a:spcPct val="0"/>
-              </a:spcAft>
-              <a:buClr>
-                <a:schemeClr val="folHlink"/>
-              </a:buClr>
-              <a:buSzPct val="60000"/>
-              <a:buFont typeface="Wingdings" pitchFamily="2" charset="2"/>
-              <a:buChar char="n"/>
-              <a:tabLst/>
-              <a:defRPr/>
-            </a:pPr>
-            <a:r>
-              <a:rPr kumimoji="0" lang="zh-CN" altLang="en-US" sz="2800" b="0" i="0" u="none" strike="noStrike" kern="0" cap="none" spc="0" normalizeH="0" baseline="0" noProof="0" dirty="0" smtClean="0">
-                <a:ln>
-                  <a:noFill/>
-                </a:ln>
-                <a:solidFill>
-                  <a:schemeClr val="tx1"/>
-                </a:solidFill>
-                <a:effectLst/>
-                <a:uLnTx/>
-                <a:uFillTx/>
-                <a:latin typeface="+mn-lt"/>
-                <a:ea typeface="+mn-ea"/>
-                <a:cs typeface="+mn-cs"/>
-              </a:rPr>
-              <a:t>学习精度结果</a:t>
-            </a:r>
-            <a:endParaRPr kumimoji="0" lang="zh-CN" altLang="en-US" sz="2800" b="0" i="0" u="none" strike="noStrike" kern="0" cap="none" spc="0" normalizeH="0" baseline="0" noProof="0" dirty="0">
-              <a:ln>
-                <a:noFill/>
-              </a:ln>
-              <a:solidFill>
-                <a:schemeClr val="tx1"/>
-              </a:solidFill>
-              <a:effectLst/>
-              <a:uLnTx/>
-              <a:uFillTx/>
-              <a:latin typeface="+mn-lt"/>
-              <a:ea typeface="+mn-ea"/>
-              <a:cs typeface="+mn-cs"/>
-            </a:endParaRPr>
-          </a:p>
-        </p:txBody>
-      </p:sp>
-    </p:spTree>
-  </p:cSld>
-  <p:clrMapOvr>
-    <a:masterClrMapping/>
-  </p:clrMapOvr>
-  <p:timing>
-    <p:tnLst>
-      <p:par>
-        <p:cTn id="1" dur="indefinite" restart="never" nodeType="tmRoot"/>
-      </p:par>
-    </p:tnLst>
-  </p:timing>
-</p:sld>
-</file>
-
-<file path=ppt/slides/slide26.xml><?xml version="1.0" encoding="utf-8"?>
-<p:sld xmlns:a="http://schemas.openxmlformats.org/drawingml/2006/main" xmlns:r="http://schemas.openxmlformats.org/officeDocument/2006/relationships" xmlns:p="http://schemas.openxmlformats.org/presentationml/2006/main">
-  <p:cSld>
-    <p:spTree>
-      <p:nvGrpSpPr>
-        <p:cNvPr id="1" name=""/>
-        <p:cNvGrpSpPr/>
-        <p:nvPr/>
-      </p:nvGrpSpPr>
-      <p:grpSpPr>
-        <a:xfrm>
-          <a:off x="0" y="0"/>
-          <a:ext cx="0" cy="0"/>
-          <a:chOff x="0" y="0"/>
-          <a:chExt cx="0" cy="0"/>
-        </a:xfrm>
-      </p:grpSpPr>
-      <p:sp>
-        <p:nvSpPr>
-          <p:cNvPr id="2" name="标题 1"/>
-          <p:cNvSpPr>
-            <a:spLocks noGrp="1"/>
-          </p:cNvSpPr>
-          <p:nvPr>
-            <p:ph type="title"/>
-          </p:nvPr>
-        </p:nvSpPr>
-        <p:spPr/>
-        <p:txBody>
-          <a:bodyPr/>
-          <a:lstStyle/>
-          <a:p>
-            <a:r>
-              <a:rPr lang="zh-CN" altLang="en-US" dirty="0" smtClean="0"/>
-              <a:t>实验结果</a:t>
-            </a:r>
-            <a:endParaRPr lang="zh-CN" altLang="en-US" dirty="0"/>
-          </a:p>
-        </p:txBody>
-      </p:sp>
-      <p:sp>
-        <p:nvSpPr>
-          <p:cNvPr id="3" name="内容占位符 2"/>
-          <p:cNvSpPr>
-            <a:spLocks noGrp="1"/>
-          </p:cNvSpPr>
-          <p:nvPr>
-            <p:ph idx="1"/>
-          </p:nvPr>
-        </p:nvSpPr>
-        <p:spPr/>
-        <p:txBody>
-          <a:bodyPr/>
-          <a:lstStyle/>
-          <a:p>
-            <a:r>
-              <a:rPr lang="zh-CN" altLang="en-US" dirty="0" smtClean="0"/>
-              <a:t>迭代</a:t>
-            </a:r>
-            <a:r>
-              <a:rPr lang="en-US" altLang="zh-CN" dirty="0" smtClean="0"/>
-              <a:t>-</a:t>
-            </a:r>
-            <a:r>
-              <a:rPr lang="zh-CN" altLang="en-US" dirty="0" smtClean="0"/>
-              <a:t>测试误差</a:t>
-            </a:r>
-            <a:endParaRPr lang="zh-CN" altLang="en-US" dirty="0"/>
-          </a:p>
-        </p:txBody>
-      </p:sp>
-      <p:sp>
-        <p:nvSpPr>
-          <p:cNvPr id="4" name="灯片编号占位符 3"/>
-          <p:cNvSpPr>
-            <a:spLocks noGrp="1"/>
-          </p:cNvSpPr>
-          <p:nvPr>
-            <p:ph type="sldNum" sz="quarter" idx="12"/>
-          </p:nvPr>
-        </p:nvSpPr>
-        <p:spPr/>
-        <p:txBody>
-          <a:bodyPr/>
-          <a:lstStyle/>
-          <a:p>
-            <a:fld id="{0C913308-F349-4B6D-A68A-DD1791B4A57B}" type="slidenum">
-              <a:rPr lang="zh-CN" altLang="en-US" smtClean="0"/>
-              <a:pPr/>
-              <a:t>26</a:t>
             </a:fld>
             <a:endParaRPr lang="zh-CN" altLang="en-US"/>
           </a:p>
@@ -9791,6 +10006,7 @@
   <p:clrMapOvr>
     <a:masterClrMapping/>
   </p:clrMapOvr>
+  <p:transition advTm="13619"/>
   <p:timing>
     <p:tnLst>
       <p:par>
@@ -9801,7 +10017,7 @@
 </p:sld>
 </file>
 
-<file path=ppt/slides/slide27.xml><?xml version="1.0" encoding="utf-8"?>
+<file path=ppt/slides/slide26.xml><?xml version="1.0" encoding="utf-8"?>
 <p:sld xmlns:a="http://schemas.openxmlformats.org/drawingml/2006/main" xmlns:r="http://schemas.openxmlformats.org/officeDocument/2006/relationships" xmlns:p="http://schemas.openxmlformats.org/presentationml/2006/main">
   <p:cSld>
     <p:spTree>
@@ -9890,7 +10106,7 @@
             <a:fld id="{0C913308-F349-4B6D-A68A-DD1791B4A57B}" type="slidenum">
               <a:rPr lang="zh-CN" altLang="en-US" smtClean="0"/>
               <a:pPr/>
-              <a:t>27</a:t>
+              <a:t>26</a:t>
             </a:fld>
             <a:endParaRPr lang="zh-CN" altLang="en-US"/>
           </a:p>
@@ -10019,6 +10235,196 @@
   <p:clrMapOvr>
     <a:masterClrMapping/>
   </p:clrMapOvr>
+  <p:transition advTm="608"/>
+  <p:timing>
+    <p:tnLst>
+      <p:par>
+        <p:cTn id="1" dur="indefinite" restart="never" nodeType="tmRoot"/>
+      </p:par>
+    </p:tnLst>
+  </p:timing>
+</p:sld>
+</file>
+
+<file path=ppt/slides/slide27.xml><?xml version="1.0" encoding="utf-8"?>
+<p:sld xmlns:a="http://schemas.openxmlformats.org/drawingml/2006/main" xmlns:r="http://schemas.openxmlformats.org/officeDocument/2006/relationships" xmlns:p="http://schemas.openxmlformats.org/presentationml/2006/main">
+  <p:cSld>
+    <p:spTree>
+      <p:nvGrpSpPr>
+        <p:cNvPr id="1" name=""/>
+        <p:cNvGrpSpPr/>
+        <p:nvPr/>
+      </p:nvGrpSpPr>
+      <p:grpSpPr>
+        <a:xfrm>
+          <a:off x="0" y="0"/>
+          <a:ext cx="0" cy="0"/>
+          <a:chOff x="0" y="0"/>
+          <a:chExt cx="0" cy="0"/>
+        </a:xfrm>
+      </p:grpSpPr>
+      <p:sp>
+        <p:nvSpPr>
+          <p:cNvPr id="2" name="标题 1"/>
+          <p:cNvSpPr>
+            <a:spLocks noGrp="1"/>
+          </p:cNvSpPr>
+          <p:nvPr>
+            <p:ph type="title"/>
+          </p:nvPr>
+        </p:nvSpPr>
+        <p:spPr/>
+        <p:txBody>
+          <a:bodyPr/>
+          <a:lstStyle/>
+          <a:p>
+            <a:r>
+              <a:rPr lang="zh-CN" altLang="en-US" dirty="0" smtClean="0"/>
+              <a:t>实验结果</a:t>
+            </a:r>
+            <a:endParaRPr lang="zh-CN" altLang="en-US" dirty="0"/>
+          </a:p>
+        </p:txBody>
+      </p:sp>
+      <p:pic>
+        <p:nvPicPr>
+          <p:cNvPr id="5" name="内容占位符 4" descr="table4.JPG"/>
+          <p:cNvPicPr>
+            <a:picLocks noGrp="1" noChangeAspect="1"/>
+          </p:cNvPicPr>
+          <p:nvPr>
+            <p:ph idx="1"/>
+          </p:nvPr>
+        </p:nvPicPr>
+        <p:blipFill>
+          <a:blip r:embed="rId2"/>
+          <a:stretch>
+            <a:fillRect/>
+          </a:stretch>
+        </p:blipFill>
+        <p:spPr>
+          <a:xfrm>
+            <a:off x="-1" y="2714620"/>
+            <a:ext cx="9081315" cy="2428892"/>
+          </a:xfrm>
+        </p:spPr>
+      </p:pic>
+      <p:sp>
+        <p:nvSpPr>
+          <p:cNvPr id="4" name="灯片编号占位符 3"/>
+          <p:cNvSpPr>
+            <a:spLocks noGrp="1"/>
+          </p:cNvSpPr>
+          <p:nvPr>
+            <p:ph type="sldNum" sz="quarter" idx="12"/>
+          </p:nvPr>
+        </p:nvSpPr>
+        <p:spPr/>
+        <p:txBody>
+          <a:bodyPr/>
+          <a:lstStyle/>
+          <a:p>
+            <a:fld id="{0C913308-F349-4B6D-A68A-DD1791B4A57B}" type="slidenum">
+              <a:rPr lang="zh-CN" altLang="en-US" smtClean="0"/>
+              <a:pPr/>
+              <a:t>27</a:t>
+            </a:fld>
+            <a:endParaRPr lang="zh-CN" altLang="en-US"/>
+          </a:p>
+        </p:txBody>
+      </p:sp>
+      <p:sp>
+        <p:nvSpPr>
+          <p:cNvPr id="6" name="内容占位符 2"/>
+          <p:cNvSpPr txBox="1">
+            <a:spLocks/>
+          </p:cNvSpPr>
+          <p:nvPr/>
+        </p:nvSpPr>
+        <p:spPr bwMode="auto">
+          <a:xfrm>
+            <a:off x="1182688" y="2017713"/>
+            <a:ext cx="7772400" cy="4114800"/>
+          </a:xfrm>
+          <a:prstGeom prst="rect">
+            <a:avLst/>
+          </a:prstGeom>
+          <a:noFill/>
+          <a:ln w="9525">
+            <a:noFill/>
+            <a:miter lim="800000"/>
+            <a:headEnd/>
+            <a:tailEnd/>
+          </a:ln>
+          <a:effectLst/>
+        </p:spPr>
+        <p:txBody>
+          <a:bodyPr vert="horz" wrap="square" lIns="91440" tIns="45720" rIns="91440" bIns="45720" numCol="1" anchor="t" anchorCtr="0" compatLnSpc="1">
+            <a:prstTxWarp prst="textNoShape">
+              <a:avLst/>
+            </a:prstTxWarp>
+          </a:bodyPr>
+          <a:lstStyle/>
+          <a:p>
+            <a:pPr marL="342900" marR="0" lvl="0" indent="-342900" algn="l" defTabSz="914400" rtl="0" eaLnBrk="1" fontAlgn="base" latinLnBrk="0" hangingPunct="1">
+              <a:lnSpc>
+                <a:spcPct val="100000"/>
+              </a:lnSpc>
+              <a:spcBef>
+                <a:spcPct val="20000"/>
+              </a:spcBef>
+              <a:spcAft>
+                <a:spcPct val="0"/>
+              </a:spcAft>
+              <a:buClr>
+                <a:schemeClr val="folHlink"/>
+              </a:buClr>
+              <a:buSzPct val="60000"/>
+              <a:buFont typeface="Wingdings" pitchFamily="2" charset="2"/>
+              <a:buChar char="n"/>
+              <a:tabLst/>
+              <a:defRPr/>
+            </a:pPr>
+            <a:r>
+              <a:rPr kumimoji="0" lang="zh-CN" altLang="en-US" sz="2800" b="0" i="0" u="none" strike="noStrike" kern="0" cap="none" spc="0" normalizeH="0" baseline="0" noProof="0" dirty="0" smtClean="0">
+                <a:ln>
+                  <a:noFill/>
+                </a:ln>
+                <a:solidFill>
+                  <a:schemeClr val="tx1"/>
+                </a:solidFill>
+                <a:effectLst/>
+                <a:uLnTx/>
+                <a:uFillTx/>
+                <a:latin typeface="+mn-lt"/>
+                <a:ea typeface="+mn-ea"/>
+                <a:cs typeface="+mn-cs"/>
+              </a:rPr>
+              <a:t>运行时间结果</a:t>
+            </a:r>
+            <a:endParaRPr kumimoji="0" lang="zh-CN" altLang="en-US" sz="2800" b="0" i="0" u="none" strike="noStrike" kern="0" cap="none" spc="0" normalizeH="0" baseline="0" noProof="0" dirty="0">
+              <a:ln>
+                <a:noFill/>
+              </a:ln>
+              <a:solidFill>
+                <a:schemeClr val="tx1"/>
+              </a:solidFill>
+              <a:effectLst/>
+              <a:uLnTx/>
+              <a:uFillTx/>
+              <a:latin typeface="+mn-lt"/>
+              <a:ea typeface="+mn-ea"/>
+              <a:cs typeface="+mn-cs"/>
+            </a:endParaRPr>
+          </a:p>
+        </p:txBody>
+      </p:sp>
+    </p:spTree>
+  </p:cSld>
+  <p:clrMapOvr>
+    <a:masterClrMapping/>
+  </p:clrMapOvr>
+  <p:transition advTm="6069"/>
   <p:timing>
     <p:tnLst>
       <p:par>
@@ -10071,7 +10477,7 @@
       </p:sp>
       <p:pic>
         <p:nvPicPr>
-          <p:cNvPr id="5" name="内容占位符 4" descr="table4.JPG"/>
+          <p:cNvPr id="5" name="内容占位符 4" descr="all_time.png"/>
           <p:cNvPicPr>
             <a:picLocks noGrp="1" noChangeAspect="1"/>
           </p:cNvPicPr>
@@ -10087,8 +10493,8 @@
         </p:blipFill>
         <p:spPr>
           <a:xfrm>
-            <a:off x="-1" y="2714620"/>
-            <a:ext cx="9081315" cy="2428892"/>
+            <a:off x="73235" y="2285992"/>
+            <a:ext cx="9070797" cy="4429156"/>
           </a:xfrm>
         </p:spPr>
       </p:pic>
@@ -10183,7 +10589,7 @@
                 <a:ea typeface="+mn-ea"/>
                 <a:cs typeface="+mn-cs"/>
               </a:rPr>
-              <a:t>运行时间结果</a:t>
+              <a:t>运行时间结果比较</a:t>
             </a:r>
             <a:endParaRPr kumimoji="0" lang="zh-CN" altLang="en-US" sz="2800" b="0" i="0" u="none" strike="noStrike" kern="0" cap="none" spc="0" normalizeH="0" baseline="0" noProof="0" dirty="0">
               <a:ln>
@@ -10207,6 +10613,7 @@
   <p:clrMapOvr>
     <a:masterClrMapping/>
   </p:clrMapOvr>
+  <p:transition advTm="2652"/>
   <p:timing>
     <p:tnLst>
       <p:par>
@@ -10251,35 +10658,96 @@
           <a:p>
             <a:r>
               <a:rPr lang="zh-CN" altLang="en-US" dirty="0" smtClean="0"/>
-              <a:t>实验结果</a:t>
+              <a:t>精度与时间结果分析</a:t>
             </a:r>
             <a:endParaRPr lang="zh-CN" altLang="en-US" dirty="0"/>
           </a:p>
         </p:txBody>
       </p:sp>
-      <p:pic>
-        <p:nvPicPr>
-          <p:cNvPr id="5" name="内容占位符 4" descr="all_time.png"/>
-          <p:cNvPicPr>
-            <a:picLocks noGrp="1" noChangeAspect="1"/>
-          </p:cNvPicPr>
+      <p:sp>
+        <p:nvSpPr>
+          <p:cNvPr id="3" name="内容占位符 2"/>
+          <p:cNvSpPr>
+            <a:spLocks noGrp="1"/>
+          </p:cNvSpPr>
           <p:nvPr>
             <p:ph idx="1"/>
           </p:nvPr>
-        </p:nvPicPr>
-        <p:blipFill>
-          <a:blip r:embed="rId2"/>
-          <a:stretch>
-            <a:fillRect/>
-          </a:stretch>
-        </p:blipFill>
-        <p:spPr>
-          <a:xfrm>
-            <a:off x="73235" y="2285992"/>
-            <a:ext cx="9070797" cy="4429156"/>
-          </a:xfrm>
-        </p:spPr>
-      </p:pic>
+        </p:nvSpPr>
+        <p:spPr/>
+        <p:txBody>
+          <a:bodyPr/>
+          <a:lstStyle/>
+          <a:p>
+            <a:r>
+              <a:rPr lang="en-US" altLang="zh-CN" dirty="0" err="1" smtClean="0"/>
+              <a:t>Liblinear</a:t>
+            </a:r>
+            <a:r>
+              <a:rPr lang="en-US" altLang="zh-CN" dirty="0" smtClean="0"/>
+              <a:t> </a:t>
+            </a:r>
+            <a:r>
+              <a:rPr lang="zh-CN" altLang="en-US" dirty="0" smtClean="0"/>
+              <a:t>精度高、速度快、大数据差</a:t>
+            </a:r>
+            <a:endParaRPr lang="en-US" altLang="zh-CN" dirty="0" smtClean="0"/>
+          </a:p>
+          <a:p>
+            <a:pPr lvl="1"/>
+            <a:r>
+              <a:rPr lang="zh-CN" altLang="en-US" dirty="0" smtClean="0"/>
+              <a:t>数据集较小的情况（充分利用内存）</a:t>
+            </a:r>
+          </a:p>
+          <a:p>
+            <a:r>
+              <a:rPr lang="en-US" altLang="zh-CN" dirty="0" smtClean="0"/>
+              <a:t>Mahout </a:t>
+            </a:r>
+            <a:r>
+              <a:rPr lang="zh-CN" altLang="en-US" dirty="0" smtClean="0"/>
+              <a:t>精度差、速度一般、支持大数据</a:t>
+            </a:r>
+            <a:endParaRPr lang="en-US" altLang="zh-CN" dirty="0" smtClean="0"/>
+          </a:p>
+          <a:p>
+            <a:pPr lvl="1"/>
+            <a:r>
+              <a:rPr lang="zh-CN" altLang="en-US" dirty="0" smtClean="0"/>
+              <a:t>大数据、单机、内存有限（利用在线方法）</a:t>
+            </a:r>
+            <a:endParaRPr lang="en-US" altLang="zh-CN" dirty="0" smtClean="0"/>
+          </a:p>
+          <a:p>
+            <a:r>
+              <a:rPr lang="en-US" altLang="zh-CN" dirty="0" smtClean="0"/>
+              <a:t>Sublinear</a:t>
+            </a:r>
+            <a:r>
+              <a:rPr lang="zh-CN" altLang="en-US" dirty="0" smtClean="0"/>
+              <a:t>方法</a:t>
+            </a:r>
+            <a:endParaRPr lang="en-US" altLang="zh-CN" dirty="0" smtClean="0"/>
+          </a:p>
+          <a:p>
+            <a:pPr lvl="1"/>
+            <a:r>
+              <a:rPr lang="zh-CN" altLang="en-US" dirty="0" smtClean="0"/>
+              <a:t>精度均接近最优</a:t>
+            </a:r>
+            <a:endParaRPr lang="en-US" altLang="zh-CN" dirty="0" smtClean="0"/>
+          </a:p>
+          <a:p>
+            <a:pPr lvl="1"/>
+            <a:r>
+              <a:rPr lang="zh-CN" altLang="en-US" dirty="0" smtClean="0"/>
+              <a:t>精度相对于串行程序有微小下降</a:t>
+            </a:r>
+            <a:endParaRPr lang="en-US" altLang="zh-CN" dirty="0" smtClean="0"/>
+          </a:p>
+        </p:txBody>
+      </p:sp>
       <p:sp>
         <p:nvSpPr>
           <p:cNvPr id="4" name="灯片编号占位符 3"/>
@@ -10304,97 +10772,12 @@
           </a:p>
         </p:txBody>
       </p:sp>
-      <p:sp>
-        <p:nvSpPr>
-          <p:cNvPr id="6" name="内容占位符 2"/>
-          <p:cNvSpPr txBox="1">
-            <a:spLocks/>
-          </p:cNvSpPr>
-          <p:nvPr/>
-        </p:nvSpPr>
-        <p:spPr bwMode="auto">
-          <a:xfrm>
-            <a:off x="1182688" y="2017713"/>
-            <a:ext cx="7772400" cy="4114800"/>
-          </a:xfrm>
-          <a:prstGeom prst="rect">
-            <a:avLst/>
-          </a:prstGeom>
-          <a:noFill/>
-          <a:ln w="9525">
-            <a:noFill/>
-            <a:miter lim="800000"/>
-            <a:headEnd/>
-            <a:tailEnd/>
-          </a:ln>
-          <a:effectLst/>
-        </p:spPr>
-        <p:txBody>
-          <a:bodyPr vert="horz" wrap="square" lIns="91440" tIns="45720" rIns="91440" bIns="45720" numCol="1" anchor="t" anchorCtr="0" compatLnSpc="1">
-            <a:prstTxWarp prst="textNoShape">
-              <a:avLst/>
-            </a:prstTxWarp>
-          </a:bodyPr>
-          <a:lstStyle/>
-          <a:p>
-            <a:pPr marL="342900" marR="0" lvl="0" indent="-342900" algn="l" defTabSz="914400" rtl="0" eaLnBrk="1" fontAlgn="base" latinLnBrk="0" hangingPunct="1">
-              <a:lnSpc>
-                <a:spcPct val="100000"/>
-              </a:lnSpc>
-              <a:spcBef>
-                <a:spcPct val="20000"/>
-              </a:spcBef>
-              <a:spcAft>
-                <a:spcPct val="0"/>
-              </a:spcAft>
-              <a:buClr>
-                <a:schemeClr val="folHlink"/>
-              </a:buClr>
-              <a:buSzPct val="60000"/>
-              <a:buFont typeface="Wingdings" pitchFamily="2" charset="2"/>
-              <a:buChar char="n"/>
-              <a:tabLst/>
-              <a:defRPr/>
-            </a:pPr>
-            <a:r>
-              <a:rPr kumimoji="0" lang="zh-CN" altLang="en-US" sz="2800" b="0" i="0" u="none" strike="noStrike" kern="0" cap="none" spc="0" normalizeH="0" baseline="0" noProof="0" dirty="0" smtClean="0">
-                <a:ln>
-                  <a:noFill/>
-                </a:ln>
-                <a:solidFill>
-                  <a:schemeClr val="tx1"/>
-                </a:solidFill>
-                <a:effectLst/>
-                <a:uLnTx/>
-                <a:uFillTx/>
-                <a:latin typeface="+mn-lt"/>
-                <a:ea typeface="+mn-ea"/>
-                <a:cs typeface="+mn-cs"/>
-              </a:rPr>
-              <a:t>运行时间结果比较</a:t>
-            </a:r>
-            <a:endParaRPr kumimoji="0" lang="zh-CN" altLang="en-US" sz="2800" b="0" i="0" u="none" strike="noStrike" kern="0" cap="none" spc="0" normalizeH="0" baseline="0" noProof="0" dirty="0">
-              <a:ln>
-                <a:noFill/>
-              </a:ln>
-              <a:solidFill>
-                <a:schemeClr val="tx1"/>
-              </a:solidFill>
-              <a:effectLst/>
-              <a:uLnTx/>
-              <a:uFillTx/>
-              <a:latin typeface="+mn-lt"/>
-              <a:ea typeface="+mn-ea"/>
-              <a:cs typeface="+mn-cs"/>
-            </a:endParaRPr>
-          </a:p>
-        </p:txBody>
-      </p:sp>
     </p:spTree>
   </p:cSld>
   <p:clrMapOvr>
     <a:masterClrMapping/>
   </p:clrMapOvr>
+  <p:transition advTm="55645"/>
   <p:timing>
     <p:tnLst>
       <p:par>
@@ -10462,11 +10845,7 @@
           <a:p>
             <a:r>
               <a:rPr lang="zh-CN" altLang="en-US" dirty="0" smtClean="0"/>
-              <a:t>大数据的</a:t>
-            </a:r>
-            <a:r>
-              <a:rPr lang="zh-CN" altLang="en-US" dirty="0" smtClean="0"/>
-              <a:t>挑战</a:t>
+              <a:t>大数据的挑战</a:t>
             </a:r>
             <a:endParaRPr lang="en-US" altLang="zh-CN" dirty="0" smtClean="0"/>
           </a:p>
@@ -10501,19 +10880,35 @@
             </a:r>
             <a:r>
               <a:rPr lang="zh-CN" altLang="en-US" dirty="0" smtClean="0"/>
-              <a:t>）的广泛应用</a:t>
+              <a:t>）的</a:t>
+            </a:r>
+            <a:r>
+              <a:rPr lang="zh-CN" altLang="en-US" dirty="0" smtClean="0"/>
+              <a:t>广泛应用</a:t>
             </a:r>
             <a:endParaRPr lang="en-US" altLang="zh-CN" dirty="0" smtClean="0"/>
           </a:p>
           <a:p>
             <a:pPr lvl="1"/>
             <a:r>
-              <a:rPr lang="en-US" altLang="zh-CN" dirty="0" err="1" smtClean="0"/>
-              <a:t>eg</a:t>
+              <a:rPr lang="zh-CN" altLang="en-US" dirty="0" smtClean="0"/>
+              <a:t>例如</a:t>
             </a:r>
             <a:r>
               <a:rPr lang="en-US" altLang="zh-CN" dirty="0" smtClean="0"/>
-              <a:t>. Anti-Spam Filtering &amp; </a:t>
+              <a:t>Anti-Spam </a:t>
+            </a:r>
+            <a:r>
+              <a:rPr lang="en-US" altLang="zh-CN" dirty="0" smtClean="0"/>
+              <a:t>Filtering </a:t>
+            </a:r>
+            <a:r>
+              <a:rPr lang="zh-CN" altLang="en-US" dirty="0" smtClean="0"/>
+              <a:t>和</a:t>
+            </a:r>
+            <a:r>
+              <a:rPr lang="en-US" altLang="zh-CN" dirty="0" smtClean="0"/>
+              <a:t> </a:t>
             </a:r>
             <a:r>
               <a:rPr lang="en-US" altLang="zh-CN" dirty="0" err="1" smtClean="0"/>
@@ -10525,11 +10920,7 @@
             <a:pPr lvl="1"/>
             <a:r>
               <a:rPr lang="zh-CN" altLang="en-US" dirty="0" smtClean="0"/>
-              <a:t>机器学习</a:t>
-            </a:r>
-            <a:r>
-              <a:rPr lang="zh-CN" altLang="en-US" dirty="0" smtClean="0"/>
-              <a:t>领域的发展</a:t>
+              <a:t>机器学习领域的发展</a:t>
             </a:r>
             <a:endParaRPr lang="en-US" altLang="zh-CN" dirty="0" smtClean="0"/>
           </a:p>
@@ -10568,11 +10959,7 @@
             <a:pPr lvl="1"/>
             <a:r>
               <a:rPr lang="zh-CN" altLang="en-US" dirty="0" smtClean="0"/>
-              <a:t>二</a:t>
-            </a:r>
-            <a:r>
-              <a:rPr lang="zh-CN" altLang="en-US" dirty="0" smtClean="0"/>
-              <a:t>分类</a:t>
+              <a:t>二分类</a:t>
             </a:r>
             <a:r>
               <a:rPr lang="en-US" altLang="zh-CN" dirty="0" smtClean="0"/>
@@ -10584,11 +10971,7 @@
             </a:r>
             <a:r>
               <a:rPr lang="en-US" altLang="zh-CN" dirty="0" smtClean="0"/>
-              <a:t> </a:t>
-            </a:r>
-            <a:r>
-              <a:rPr lang="en-US" altLang="zh-CN" dirty="0" smtClean="0"/>
-              <a:t> LR-&gt;</a:t>
+              <a:t>  LR-&gt;</a:t>
             </a:r>
             <a:r>
               <a:rPr lang="zh-CN" altLang="en-US" dirty="0" smtClean="0"/>
@@ -10655,6 +11038,7 @@
   <p:clrMapOvr>
     <a:masterClrMapping/>
   </p:clrMapOvr>
+  <p:transition advTm="20047"/>
   <p:timing>
     <p:tnLst>
       <p:par>
@@ -10721,16 +11105,12 @@
           <a:lstStyle/>
           <a:p>
             <a:r>
-              <a:rPr lang="en-US" altLang="zh-CN" dirty="0" err="1" smtClean="0"/>
-              <a:t>Liblinear</a:t>
-            </a:r>
-            <a:r>
               <a:rPr lang="en-US" altLang="zh-CN" dirty="0" smtClean="0"/>
-              <a:t> </a:t>
-            </a:r>
-            <a:r>
-              <a:rPr lang="zh-CN" altLang="en-US" dirty="0" smtClean="0"/>
-              <a:t>精度高、速度快、大数据差</a:t>
+              <a:t>Hadoop </a:t>
+            </a:r>
+            <a:r>
+              <a:rPr lang="zh-CN" altLang="en-US" dirty="0" smtClean="0"/>
+              <a:t>支持大数据、速度慢</a:t>
             </a:r>
             <a:endParaRPr lang="en-US" altLang="zh-CN" dirty="0" smtClean="0"/>
           </a:p>
@@ -10738,63 +11118,135 @@
             <a:pPr lvl="1"/>
             <a:r>
               <a:rPr lang="zh-CN" altLang="en-US" dirty="0" smtClean="0"/>
-              <a:t>数据集较小的情况（充分利用内存）</a:t>
-            </a:r>
+              <a:t>设计缺陷：非环形数据流</a:t>
+            </a:r>
+            <a:endParaRPr lang="en-US" altLang="zh-CN" dirty="0" smtClean="0"/>
+          </a:p>
+          <a:p>
+            <a:pPr lvl="1"/>
+            <a:r>
+              <a:rPr lang="zh-CN" altLang="en-US" dirty="0" smtClean="0"/>
+              <a:t>任务调度时间与文件读写时间</a:t>
+            </a:r>
+            <a:endParaRPr lang="en-US" altLang="zh-CN" dirty="0" smtClean="0"/>
+          </a:p>
+          <a:p>
+            <a:pPr lvl="1"/>
+            <a:r>
+              <a:rPr lang="zh-CN" altLang="en-US" dirty="0" smtClean="0"/>
+              <a:t>原始更新部分是瓶颈</a:t>
+            </a:r>
+            <a:endParaRPr lang="en-US" altLang="zh-CN" dirty="0" smtClean="0"/>
+          </a:p>
+          <a:p>
+            <a:r>
+              <a:rPr lang="en-US" altLang="zh-CN" dirty="0" smtClean="0"/>
+              <a:t>Spark </a:t>
+            </a:r>
+            <a:r>
+              <a:rPr lang="zh-CN" altLang="en-US" dirty="0" smtClean="0"/>
+              <a:t>支持大数据、速度较快</a:t>
+            </a:r>
+            <a:endParaRPr lang="en-US" altLang="zh-CN" dirty="0" smtClean="0"/>
+          </a:p>
+          <a:p>
+            <a:pPr lvl="1"/>
+            <a:r>
+              <a:rPr lang="en-US" altLang="zh-CN" dirty="0" smtClean="0"/>
+              <a:t>RDD</a:t>
+            </a:r>
+            <a:r>
+              <a:rPr lang="zh-CN" altLang="en-US" dirty="0" smtClean="0"/>
+              <a:t>的本地拷贝形式</a:t>
+            </a:r>
+            <a:endParaRPr lang="en-US" altLang="zh-CN" dirty="0" smtClean="0"/>
+          </a:p>
+          <a:p>
+            <a:pPr lvl="1"/>
+            <a:r>
+              <a:rPr lang="zh-CN" altLang="en-US" dirty="0" smtClean="0"/>
+              <a:t>适合大数据、多计算节点</a:t>
+            </a:r>
+            <a:endParaRPr lang="en-US" altLang="zh-CN" dirty="0" smtClean="0"/>
+          </a:p>
+          <a:p>
+            <a:pPr lvl="1"/>
+            <a:r>
+              <a:rPr lang="zh-CN" altLang="en-US" dirty="0" smtClean="0"/>
+              <a:t>追求精度推荐</a:t>
+            </a:r>
+            <a:r>
+              <a:rPr lang="en-US" altLang="zh-CN" dirty="0" smtClean="0">
+                <a:solidFill>
+                  <a:srgbClr val="000000"/>
+                </a:solidFill>
+                <a:latin typeface="Times New Roman"/>
+              </a:rPr>
+              <a:t>PGDPLR-SPARK</a:t>
+            </a:r>
+            <a:r>
+              <a:rPr lang="zh-CN" altLang="en-US" dirty="0" smtClean="0">
+                <a:solidFill>
+                  <a:srgbClr val="000000"/>
+                </a:solidFill>
+                <a:latin typeface="Times New Roman"/>
+              </a:rPr>
+              <a:t>算法</a:t>
+            </a:r>
+            <a:endParaRPr lang="en-US" altLang="zh-CN" dirty="0" smtClean="0">
+              <a:solidFill>
+                <a:srgbClr val="000000"/>
+              </a:solidFill>
+              <a:latin typeface="Times New Roman"/>
+            </a:endParaRPr>
+          </a:p>
+          <a:p>
+            <a:pPr lvl="1"/>
+            <a:r>
+              <a:rPr lang="zh-CN" altLang="en-US" dirty="0" smtClean="0"/>
+              <a:t>追求速度推荐</a:t>
+            </a:r>
+            <a:r>
+              <a:rPr lang="en-US" altLang="zh-CN" dirty="0" smtClean="0">
+                <a:solidFill>
+                  <a:srgbClr val="000000"/>
+                </a:solidFill>
+                <a:latin typeface="Times New Roman"/>
+              </a:rPr>
+              <a:t>PSUBPLR-SPARK</a:t>
+            </a:r>
+            <a:r>
+              <a:rPr lang="zh-CN" altLang="en-US" dirty="0" smtClean="0">
+                <a:solidFill>
+                  <a:srgbClr val="000000"/>
+                </a:solidFill>
+                <a:latin typeface="Times New Roman"/>
+              </a:rPr>
+              <a:t>算法</a:t>
+            </a:r>
+            <a:endParaRPr lang="en-US" altLang="zh-CN" dirty="0" smtClean="0">
+              <a:solidFill>
+                <a:srgbClr val="000000"/>
+              </a:solidFill>
+              <a:latin typeface="Times New Roman"/>
+            </a:endParaRPr>
+          </a:p>
+          <a:p>
+            <a:pPr lvl="1"/>
+            <a:endParaRPr lang="en-US" altLang="zh-CN" dirty="0" smtClean="0">
+              <a:solidFill>
+                <a:srgbClr val="000000"/>
+              </a:solidFill>
+              <a:latin typeface="Times New Roman"/>
+            </a:endParaRPr>
+          </a:p>
+          <a:p>
+            <a:pPr lvl="1"/>
+            <a:endParaRPr lang="en-US" altLang="zh-CN" dirty="0" smtClean="0"/>
+          </a:p>
+          <a:p>
+            <a:pPr lvl="1"/>
             <a:endParaRPr lang="zh-CN" altLang="en-US" dirty="0" smtClean="0"/>
-          </a:p>
-          <a:p>
-            <a:r>
-              <a:rPr lang="en-US" altLang="zh-CN" dirty="0" smtClean="0"/>
-              <a:t>Mahout </a:t>
-            </a:r>
-            <a:r>
-              <a:rPr lang="zh-CN" altLang="en-US" dirty="0" smtClean="0"/>
-              <a:t>精度差、速度一般、支持大数据</a:t>
-            </a:r>
-            <a:endParaRPr lang="en-US" altLang="zh-CN" dirty="0" smtClean="0"/>
-          </a:p>
-          <a:p>
-            <a:pPr lvl="1"/>
-            <a:r>
-              <a:rPr lang="zh-CN" altLang="en-US" dirty="0" smtClean="0"/>
-              <a:t>大</a:t>
-            </a:r>
-            <a:r>
-              <a:rPr lang="zh-CN" altLang="en-US" dirty="0" smtClean="0"/>
-              <a:t>数据、单机、内存有限（利用在线方法）</a:t>
-            </a:r>
-            <a:endParaRPr lang="en-US" altLang="zh-CN" dirty="0" smtClean="0"/>
-          </a:p>
-          <a:p>
-            <a:r>
-              <a:rPr lang="en-US" altLang="zh-CN" dirty="0" smtClean="0"/>
-              <a:t>Sublinear</a:t>
-            </a:r>
-            <a:r>
-              <a:rPr lang="zh-CN" altLang="en-US" dirty="0" smtClean="0"/>
-              <a:t>方法</a:t>
-            </a:r>
-            <a:endParaRPr lang="en-US" altLang="zh-CN" dirty="0" smtClean="0"/>
-          </a:p>
-          <a:p>
-            <a:pPr lvl="1"/>
-            <a:r>
-              <a:rPr lang="zh-CN" altLang="en-US" dirty="0" smtClean="0"/>
-              <a:t>精度均接近最优</a:t>
-            </a:r>
-            <a:endParaRPr lang="en-US" altLang="zh-CN" dirty="0" smtClean="0"/>
-          </a:p>
-          <a:p>
-            <a:pPr lvl="1"/>
-            <a:r>
-              <a:rPr lang="zh-CN" altLang="en-US" dirty="0" smtClean="0"/>
-              <a:t>精度相对</a:t>
-            </a:r>
-            <a:r>
-              <a:rPr lang="zh-CN" altLang="en-US" dirty="0" smtClean="0"/>
-              <a:t>于串行程序有微小下降</a:t>
-            </a:r>
-            <a:endParaRPr lang="en-US" altLang="zh-CN" dirty="0" smtClean="0"/>
           </a:p>
         </p:txBody>
       </p:sp>
@@ -10827,6 +11279,7 @@
   <p:clrMapOvr>
     <a:masterClrMapping/>
   </p:clrMapOvr>
+  <p:transition advTm="59374"/>
   <p:timing>
     <p:tnLst>
       <p:par>
@@ -10871,7 +11324,7 @@
           <a:p>
             <a:r>
               <a:rPr lang="zh-CN" altLang="en-US" dirty="0" smtClean="0"/>
-              <a:t>精度与时间结果分析</a:t>
+              <a:t>实验结果</a:t>
             </a:r>
             <a:endParaRPr lang="zh-CN" altLang="en-US" dirty="0"/>
           </a:p>
@@ -10893,160 +11346,18 @@
           <a:lstStyle/>
           <a:p>
             <a:r>
+              <a:rPr lang="zh-CN" altLang="en-US" dirty="0" smtClean="0"/>
+              <a:t>计算节点数</a:t>
+            </a:r>
+            <a:r>
               <a:rPr lang="en-US" altLang="zh-CN" dirty="0" smtClean="0"/>
-              <a:t>Hadoop </a:t>
-            </a:r>
-            <a:r>
-              <a:rPr lang="zh-CN" altLang="en-US" dirty="0" smtClean="0"/>
-              <a:t>支持大数据、速度慢</a:t>
-            </a:r>
-            <a:endParaRPr lang="en-US" altLang="zh-CN" dirty="0" smtClean="0"/>
-          </a:p>
-          <a:p>
-            <a:pPr lvl="1"/>
-            <a:r>
-              <a:rPr lang="zh-CN" altLang="en-US" dirty="0" smtClean="0"/>
-              <a:t>设计缺陷：非环形数据流</a:t>
-            </a:r>
-            <a:endParaRPr lang="en-US" altLang="zh-CN" dirty="0" smtClean="0"/>
-          </a:p>
-          <a:p>
-            <a:pPr lvl="1"/>
-            <a:r>
-              <a:rPr lang="zh-CN" altLang="en-US" dirty="0" smtClean="0"/>
-              <a:t>任务</a:t>
-            </a:r>
-            <a:r>
-              <a:rPr lang="zh-CN" altLang="en-US" dirty="0" smtClean="0"/>
-              <a:t>调度时间与</a:t>
-            </a:r>
-            <a:r>
-              <a:rPr lang="zh-CN" altLang="en-US" dirty="0" smtClean="0"/>
-              <a:t>文件读写</a:t>
-            </a:r>
-            <a:r>
-              <a:rPr lang="zh-CN" altLang="en-US" dirty="0" smtClean="0"/>
-              <a:t>时间</a:t>
-            </a:r>
-            <a:endParaRPr lang="en-US" altLang="zh-CN" dirty="0" smtClean="0"/>
-          </a:p>
-          <a:p>
-            <a:pPr lvl="1"/>
-            <a:r>
-              <a:rPr lang="zh-CN" altLang="en-US" dirty="0" smtClean="0"/>
-              <a:t>原始更新部分是瓶颈</a:t>
-            </a:r>
-            <a:endParaRPr lang="en-US" altLang="zh-CN" dirty="0" smtClean="0"/>
-          </a:p>
-          <a:p>
-            <a:r>
-              <a:rPr lang="en-US" altLang="zh-CN" dirty="0" smtClean="0"/>
-              <a:t>Spark </a:t>
-            </a:r>
-            <a:r>
-              <a:rPr lang="zh-CN" altLang="en-US" dirty="0" smtClean="0"/>
-              <a:t>支持大数据、速度较快</a:t>
-            </a:r>
-            <a:endParaRPr lang="en-US" altLang="zh-CN" dirty="0" smtClean="0"/>
-          </a:p>
-          <a:p>
-            <a:pPr lvl="1"/>
-            <a:r>
-              <a:rPr lang="en-US" altLang="zh-CN" dirty="0" smtClean="0"/>
-              <a:t>RDD</a:t>
-            </a:r>
-            <a:r>
-              <a:rPr lang="zh-CN" altLang="en-US" dirty="0" smtClean="0"/>
-              <a:t>的本地拷贝形式</a:t>
-            </a:r>
-            <a:endParaRPr lang="en-US" altLang="zh-CN" dirty="0" smtClean="0"/>
-          </a:p>
-          <a:p>
-            <a:pPr lvl="1"/>
-            <a:r>
-              <a:rPr lang="zh-CN" altLang="en-US" dirty="0" smtClean="0"/>
-              <a:t>适合大数据、多计算节点</a:t>
-            </a:r>
-            <a:endParaRPr lang="en-US" altLang="zh-CN" dirty="0" smtClean="0"/>
-          </a:p>
-          <a:p>
-            <a:pPr lvl="1"/>
-            <a:r>
-              <a:rPr lang="zh-CN" altLang="en-US" dirty="0" smtClean="0"/>
-              <a:t>追求精度推荐</a:t>
-            </a:r>
-            <a:r>
-              <a:rPr lang="en-US" altLang="zh-CN" dirty="0" smtClean="0">
-                <a:solidFill>
-                  <a:srgbClr val="000000"/>
-                </a:solidFill>
-                <a:latin typeface="Times New Roman"/>
-              </a:rPr>
-              <a:t>PGDPLR-SPARK</a:t>
-            </a:r>
-            <a:r>
-              <a:rPr lang="zh-CN" altLang="en-US" dirty="0" smtClean="0">
-                <a:solidFill>
-                  <a:srgbClr val="000000"/>
-                </a:solidFill>
-                <a:latin typeface="Times New Roman"/>
-              </a:rPr>
-              <a:t>算法</a:t>
-            </a:r>
-            <a:endParaRPr lang="en-US" altLang="zh-CN" dirty="0" smtClean="0">
-              <a:solidFill>
-                <a:srgbClr val="000000"/>
-              </a:solidFill>
-              <a:latin typeface="Times New Roman"/>
-            </a:endParaRPr>
-          </a:p>
-          <a:p>
-            <a:pPr lvl="1"/>
-            <a:r>
-              <a:rPr lang="zh-CN" altLang="en-US" dirty="0" smtClean="0"/>
-              <a:t>追求速度推荐</a:t>
-            </a:r>
-            <a:r>
-              <a:rPr lang="en-US" altLang="zh-CN" dirty="0" smtClean="0">
-                <a:solidFill>
-                  <a:srgbClr val="000000"/>
-                </a:solidFill>
-                <a:latin typeface="Times New Roman"/>
-              </a:rPr>
-              <a:t>PSUBPLR-SPARK</a:t>
-            </a:r>
-            <a:r>
-              <a:rPr lang="zh-CN" altLang="en-US" dirty="0" smtClean="0">
-                <a:solidFill>
-                  <a:srgbClr val="000000"/>
-                </a:solidFill>
-                <a:latin typeface="Times New Roman"/>
-              </a:rPr>
-              <a:t>算法</a:t>
-            </a:r>
-            <a:endParaRPr lang="en-US" altLang="zh-CN" dirty="0" smtClean="0">
-              <a:solidFill>
-                <a:srgbClr val="000000"/>
-              </a:solidFill>
-              <a:latin typeface="Times New Roman"/>
-            </a:endParaRPr>
-          </a:p>
-          <a:p>
-            <a:pPr lvl="1"/>
-            <a:endParaRPr lang="en-US" altLang="zh-CN" dirty="0" smtClean="0">
-              <a:solidFill>
-                <a:srgbClr val="000000"/>
-              </a:solidFill>
-              <a:latin typeface="Times New Roman"/>
-            </a:endParaRPr>
-          </a:p>
-          <a:p>
-            <a:pPr lvl="1"/>
-            <a:endParaRPr lang="en-US" altLang="zh-CN" dirty="0" smtClean="0"/>
-          </a:p>
-          <a:p>
-            <a:pPr lvl="1"/>
-            <a:endParaRPr lang="zh-CN" altLang="en-US" dirty="0" smtClean="0"/>
+              <a:t>-</a:t>
+            </a:r>
+            <a:r>
+              <a:rPr lang="zh-CN" altLang="en-US" dirty="0" smtClean="0"/>
+              <a:t>迭代时间</a:t>
+            </a:r>
+            <a:endParaRPr lang="zh-CN" altLang="en-US" dirty="0"/>
           </a:p>
         </p:txBody>
       </p:sp>
@@ -11074,11 +11385,75 @@
           </a:p>
         </p:txBody>
       </p:sp>
+      <p:pic>
+        <p:nvPicPr>
+          <p:cNvPr id="5" name="图片 4" descr="2d_time.png"/>
+          <p:cNvPicPr>
+            <a:picLocks noChangeAspect="1"/>
+          </p:cNvPicPr>
+          <p:nvPr/>
+        </p:nvPicPr>
+        <p:blipFill>
+          <a:blip r:embed="rId2"/>
+          <a:stretch>
+            <a:fillRect/>
+          </a:stretch>
+        </p:blipFill>
+        <p:spPr>
+          <a:xfrm>
+            <a:off x="857224" y="2571744"/>
+            <a:ext cx="7607765" cy="3714776"/>
+          </a:xfrm>
+          <a:prstGeom prst="rect">
+            <a:avLst/>
+          </a:prstGeom>
+        </p:spPr>
+      </p:pic>
+      <p:sp>
+        <p:nvSpPr>
+          <p:cNvPr id="7" name="TextBox 6"/>
+          <p:cNvSpPr txBox="1"/>
+          <p:nvPr/>
+        </p:nvSpPr>
+        <p:spPr>
+          <a:xfrm>
+            <a:off x="3643306" y="6215082"/>
+            <a:ext cx="2214578" cy="369332"/>
+          </a:xfrm>
+          <a:prstGeom prst="rect">
+            <a:avLst/>
+          </a:prstGeom>
+          <a:noFill/>
+        </p:spPr>
+        <p:txBody>
+          <a:bodyPr wrap="square" rtlCol="0">
+            <a:spAutoFit/>
+          </a:bodyPr>
+          <a:lstStyle/>
+          <a:p>
+            <a:pPr algn="ctr"/>
+            <a:r>
+              <a:rPr lang="zh-CN" altLang="en-US" b="1" dirty="0" smtClean="0"/>
+              <a:t>仿真</a:t>
+            </a:r>
+            <a:r>
+              <a:rPr lang="en-US" altLang="zh-CN" b="1" dirty="0" smtClean="0"/>
+              <a:t>2D</a:t>
+            </a:r>
+            <a:r>
+              <a:rPr lang="zh-CN" altLang="en-US" b="1" dirty="0" smtClean="0"/>
+              <a:t>数据集</a:t>
+            </a:r>
+            <a:endParaRPr lang="zh-CN" altLang="en-US" b="1" dirty="0"/>
+          </a:p>
+        </p:txBody>
+      </p:sp>
     </p:spTree>
   </p:cSld>
   <p:clrMapOvr>
     <a:masterClrMapping/>
   </p:clrMapOvr>
+  <p:transition advTm="11357"/>
   <p:timing>
     <p:tnLst>
       <p:par>
@@ -11146,11 +11521,7 @@
           <a:p>
             <a:r>
               <a:rPr lang="zh-CN" altLang="en-US" dirty="0" smtClean="0"/>
-              <a:t>计算节点</a:t>
-            </a:r>
-            <a:r>
-              <a:rPr lang="zh-CN" altLang="en-US" dirty="0" smtClean="0"/>
-              <a:t>数</a:t>
+              <a:t>计算节点数</a:t>
             </a:r>
             <a:r>
               <a:rPr lang="en-US" altLang="zh-CN" dirty="0" smtClean="0"/>
@@ -11183,183 +11554,6 @@
               <a:rPr lang="zh-CN" altLang="en-US" smtClean="0"/>
               <a:pPr/>
               <a:t>32</a:t>
-            </a:fld>
-            <a:endParaRPr lang="zh-CN" altLang="en-US"/>
-          </a:p>
-        </p:txBody>
-      </p:sp>
-      <p:pic>
-        <p:nvPicPr>
-          <p:cNvPr id="5" name="图片 4" descr="2d_time.png"/>
-          <p:cNvPicPr>
-            <a:picLocks noChangeAspect="1"/>
-          </p:cNvPicPr>
-          <p:nvPr/>
-        </p:nvPicPr>
-        <p:blipFill>
-          <a:blip r:embed="rId2"/>
-          <a:stretch>
-            <a:fillRect/>
-          </a:stretch>
-        </p:blipFill>
-        <p:spPr>
-          <a:xfrm>
-            <a:off x="857224" y="2571744"/>
-            <a:ext cx="7607765" cy="3714776"/>
-          </a:xfrm>
-          <a:prstGeom prst="rect">
-            <a:avLst/>
-          </a:prstGeom>
-        </p:spPr>
-      </p:pic>
-      <p:sp>
-        <p:nvSpPr>
-          <p:cNvPr id="7" name="TextBox 6"/>
-          <p:cNvSpPr txBox="1"/>
-          <p:nvPr/>
-        </p:nvSpPr>
-        <p:spPr>
-          <a:xfrm>
-            <a:off x="3643306" y="6215082"/>
-            <a:ext cx="2214578" cy="369332"/>
-          </a:xfrm>
-          <a:prstGeom prst="rect">
-            <a:avLst/>
-          </a:prstGeom>
-          <a:noFill/>
-        </p:spPr>
-        <p:txBody>
-          <a:bodyPr wrap="square" rtlCol="0">
-            <a:spAutoFit/>
-          </a:bodyPr>
-          <a:lstStyle/>
-          <a:p>
-            <a:pPr algn="ctr"/>
-            <a:r>
-              <a:rPr lang="zh-CN" altLang="en-US" b="1" dirty="0" smtClean="0"/>
-              <a:t>仿真</a:t>
-            </a:r>
-            <a:r>
-              <a:rPr lang="en-US" altLang="zh-CN" b="1" dirty="0" smtClean="0"/>
-              <a:t>2D</a:t>
-            </a:r>
-            <a:r>
-              <a:rPr lang="zh-CN" altLang="en-US" b="1" dirty="0" smtClean="0"/>
-              <a:t>数据集</a:t>
-            </a:r>
-            <a:endParaRPr lang="zh-CN" altLang="en-US" b="1" dirty="0"/>
-          </a:p>
-        </p:txBody>
-      </p:sp>
-    </p:spTree>
-  </p:cSld>
-  <p:clrMapOvr>
-    <a:masterClrMapping/>
-  </p:clrMapOvr>
-  <p:timing>
-    <p:tnLst>
-      <p:par>
-        <p:cTn id="1" dur="indefinite" restart="never" nodeType="tmRoot"/>
-      </p:par>
-    </p:tnLst>
-  </p:timing>
-</p:sld>
-</file>
-
-<file path=ppt/slides/slide33.xml><?xml version="1.0" encoding="utf-8"?>
-<p:sld xmlns:a="http://schemas.openxmlformats.org/drawingml/2006/main" xmlns:r="http://schemas.openxmlformats.org/officeDocument/2006/relationships" xmlns:p="http://schemas.openxmlformats.org/presentationml/2006/main">
-  <p:cSld>
-    <p:spTree>
-      <p:nvGrpSpPr>
-        <p:cNvPr id="1" name=""/>
-        <p:cNvGrpSpPr/>
-        <p:nvPr/>
-      </p:nvGrpSpPr>
-      <p:grpSpPr>
-        <a:xfrm>
-          <a:off x="0" y="0"/>
-          <a:ext cx="0" cy="0"/>
-          <a:chOff x="0" y="0"/>
-          <a:chExt cx="0" cy="0"/>
-        </a:xfrm>
-      </p:grpSpPr>
-      <p:sp>
-        <p:nvSpPr>
-          <p:cNvPr id="2" name="标题 1"/>
-          <p:cNvSpPr>
-            <a:spLocks noGrp="1"/>
-          </p:cNvSpPr>
-          <p:nvPr>
-            <p:ph type="title"/>
-          </p:nvPr>
-        </p:nvSpPr>
-        <p:spPr/>
-        <p:txBody>
-          <a:bodyPr/>
-          <a:lstStyle/>
-          <a:p>
-            <a:r>
-              <a:rPr lang="zh-CN" altLang="en-US" dirty="0" smtClean="0"/>
-              <a:t>实验结果</a:t>
-            </a:r>
-            <a:endParaRPr lang="zh-CN" altLang="en-US" dirty="0"/>
-          </a:p>
-        </p:txBody>
-      </p:sp>
-      <p:sp>
-        <p:nvSpPr>
-          <p:cNvPr id="3" name="内容占位符 2"/>
-          <p:cNvSpPr>
-            <a:spLocks noGrp="1"/>
-          </p:cNvSpPr>
-          <p:nvPr>
-            <p:ph idx="1"/>
-          </p:nvPr>
-        </p:nvSpPr>
-        <p:spPr/>
-        <p:txBody>
-          <a:bodyPr/>
-          <a:lstStyle/>
-          <a:p>
-            <a:r>
-              <a:rPr lang="zh-CN" altLang="en-US" dirty="0" smtClean="0"/>
-              <a:t>计算节点</a:t>
-            </a:r>
-            <a:r>
-              <a:rPr lang="zh-CN" altLang="en-US" dirty="0" smtClean="0"/>
-              <a:t>数</a:t>
-            </a:r>
-            <a:r>
-              <a:rPr lang="en-US" altLang="zh-CN" dirty="0" smtClean="0"/>
-              <a:t>-</a:t>
-            </a:r>
-            <a:r>
-              <a:rPr lang="zh-CN" altLang="en-US" dirty="0" smtClean="0"/>
-              <a:t>迭代时间</a:t>
-            </a:r>
-            <a:endParaRPr lang="zh-CN" altLang="en-US" dirty="0"/>
-          </a:p>
-        </p:txBody>
-      </p:sp>
-      <p:sp>
-        <p:nvSpPr>
-          <p:cNvPr id="4" name="灯片编号占位符 3"/>
-          <p:cNvSpPr>
-            <a:spLocks noGrp="1"/>
-          </p:cNvSpPr>
-          <p:nvPr>
-            <p:ph type="sldNum" sz="quarter" idx="12"/>
-          </p:nvPr>
-        </p:nvSpPr>
-        <p:spPr/>
-        <p:txBody>
-          <a:bodyPr/>
-          <a:lstStyle/>
-          <a:p>
-            <a:fld id="{0C913308-F349-4B6D-A68A-DD1791B4A57B}" type="slidenum">
-              <a:rPr lang="zh-CN" altLang="en-US" smtClean="0"/>
-              <a:pPr/>
-              <a:t>33</a:t>
             </a:fld>
             <a:endParaRPr lang="zh-CN" altLang="en-US"/>
           </a:p>
@@ -11429,6 +11623,7 @@
   <p:clrMapOvr>
     <a:masterClrMapping/>
   </p:clrMapOvr>
+  <p:transition advTm="343"/>
   <p:timing>
     <p:tnLst>
       <p:par>
@@ -11439,7 +11634,7 @@
 </p:sld>
 </file>
 
-<file path=ppt/slides/slide34.xml><?xml version="1.0" encoding="utf-8"?>
+<file path=ppt/slides/slide33.xml><?xml version="1.0" encoding="utf-8"?>
 <p:sld xmlns:a="http://schemas.openxmlformats.org/drawingml/2006/main" xmlns:r="http://schemas.openxmlformats.org/officeDocument/2006/relationships" xmlns:p="http://schemas.openxmlformats.org/presentationml/2006/main">
   <p:cSld>
     <p:spTree>
@@ -11496,11 +11691,7 @@
           <a:p>
             <a:r>
               <a:rPr lang="zh-CN" altLang="en-US" dirty="0" smtClean="0"/>
-              <a:t>计算节点</a:t>
-            </a:r>
-            <a:r>
-              <a:rPr lang="zh-CN" altLang="en-US" dirty="0" smtClean="0"/>
-              <a:t>数</a:t>
+              <a:t>计算节点数</a:t>
             </a:r>
             <a:r>
               <a:rPr lang="en-US" altLang="zh-CN" dirty="0" smtClean="0"/>
@@ -11532,7 +11723,7 @@
             <a:fld id="{0C913308-F349-4B6D-A68A-DD1791B4A57B}" type="slidenum">
               <a:rPr lang="zh-CN" altLang="en-US" smtClean="0"/>
               <a:pPr/>
-              <a:t>34</a:t>
+              <a:t>33</a:t>
             </a:fld>
             <a:endParaRPr lang="zh-CN" altLang="en-US"/>
           </a:p>
@@ -11602,6 +11793,7 @@
   <p:clrMapOvr>
     <a:masterClrMapping/>
   </p:clrMapOvr>
+  <p:transition advTm="436"/>
   <p:timing>
     <p:tnLst>
       <p:par>
@@ -11612,7 +11804,7 @@
 </p:sld>
 </file>
 
-<file path=ppt/slides/slide35.xml><?xml version="1.0" encoding="utf-8"?>
+<file path=ppt/slides/slide34.xml><?xml version="1.0" encoding="utf-8"?>
 <p:sld xmlns:a="http://schemas.openxmlformats.org/drawingml/2006/main" xmlns:r="http://schemas.openxmlformats.org/officeDocument/2006/relationships" xmlns:p="http://schemas.openxmlformats.org/presentationml/2006/main">
   <p:cSld>
     <p:spTree>
@@ -11669,11 +11861,7 @@
           <a:p>
             <a:r>
               <a:rPr lang="zh-CN" altLang="en-US" dirty="0" smtClean="0"/>
-              <a:t>计算节点</a:t>
-            </a:r>
-            <a:r>
-              <a:rPr lang="zh-CN" altLang="en-US" dirty="0" smtClean="0"/>
-              <a:t>数</a:t>
+              <a:t>计算节点数</a:t>
             </a:r>
             <a:r>
               <a:rPr lang="en-US" altLang="zh-CN" dirty="0" smtClean="0"/>
@@ -11705,7 +11893,7 @@
             <a:fld id="{0C913308-F349-4B6D-A68A-DD1791B4A57B}" type="slidenum">
               <a:rPr lang="zh-CN" altLang="en-US" smtClean="0"/>
               <a:pPr/>
-              <a:t>35</a:t>
+              <a:t>34</a:t>
             </a:fld>
             <a:endParaRPr lang="zh-CN" altLang="en-US"/>
           </a:p>
@@ -11775,6 +11963,7 @@
   <p:clrMapOvr>
     <a:masterClrMapping/>
   </p:clrMapOvr>
+  <p:transition advTm="359"/>
   <p:timing>
     <p:tnLst>
       <p:par>
@@ -11785,7 +11974,7 @@
 </p:sld>
 </file>
 
-<file path=ppt/slides/slide36.xml><?xml version="1.0" encoding="utf-8"?>
+<file path=ppt/slides/slide35.xml><?xml version="1.0" encoding="utf-8"?>
 <p:sld xmlns:a="http://schemas.openxmlformats.org/drawingml/2006/main" xmlns:r="http://schemas.openxmlformats.org/officeDocument/2006/relationships" xmlns:p="http://schemas.openxmlformats.org/presentationml/2006/main">
   <p:cSld>
     <p:spTree>
@@ -11842,11 +12031,7 @@
           <a:p>
             <a:r>
               <a:rPr lang="zh-CN" altLang="en-US" dirty="0" smtClean="0"/>
-              <a:t>计算节点</a:t>
-            </a:r>
-            <a:r>
-              <a:rPr lang="zh-CN" altLang="en-US" dirty="0" smtClean="0"/>
-              <a:t>数</a:t>
+              <a:t>计算节点数</a:t>
             </a:r>
             <a:r>
               <a:rPr lang="en-US" altLang="zh-CN" dirty="0" smtClean="0"/>
@@ -11878,7 +12063,7 @@
             <a:fld id="{0C913308-F349-4B6D-A68A-DD1791B4A57B}" type="slidenum">
               <a:rPr lang="zh-CN" altLang="en-US" smtClean="0"/>
               <a:pPr/>
-              <a:t>36</a:t>
+              <a:t>35</a:t>
             </a:fld>
             <a:endParaRPr lang="zh-CN" altLang="en-US"/>
           </a:p>
@@ -11948,6 +12133,241 @@
   <p:clrMapOvr>
     <a:masterClrMapping/>
   </p:clrMapOvr>
+  <p:transition advTm="421"/>
+  <p:timing>
+    <p:tnLst>
+      <p:par>
+        <p:cTn id="1" dur="indefinite" restart="never" nodeType="tmRoot"/>
+      </p:par>
+    </p:tnLst>
+  </p:timing>
+</p:sld>
+</file>
+
+<file path=ppt/slides/slide36.xml><?xml version="1.0" encoding="utf-8"?>
+<p:sld xmlns:a="http://schemas.openxmlformats.org/drawingml/2006/main" xmlns:r="http://schemas.openxmlformats.org/officeDocument/2006/relationships" xmlns:p="http://schemas.openxmlformats.org/presentationml/2006/main">
+  <p:cSld>
+    <p:spTree>
+      <p:nvGrpSpPr>
+        <p:cNvPr id="1" name=""/>
+        <p:cNvGrpSpPr/>
+        <p:nvPr/>
+      </p:nvGrpSpPr>
+      <p:grpSpPr>
+        <a:xfrm>
+          <a:off x="0" y="0"/>
+          <a:ext cx="0" cy="0"/>
+          <a:chOff x="0" y="0"/>
+          <a:chExt cx="0" cy="0"/>
+        </a:xfrm>
+      </p:grpSpPr>
+      <p:sp>
+        <p:nvSpPr>
+          <p:cNvPr id="2" name="标题 1"/>
+          <p:cNvSpPr>
+            <a:spLocks noGrp="1"/>
+          </p:cNvSpPr>
+          <p:nvPr>
+            <p:ph type="title"/>
+          </p:nvPr>
+        </p:nvSpPr>
+        <p:spPr/>
+        <p:txBody>
+          <a:bodyPr/>
+          <a:lstStyle/>
+          <a:p>
+            <a:r>
+              <a:rPr lang="zh-CN" altLang="en-US" dirty="0" smtClean="0"/>
+              <a:t>不同集群资源下测试结果分析</a:t>
+            </a:r>
+            <a:endParaRPr lang="zh-CN" altLang="en-US" dirty="0"/>
+          </a:p>
+        </p:txBody>
+      </p:sp>
+      <p:sp>
+        <p:nvSpPr>
+          <p:cNvPr id="3" name="内容占位符 2"/>
+          <p:cNvSpPr>
+            <a:spLocks noGrp="1"/>
+          </p:cNvSpPr>
+          <p:nvPr>
+            <p:ph idx="1"/>
+          </p:nvPr>
+        </p:nvSpPr>
+        <p:spPr/>
+        <p:txBody>
+          <a:bodyPr/>
+          <a:lstStyle/>
+          <a:p>
+            <a:r>
+              <a:rPr lang="zh-CN" altLang="en-US" dirty="0" smtClean="0"/>
+              <a:t>非线性过程</a:t>
+            </a:r>
+            <a:endParaRPr lang="en-US" altLang="zh-CN" dirty="0" smtClean="0"/>
+          </a:p>
+          <a:p>
+            <a:pPr lvl="1"/>
+            <a:r>
+              <a:rPr lang="zh-CN" altLang="en-US" dirty="0" smtClean="0"/>
+              <a:t>算法在集群上的可扩展性极限</a:t>
+            </a:r>
+            <a:endParaRPr lang="en-US" altLang="zh-CN" dirty="0" smtClean="0"/>
+          </a:p>
+          <a:p>
+            <a:r>
+              <a:rPr lang="en-US" altLang="zh-CN" dirty="0" err="1" smtClean="0"/>
+              <a:t>ECUESpam</a:t>
+            </a:r>
+            <a:r>
+              <a:rPr lang="zh-CN" altLang="en-US" dirty="0" smtClean="0"/>
+              <a:t>数据集 </a:t>
+            </a:r>
+            <a:r>
+              <a:rPr lang="en-US" altLang="zh-CN" dirty="0" smtClean="0"/>
+              <a:t>VS GISETTE</a:t>
+            </a:r>
+            <a:r>
+              <a:rPr lang="zh-CN" altLang="en-US" dirty="0" smtClean="0"/>
+              <a:t>数据集</a:t>
+            </a:r>
+            <a:endParaRPr lang="en-US" altLang="zh-CN" dirty="0" smtClean="0"/>
+          </a:p>
+          <a:p>
+            <a:pPr lvl="1"/>
+            <a:r>
+              <a:rPr lang="zh-CN" altLang="en-US" dirty="0" smtClean="0"/>
+              <a:t>特征维度与样本个数：高 </a:t>
+            </a:r>
+            <a:r>
+              <a:rPr lang="en-US" altLang="zh-CN" dirty="0" smtClean="0"/>
+              <a:t>VS </a:t>
+            </a:r>
+            <a:r>
+              <a:rPr lang="zh-CN" altLang="en-US" dirty="0" smtClean="0"/>
+              <a:t>低</a:t>
+            </a:r>
+            <a:endParaRPr lang="en-US" altLang="zh-CN" dirty="0" smtClean="0"/>
+          </a:p>
+          <a:p>
+            <a:pPr lvl="2"/>
+            <a:r>
+              <a:rPr lang="en-US" altLang="zh-CN" dirty="0" smtClean="0"/>
+              <a:t>-&gt; </a:t>
+            </a:r>
+            <a:r>
+              <a:rPr lang="zh-CN" altLang="en-US" dirty="0" smtClean="0"/>
+              <a:t>迭代次数：多 </a:t>
+            </a:r>
+            <a:r>
+              <a:rPr lang="en-US" altLang="zh-CN" dirty="0" smtClean="0"/>
+              <a:t>VS </a:t>
+            </a:r>
+            <a:r>
+              <a:rPr lang="zh-CN" altLang="en-US" dirty="0" smtClean="0"/>
+              <a:t>少</a:t>
+            </a:r>
+            <a:endParaRPr lang="en-US" altLang="zh-CN" dirty="0" smtClean="0"/>
+          </a:p>
+          <a:p>
+            <a:pPr lvl="1"/>
+            <a:r>
+              <a:rPr lang="zh-CN" altLang="en-US" dirty="0" smtClean="0"/>
+              <a:t>稀疏性：高 </a:t>
+            </a:r>
+            <a:r>
+              <a:rPr lang="en-US" altLang="zh-CN" dirty="0" smtClean="0"/>
+              <a:t>VS </a:t>
+            </a:r>
+            <a:r>
+              <a:rPr lang="zh-CN" altLang="en-US" dirty="0" smtClean="0"/>
+              <a:t>低</a:t>
+            </a:r>
+            <a:endParaRPr lang="en-US" altLang="zh-CN" dirty="0" smtClean="0"/>
+          </a:p>
+          <a:p>
+            <a:pPr lvl="1"/>
+            <a:r>
+              <a:rPr lang="zh-CN" altLang="en-US" dirty="0" smtClean="0"/>
+              <a:t>非零元素：少 </a:t>
+            </a:r>
+            <a:r>
+              <a:rPr lang="en-US" altLang="zh-CN" dirty="0" smtClean="0"/>
+              <a:t>VS </a:t>
+            </a:r>
+            <a:r>
+              <a:rPr lang="zh-CN" altLang="en-US" dirty="0" smtClean="0"/>
+              <a:t>多</a:t>
+            </a:r>
+            <a:endParaRPr lang="en-US" altLang="zh-CN" dirty="0" smtClean="0"/>
+          </a:p>
+          <a:p>
+            <a:pPr lvl="2"/>
+            <a:r>
+              <a:rPr lang="en-US" altLang="zh-CN" dirty="0" smtClean="0"/>
+              <a:t>-&gt; </a:t>
+            </a:r>
+            <a:r>
+              <a:rPr lang="zh-CN" altLang="en-US" dirty="0" smtClean="0"/>
+              <a:t>迭代时间：短 </a:t>
+            </a:r>
+            <a:r>
+              <a:rPr lang="en-US" altLang="zh-CN" dirty="0" smtClean="0"/>
+              <a:t>VS </a:t>
+            </a:r>
+            <a:r>
+              <a:rPr lang="zh-CN" altLang="en-US" dirty="0" smtClean="0"/>
+              <a:t>长</a:t>
+            </a:r>
+            <a:endParaRPr lang="en-US" altLang="zh-CN" dirty="0" smtClean="0"/>
+          </a:p>
+          <a:p>
+            <a:pPr lvl="1"/>
+            <a:r>
+              <a:rPr lang="zh-CN" altLang="en-US" dirty="0" smtClean="0"/>
+              <a:t>总运行时间：长 </a:t>
+            </a:r>
+            <a:r>
+              <a:rPr lang="en-US" altLang="zh-CN" dirty="0" smtClean="0"/>
+              <a:t>VS </a:t>
+            </a:r>
+            <a:r>
+              <a:rPr lang="zh-CN" altLang="en-US" dirty="0" smtClean="0"/>
+              <a:t>短</a:t>
+            </a:r>
+            <a:endParaRPr lang="zh-CN" altLang="en-US" dirty="0"/>
+          </a:p>
+        </p:txBody>
+      </p:sp>
+      <p:sp>
+        <p:nvSpPr>
+          <p:cNvPr id="4" name="灯片编号占位符 3"/>
+          <p:cNvSpPr>
+            <a:spLocks noGrp="1"/>
+          </p:cNvSpPr>
+          <p:nvPr>
+            <p:ph type="sldNum" sz="quarter" idx="12"/>
+          </p:nvPr>
+        </p:nvSpPr>
+        <p:spPr/>
+        <p:txBody>
+          <a:bodyPr/>
+          <a:lstStyle/>
+          <a:p>
+            <a:fld id="{0C913308-F349-4B6D-A68A-DD1791B4A57B}" type="slidenum">
+              <a:rPr lang="zh-CN" altLang="en-US" smtClean="0"/>
+              <a:pPr/>
+              <a:t>36</a:t>
+            </a:fld>
+            <a:endParaRPr lang="zh-CN" altLang="en-US"/>
+          </a:p>
+        </p:txBody>
+      </p:sp>
+    </p:spTree>
+  </p:cSld>
+  <p:clrMapOvr>
+    <a:masterClrMapping/>
+  </p:clrMapOvr>
+  <p:transition advTm="48095"/>
   <p:timing>
     <p:tnLst>
       <p:par>
@@ -11992,11 +12412,7 @@
           <a:p>
             <a:r>
               <a:rPr lang="zh-CN" altLang="en-US" dirty="0" smtClean="0"/>
-              <a:t>不同集群资源</a:t>
-            </a:r>
-            <a:r>
-              <a:rPr lang="zh-CN" altLang="en-US" dirty="0" smtClean="0"/>
-              <a:t>下测试结果分析</a:t>
+              <a:t>实验结果</a:t>
             </a:r>
             <a:endParaRPr lang="zh-CN" altLang="en-US" dirty="0"/>
           </a:p>
@@ -12019,42 +12435,48 @@
           <a:p>
             <a:r>
               <a:rPr lang="zh-CN" altLang="en-US" dirty="0" smtClean="0"/>
-              <a:t>非线性过程</a:t>
+              <a:t>对节点失败鲁棒性</a:t>
             </a:r>
             <a:endParaRPr lang="en-US" altLang="zh-CN" dirty="0" smtClean="0"/>
           </a:p>
           <a:p>
+            <a:endParaRPr lang="en-US" altLang="zh-CN" dirty="0" smtClean="0"/>
+          </a:p>
+          <a:p>
+            <a:endParaRPr lang="en-US" altLang="zh-CN" dirty="0" smtClean="0"/>
+          </a:p>
+          <a:p>
+            <a:endParaRPr lang="en-US" altLang="zh-CN" dirty="0" smtClean="0"/>
+          </a:p>
+          <a:p>
             <a:pPr lvl="1"/>
             <a:r>
-              <a:rPr lang="zh-CN" altLang="en-US" dirty="0" smtClean="0"/>
-              <a:t>算法在集群上的可扩展性极限</a:t>
+              <a:rPr lang="en-US" altLang="zh-CN" dirty="0" smtClean="0"/>
+              <a:t>Hadoop</a:t>
+            </a:r>
+            <a:r>
+              <a:rPr lang="zh-CN" altLang="en-US" dirty="0" smtClean="0"/>
+              <a:t>系统：冗余机制</a:t>
             </a:r>
             <a:endParaRPr lang="en-US" altLang="zh-CN" dirty="0" smtClean="0"/>
           </a:p>
           <a:p>
-            <a:r>
-              <a:rPr lang="en-US" altLang="zh-CN" dirty="0" err="1" smtClean="0"/>
-              <a:t>ECUESpam</a:t>
-            </a:r>
-            <a:r>
-              <a:rPr lang="zh-CN" altLang="en-US" dirty="0" smtClean="0"/>
-              <a:t>数据</a:t>
-            </a:r>
-            <a:r>
-              <a:rPr lang="zh-CN" altLang="en-US" dirty="0" smtClean="0"/>
-              <a:t>集 </a:t>
-            </a:r>
+            <a:pPr lvl="1"/>
             <a:r>
               <a:rPr lang="en-US" altLang="zh-CN" dirty="0" smtClean="0"/>
-              <a:t>VS GISETTE</a:t>
-            </a:r>
-            <a:r>
-              <a:rPr lang="zh-CN" altLang="en-US" dirty="0" smtClean="0"/>
-              <a:t>数据</a:t>
-            </a:r>
-            <a:r>
-              <a:rPr lang="zh-CN" altLang="en-US" dirty="0" smtClean="0"/>
-              <a:t>集</a:t>
+              <a:t>Spark</a:t>
+            </a:r>
+            <a:r>
+              <a:rPr lang="zh-CN" altLang="en-US" dirty="0" smtClean="0"/>
+              <a:t>系统：</a:t>
+            </a:r>
+            <a:r>
+              <a:rPr lang="en-US" altLang="zh-CN" dirty="0" smtClean="0"/>
+              <a:t>RDD</a:t>
+            </a:r>
+            <a:r>
+              <a:rPr lang="zh-CN" altLang="en-US" dirty="0" smtClean="0"/>
+              <a:t>的线性操作</a:t>
             </a:r>
             <a:endParaRPr lang="en-US" altLang="zh-CN" dirty="0" smtClean="0"/>
           </a:p>
@@ -12062,112 +12484,12 @@
             <a:pPr lvl="1"/>
             <a:r>
               <a:rPr lang="zh-CN" altLang="en-US" dirty="0" smtClean="0"/>
-              <a:t>特征维</a:t>
-            </a:r>
-            <a:r>
-              <a:rPr lang="zh-CN" altLang="en-US" dirty="0" smtClean="0"/>
-              <a:t>度与样本个数：</a:t>
-            </a:r>
-            <a:r>
-              <a:rPr lang="zh-CN" altLang="en-US" dirty="0" smtClean="0"/>
-              <a:t>高 </a:t>
-            </a:r>
-            <a:r>
-              <a:rPr lang="en-US" altLang="zh-CN" dirty="0" smtClean="0"/>
-              <a:t>VS </a:t>
-            </a:r>
-            <a:r>
-              <a:rPr lang="zh-CN" altLang="en-US" dirty="0" smtClean="0"/>
-              <a:t>低</a:t>
+              <a:t>次线性方法：随机算法特性</a:t>
             </a:r>
             <a:endParaRPr lang="en-US" altLang="zh-CN" dirty="0" smtClean="0"/>
           </a:p>
           <a:p>
-            <a:pPr lvl="2"/>
-            <a:r>
-              <a:rPr lang="en-US" altLang="zh-CN" dirty="0" smtClean="0"/>
-              <a:t>-&gt; </a:t>
-            </a:r>
-            <a:r>
-              <a:rPr lang="zh-CN" altLang="en-US" dirty="0" smtClean="0"/>
-              <a:t>迭代次数：多 </a:t>
-            </a:r>
-            <a:r>
-              <a:rPr lang="en-US" altLang="zh-CN" dirty="0" smtClean="0"/>
-              <a:t>VS </a:t>
-            </a:r>
-            <a:r>
-              <a:rPr lang="zh-CN" altLang="en-US" dirty="0" smtClean="0"/>
-              <a:t>少</a:t>
-            </a:r>
-            <a:endParaRPr lang="en-US" altLang="zh-CN" dirty="0" smtClean="0"/>
-          </a:p>
-          <a:p>
             <a:pPr lvl="1"/>
-            <a:r>
-              <a:rPr lang="zh-CN" altLang="en-US" dirty="0" smtClean="0"/>
-              <a:t>稀疏性：高 </a:t>
-            </a:r>
-            <a:r>
-              <a:rPr lang="en-US" altLang="zh-CN" dirty="0" smtClean="0"/>
-              <a:t>VS </a:t>
-            </a:r>
-            <a:r>
-              <a:rPr lang="zh-CN" altLang="en-US" dirty="0" smtClean="0"/>
-              <a:t>低</a:t>
-            </a:r>
-            <a:endParaRPr lang="en-US" altLang="zh-CN" dirty="0" smtClean="0"/>
-          </a:p>
-          <a:p>
-            <a:pPr lvl="1"/>
-            <a:r>
-              <a:rPr lang="zh-CN" altLang="en-US" dirty="0" smtClean="0"/>
-              <a:t>非零元素：少 </a:t>
-            </a:r>
-            <a:r>
-              <a:rPr lang="en-US" altLang="zh-CN" dirty="0" smtClean="0"/>
-              <a:t>VS </a:t>
-            </a:r>
-            <a:r>
-              <a:rPr lang="zh-CN" altLang="en-US" dirty="0" smtClean="0"/>
-              <a:t>多</a:t>
-            </a:r>
-            <a:endParaRPr lang="en-US" altLang="zh-CN" dirty="0" smtClean="0"/>
-          </a:p>
-          <a:p>
-            <a:pPr lvl="2"/>
-            <a:r>
-              <a:rPr lang="en-US" altLang="zh-CN" dirty="0" smtClean="0"/>
-              <a:t>-&gt; </a:t>
-            </a:r>
-            <a:r>
-              <a:rPr lang="zh-CN" altLang="en-US" dirty="0" smtClean="0"/>
-              <a:t>迭代时间：短 </a:t>
-            </a:r>
-            <a:r>
-              <a:rPr lang="en-US" altLang="zh-CN" dirty="0" smtClean="0"/>
-              <a:t>VS </a:t>
-            </a:r>
-            <a:r>
-              <a:rPr lang="zh-CN" altLang="en-US" dirty="0" smtClean="0"/>
-              <a:t>长</a:t>
-            </a:r>
-            <a:endParaRPr lang="en-US" altLang="zh-CN" dirty="0" smtClean="0"/>
-          </a:p>
-          <a:p>
-            <a:pPr lvl="1"/>
-            <a:r>
-              <a:rPr lang="zh-CN" altLang="en-US" dirty="0" smtClean="0"/>
-              <a:t>总运行时间：长 </a:t>
-            </a:r>
-            <a:r>
-              <a:rPr lang="en-US" altLang="zh-CN" dirty="0" smtClean="0"/>
-              <a:t>VS </a:t>
-            </a:r>
-            <a:r>
-              <a:rPr lang="zh-CN" altLang="en-US" dirty="0" smtClean="0"/>
-              <a:t>短</a:t>
-            </a:r>
             <a:endParaRPr lang="zh-CN" altLang="en-US" dirty="0"/>
           </a:p>
         </p:txBody>
@@ -12191,161 +12513,6 @@
               <a:rPr lang="zh-CN" altLang="en-US" smtClean="0"/>
               <a:pPr/>
               <a:t>37</a:t>
-            </a:fld>
-            <a:endParaRPr lang="zh-CN" altLang="en-US"/>
-          </a:p>
-        </p:txBody>
-      </p:sp>
-    </p:spTree>
-  </p:cSld>
-  <p:clrMapOvr>
-    <a:masterClrMapping/>
-  </p:clrMapOvr>
-  <p:timing>
-    <p:tnLst>
-      <p:par>
-        <p:cTn id="1" dur="indefinite" restart="never" nodeType="tmRoot"/>
-      </p:par>
-    </p:tnLst>
-  </p:timing>
-</p:sld>
-</file>
-
-<file path=ppt/slides/slide38.xml><?xml version="1.0" encoding="utf-8"?>
-<p:sld xmlns:a="http://schemas.openxmlformats.org/drawingml/2006/main" xmlns:r="http://schemas.openxmlformats.org/officeDocument/2006/relationships" xmlns:p="http://schemas.openxmlformats.org/presentationml/2006/main">
-  <p:cSld>
-    <p:spTree>
-      <p:nvGrpSpPr>
-        <p:cNvPr id="1" name=""/>
-        <p:cNvGrpSpPr/>
-        <p:nvPr/>
-      </p:nvGrpSpPr>
-      <p:grpSpPr>
-        <a:xfrm>
-          <a:off x="0" y="0"/>
-          <a:ext cx="0" cy="0"/>
-          <a:chOff x="0" y="0"/>
-          <a:chExt cx="0" cy="0"/>
-        </a:xfrm>
-      </p:grpSpPr>
-      <p:sp>
-        <p:nvSpPr>
-          <p:cNvPr id="2" name="标题 1"/>
-          <p:cNvSpPr>
-            <a:spLocks noGrp="1"/>
-          </p:cNvSpPr>
-          <p:nvPr>
-            <p:ph type="title"/>
-          </p:nvPr>
-        </p:nvSpPr>
-        <p:spPr/>
-        <p:txBody>
-          <a:bodyPr/>
-          <a:lstStyle/>
-          <a:p>
-            <a:r>
-              <a:rPr lang="zh-CN" altLang="en-US" dirty="0" smtClean="0"/>
-              <a:t>实验结果</a:t>
-            </a:r>
-            <a:endParaRPr lang="zh-CN" altLang="en-US" dirty="0"/>
-          </a:p>
-        </p:txBody>
-      </p:sp>
-      <p:sp>
-        <p:nvSpPr>
-          <p:cNvPr id="3" name="内容占位符 2"/>
-          <p:cNvSpPr>
-            <a:spLocks noGrp="1"/>
-          </p:cNvSpPr>
-          <p:nvPr>
-            <p:ph idx="1"/>
-          </p:nvPr>
-        </p:nvSpPr>
-        <p:spPr/>
-        <p:txBody>
-          <a:bodyPr/>
-          <a:lstStyle/>
-          <a:p>
-            <a:r>
-              <a:rPr lang="zh-CN" altLang="en-US" dirty="0" smtClean="0"/>
-              <a:t>对节点失败鲁棒性</a:t>
-            </a:r>
-            <a:endParaRPr lang="en-US" altLang="zh-CN" dirty="0" smtClean="0"/>
-          </a:p>
-          <a:p>
-            <a:endParaRPr lang="en-US" altLang="zh-CN" dirty="0" smtClean="0"/>
-          </a:p>
-          <a:p>
-            <a:endParaRPr lang="en-US" altLang="zh-CN" dirty="0" smtClean="0"/>
-          </a:p>
-          <a:p>
-            <a:endParaRPr lang="en-US" altLang="zh-CN" dirty="0" smtClean="0"/>
-          </a:p>
-          <a:p>
-            <a:pPr lvl="1"/>
-            <a:r>
-              <a:rPr lang="en-US" altLang="zh-CN" dirty="0" smtClean="0"/>
-              <a:t>Hadoop</a:t>
-            </a:r>
-            <a:r>
-              <a:rPr lang="zh-CN" altLang="en-US" dirty="0" smtClean="0"/>
-              <a:t>系统：冗余机制</a:t>
-            </a:r>
-            <a:endParaRPr lang="en-US" altLang="zh-CN" dirty="0" smtClean="0"/>
-          </a:p>
-          <a:p>
-            <a:pPr lvl="1"/>
-            <a:r>
-              <a:rPr lang="en-US" altLang="zh-CN" dirty="0" smtClean="0"/>
-              <a:t>Spark</a:t>
-            </a:r>
-            <a:r>
-              <a:rPr lang="zh-CN" altLang="en-US" dirty="0" smtClean="0"/>
-              <a:t>系统：</a:t>
-            </a:r>
-            <a:r>
-              <a:rPr lang="en-US" altLang="zh-CN" dirty="0" smtClean="0"/>
-              <a:t>RDD</a:t>
-            </a:r>
-            <a:r>
-              <a:rPr lang="zh-CN" altLang="en-US" dirty="0" smtClean="0"/>
-              <a:t>的线性操作</a:t>
-            </a:r>
-            <a:endParaRPr lang="en-US" altLang="zh-CN" dirty="0" smtClean="0"/>
-          </a:p>
-          <a:p>
-            <a:pPr lvl="1"/>
-            <a:r>
-              <a:rPr lang="zh-CN" altLang="en-US" dirty="0" smtClean="0"/>
-              <a:t>次线性方法：随机算法特性</a:t>
-            </a:r>
-            <a:endParaRPr lang="en-US" altLang="zh-CN" dirty="0" smtClean="0"/>
-          </a:p>
-          <a:p>
-            <a:pPr lvl="1"/>
-            <a:endParaRPr lang="zh-CN" altLang="en-US" dirty="0"/>
-          </a:p>
-        </p:txBody>
-      </p:sp>
-      <p:sp>
-        <p:nvSpPr>
-          <p:cNvPr id="4" name="灯片编号占位符 3"/>
-          <p:cNvSpPr>
-            <a:spLocks noGrp="1"/>
-          </p:cNvSpPr>
-          <p:nvPr>
-            <p:ph type="sldNum" sz="quarter" idx="12"/>
-          </p:nvPr>
-        </p:nvSpPr>
-        <p:spPr/>
-        <p:txBody>
-          <a:bodyPr/>
-          <a:lstStyle/>
-          <a:p>
-            <a:fld id="{0C913308-F349-4B6D-A68A-DD1791B4A57B}" type="slidenum">
-              <a:rPr lang="zh-CN" altLang="en-US" smtClean="0"/>
-              <a:pPr/>
-              <a:t>38</a:t>
             </a:fld>
             <a:endParaRPr lang="zh-CN" altLang="en-US"/>
           </a:p>
@@ -12380,6 +12547,7 @@
   <p:clrMapOvr>
     <a:masterClrMapping/>
   </p:clrMapOvr>
+  <p:transition advTm="18393"/>
   <p:timing>
     <p:tnLst>
       <p:par>
@@ -12390,7 +12558,7 @@
 </p:sld>
 </file>
 
-<file path=ppt/slides/slide39.xml><?xml version="1.0" encoding="utf-8"?>
+<file path=ppt/slides/slide38.xml><?xml version="1.0" encoding="utf-8"?>
 <p:sld xmlns:a="http://schemas.openxmlformats.org/drawingml/2006/main" xmlns:r="http://schemas.openxmlformats.org/officeDocument/2006/relationships" xmlns:p="http://schemas.openxmlformats.org/presentationml/2006/main">
   <p:cSld>
     <p:spTree>
@@ -12471,7 +12639,7 @@
             <a:fld id="{0C913308-F349-4B6D-A68A-DD1791B4A57B}" type="slidenum">
               <a:rPr lang="zh-CN" altLang="en-US" smtClean="0"/>
               <a:pPr/>
-              <a:t>39</a:t>
+              <a:t>38</a:t>
             </a:fld>
             <a:endParaRPr lang="zh-CN" altLang="en-US"/>
           </a:p>
@@ -12541,6 +12709,183 @@
   <p:clrMapOvr>
     <a:masterClrMapping/>
   </p:clrMapOvr>
+  <p:transition advTm="23837"/>
+  <p:timing>
+    <p:tnLst>
+      <p:par>
+        <p:cTn id="1" dur="indefinite" restart="never" nodeType="tmRoot"/>
+      </p:par>
+    </p:tnLst>
+  </p:timing>
+</p:sld>
+</file>
+
+<file path=ppt/slides/slide39.xml><?xml version="1.0" encoding="utf-8"?>
+<p:sld xmlns:a="http://schemas.openxmlformats.org/drawingml/2006/main" xmlns:r="http://schemas.openxmlformats.org/officeDocument/2006/relationships" xmlns:p="http://schemas.openxmlformats.org/presentationml/2006/main">
+  <p:cSld>
+    <p:spTree>
+      <p:nvGrpSpPr>
+        <p:cNvPr id="1" name=""/>
+        <p:cNvGrpSpPr/>
+        <p:nvPr/>
+      </p:nvGrpSpPr>
+      <p:grpSpPr>
+        <a:xfrm>
+          <a:off x="0" y="0"/>
+          <a:ext cx="0" cy="0"/>
+          <a:chOff x="0" y="0"/>
+          <a:chExt cx="0" cy="0"/>
+        </a:xfrm>
+      </p:grpSpPr>
+      <p:sp>
+        <p:nvSpPr>
+          <p:cNvPr id="2" name="标题 1"/>
+          <p:cNvSpPr>
+            <a:spLocks noGrp="1"/>
+          </p:cNvSpPr>
+          <p:nvPr>
+            <p:ph type="title"/>
+          </p:nvPr>
+        </p:nvSpPr>
+        <p:spPr/>
+        <p:txBody>
+          <a:bodyPr/>
+          <a:lstStyle/>
+          <a:p>
+            <a:r>
+              <a:rPr lang="zh-CN" altLang="en-US" dirty="0" smtClean="0"/>
+              <a:t>总结</a:t>
+            </a:r>
+            <a:endParaRPr lang="zh-CN" altLang="en-US" dirty="0"/>
+          </a:p>
+        </p:txBody>
+      </p:sp>
+      <p:sp>
+        <p:nvSpPr>
+          <p:cNvPr id="3" name="内容占位符 2"/>
+          <p:cNvSpPr>
+            <a:spLocks noGrp="1"/>
+          </p:cNvSpPr>
+          <p:nvPr>
+            <p:ph idx="1"/>
+          </p:nvPr>
+        </p:nvSpPr>
+        <p:spPr/>
+        <p:txBody>
+          <a:bodyPr/>
+          <a:lstStyle/>
+          <a:p>
+            <a:r>
+              <a:rPr lang="zh-CN" altLang="en-US" dirty="0" smtClean="0"/>
+              <a:t>主要成果</a:t>
+            </a:r>
+            <a:endParaRPr lang="en-US" altLang="zh-CN" dirty="0" smtClean="0"/>
+          </a:p>
+          <a:p>
+            <a:pPr lvl="1"/>
+            <a:r>
+              <a:rPr lang="zh-CN" altLang="en-US" dirty="0" smtClean="0"/>
+              <a:t>针对罗吉斯回归模型优化求解机器学习算法</a:t>
+            </a:r>
+            <a:endParaRPr lang="en-US" altLang="zh-CN" dirty="0" smtClean="0"/>
+          </a:p>
+          <a:p>
+            <a:pPr lvl="1"/>
+            <a:r>
+              <a:rPr lang="zh-CN" altLang="en-US" dirty="0" smtClean="0"/>
+              <a:t>大数据应用背景</a:t>
+            </a:r>
+            <a:endParaRPr lang="en-US" altLang="zh-CN" dirty="0" smtClean="0"/>
+          </a:p>
+          <a:p>
+            <a:pPr lvl="1"/>
+            <a:r>
+              <a:rPr lang="zh-CN" altLang="en-US" dirty="0" smtClean="0"/>
+              <a:t>考虑了以下维度上的各个特点：</a:t>
+            </a:r>
+            <a:endParaRPr lang="en-US" altLang="zh-CN" dirty="0" smtClean="0"/>
+          </a:p>
+          <a:p>
+            <a:pPr lvl="2"/>
+            <a:r>
+              <a:rPr lang="zh-CN" altLang="en-US" dirty="0" smtClean="0"/>
+              <a:t>数据集：</a:t>
+            </a:r>
+            <a:r>
+              <a:rPr lang="en-US" altLang="zh-CN" dirty="0" smtClean="0"/>
+              <a:t>Size, #Instances, #Features, </a:t>
+            </a:r>
+            <a:r>
+              <a:rPr lang="en-US" altLang="zh-CN" dirty="0" err="1" smtClean="0"/>
+              <a:t>Sparsity</a:t>
+            </a:r>
+            <a:endParaRPr lang="en-US" altLang="zh-CN" dirty="0" smtClean="0"/>
+          </a:p>
+          <a:p>
+            <a:pPr lvl="2"/>
+            <a:r>
+              <a:rPr lang="zh-CN" altLang="en-US" dirty="0" smtClean="0"/>
+              <a:t>并行系统：</a:t>
+            </a:r>
+            <a:r>
+              <a:rPr lang="en-US" altLang="zh-CN" dirty="0" smtClean="0"/>
+              <a:t>Design, Feature, Mechanism</a:t>
+            </a:r>
+          </a:p>
+          <a:p>
+            <a:pPr lvl="2"/>
+            <a:r>
+              <a:rPr lang="zh-CN" altLang="en-US" dirty="0" smtClean="0"/>
+              <a:t>算法：</a:t>
+            </a:r>
+            <a:r>
+              <a:rPr lang="en-US" altLang="zh-CN" dirty="0" smtClean="0"/>
+              <a:t>Design, Framework, Code</a:t>
+            </a:r>
+          </a:p>
+          <a:p>
+            <a:pPr lvl="2"/>
+            <a:r>
+              <a:rPr lang="zh-CN" altLang="en-US" dirty="0" smtClean="0"/>
+              <a:t>综合测试：</a:t>
+            </a:r>
+            <a:r>
+              <a:rPr lang="en-US" altLang="zh-CN" dirty="0" smtClean="0"/>
+              <a:t>Correctness, Accuracy, Efficiency, Scalability, Fault Tolerance</a:t>
+            </a:r>
+          </a:p>
+        </p:txBody>
+      </p:sp>
+      <p:sp>
+        <p:nvSpPr>
+          <p:cNvPr id="4" name="灯片编号占位符 3"/>
+          <p:cNvSpPr>
+            <a:spLocks noGrp="1"/>
+          </p:cNvSpPr>
+          <p:nvPr>
+            <p:ph type="sldNum" sz="quarter" idx="12"/>
+          </p:nvPr>
+        </p:nvSpPr>
+        <p:spPr/>
+        <p:txBody>
+          <a:bodyPr/>
+          <a:lstStyle/>
+          <a:p>
+            <a:fld id="{0C913308-F349-4B6D-A68A-DD1791B4A57B}" type="slidenum">
+              <a:rPr lang="zh-CN" altLang="en-US" smtClean="0"/>
+              <a:pPr/>
+              <a:t>39</a:t>
+            </a:fld>
+            <a:endParaRPr lang="zh-CN" altLang="en-US"/>
+          </a:p>
+        </p:txBody>
+      </p:sp>
+    </p:spTree>
+  </p:cSld>
+  <p:clrMapOvr>
+    <a:masterClrMapping/>
+  </p:clrMapOvr>
+  <p:transition advTm="17394"/>
   <p:timing>
     <p:tnLst>
       <p:par>
@@ -12585,7 +12930,11 @@
           <a:p>
             <a:r>
               <a:rPr lang="zh-CN" altLang="en-US" dirty="0" smtClean="0"/>
-              <a:t>相关工作</a:t>
+              <a:t>研究</a:t>
+            </a:r>
+            <a:r>
+              <a:rPr lang="zh-CN" altLang="en-US" dirty="0" smtClean="0"/>
+              <a:t>内容</a:t>
             </a:r>
             <a:endParaRPr lang="zh-CN" altLang="en-US" dirty="0"/>
           </a:p>
@@ -12608,74 +12957,78 @@
           <a:p>
             <a:r>
               <a:rPr lang="zh-CN" altLang="en-US" dirty="0" smtClean="0"/>
-              <a:t>大数据背景下的机器学习算法</a:t>
+              <a:t>解决</a:t>
+            </a:r>
+            <a:r>
+              <a:rPr lang="en-US" altLang="zh-CN" dirty="0" smtClean="0"/>
+              <a:t>LR</a:t>
+            </a:r>
+            <a:r>
+              <a:rPr lang="zh-CN" altLang="en-US" dirty="0" smtClean="0"/>
+              <a:t>优化</a:t>
+            </a:r>
+            <a:r>
+              <a:rPr lang="zh-CN" altLang="en-US" dirty="0" smtClean="0"/>
+              <a:t>算法的计算效率</a:t>
+            </a:r>
+            <a:r>
+              <a:rPr lang="zh-CN" altLang="en-US" dirty="0" smtClean="0"/>
+              <a:t>问题</a:t>
             </a:r>
             <a:endParaRPr lang="en-US" altLang="zh-CN" dirty="0" smtClean="0"/>
           </a:p>
           <a:p>
             <a:pPr lvl="1"/>
             <a:r>
-              <a:rPr lang="en-US" altLang="zh-CN" dirty="0" smtClean="0"/>
-              <a:t>PSVM</a:t>
-            </a:r>
-            <a:r>
-              <a:rPr lang="zh-CN" altLang="en-US" dirty="0" smtClean="0"/>
-              <a:t>、</a:t>
-            </a:r>
-            <a:r>
-              <a:rPr lang="en-US" altLang="zh-CN" dirty="0" smtClean="0"/>
-              <a:t>PLDA</a:t>
-            </a:r>
-            <a:r>
-              <a:rPr lang="zh-CN" altLang="en-US" dirty="0" smtClean="0"/>
-              <a:t>、</a:t>
-            </a:r>
-            <a:r>
-              <a:rPr lang="en-US" altLang="zh-CN" dirty="0" smtClean="0"/>
-              <a:t>DP</a:t>
-            </a:r>
-            <a:r>
-              <a:rPr lang="zh-CN" altLang="en-US" dirty="0" smtClean="0"/>
-              <a:t>、</a:t>
-            </a:r>
-            <a:r>
-              <a:rPr lang="en-US" altLang="zh-CN" dirty="0" err="1" smtClean="0"/>
-              <a:t>GraphLab</a:t>
+              <a:rPr lang="zh-CN" altLang="en-US" dirty="0" smtClean="0"/>
+              <a:t>主要加速方式：并行计算</a:t>
             </a:r>
             <a:endParaRPr lang="en-US" altLang="zh-CN" dirty="0" smtClean="0"/>
           </a:p>
           <a:p>
-            <a:r>
-              <a:rPr lang="zh-CN" altLang="en-US" dirty="0" smtClean="0"/>
-              <a:t>并行框架</a:t>
+            <a:pPr lvl="1"/>
+            <a:r>
+              <a:rPr lang="zh-CN" altLang="en-US" dirty="0" smtClean="0"/>
+              <a:t>结合</a:t>
+            </a:r>
+            <a:r>
+              <a:rPr lang="zh-CN" altLang="en-US" dirty="0" smtClean="0"/>
+              <a:t>系统层面和算法层面</a:t>
             </a:r>
             <a:endParaRPr lang="en-US" altLang="zh-CN" dirty="0" smtClean="0"/>
           </a:p>
           <a:p>
             <a:pPr lvl="1"/>
             <a:r>
-              <a:rPr lang="en-US" altLang="zh-CN" dirty="0" smtClean="0"/>
-              <a:t>Apache Hadoop</a:t>
-            </a:r>
+              <a:rPr lang="zh-CN" altLang="en-US" dirty="0" smtClean="0"/>
+              <a:t>客观测试</a:t>
+            </a:r>
+            <a:endParaRPr lang="en-US" altLang="zh-CN" dirty="0" smtClean="0"/>
+          </a:p>
+          <a:p>
+            <a:r>
+              <a:rPr lang="zh-CN" altLang="en-US" dirty="0" smtClean="0"/>
+              <a:t>研究</a:t>
+            </a:r>
+            <a:r>
+              <a:rPr lang="zh-CN" altLang="en-US" dirty="0" smtClean="0"/>
+              <a:t>重点在于充分认识</a:t>
+            </a:r>
+            <a:endParaRPr lang="en-US" altLang="zh-CN" dirty="0" smtClean="0"/>
           </a:p>
           <a:p>
             <a:pPr lvl="1"/>
             <a:r>
-              <a:rPr lang="en-US" altLang="zh-CN" dirty="0" smtClean="0"/>
-              <a:t>Apache Mahout</a:t>
-            </a:r>
+              <a:rPr lang="zh-CN" altLang="en-US" dirty="0" smtClean="0"/>
+              <a:t>在何种情况下选择并行</a:t>
+            </a:r>
+            <a:endParaRPr lang="en-US" altLang="zh-CN" dirty="0" smtClean="0"/>
           </a:p>
           <a:p>
             <a:pPr lvl="1"/>
             <a:r>
-              <a:rPr lang="en-US" altLang="zh-CN" dirty="0" smtClean="0"/>
-              <a:t>Apache Spark</a:t>
-            </a:r>
-          </a:p>
-          <a:p>
-            <a:r>
-              <a:rPr lang="zh-CN" altLang="en-US" dirty="0" smtClean="0"/>
-              <a:t>算法框架</a:t>
+              <a:rPr lang="zh-CN" altLang="en-US" dirty="0" smtClean="0"/>
+              <a:t>选择什么并行系统</a:t>
             </a:r>
             <a:endParaRPr lang="en-US" altLang="zh-CN" dirty="0" smtClean="0"/>
           </a:p>
@@ -12683,9 +13036,16 @@
             <a:pPr lvl="1"/>
             <a:r>
               <a:rPr lang="zh-CN" altLang="en-US" dirty="0" smtClean="0"/>
-              <a:t>次线性、并行梯度下降、随机梯度下降</a:t>
+              <a:t>选择怎样的并行算法</a:t>
             </a:r>
             <a:endParaRPr lang="en-US" altLang="zh-CN" dirty="0" smtClean="0"/>
+          </a:p>
+          <a:p>
+            <a:r>
+              <a:rPr lang="zh-CN" altLang="en-US" dirty="0" smtClean="0"/>
+              <a:t>次重点为新的次线性并行算法的提出</a:t>
+            </a:r>
+            <a:endParaRPr lang="zh-CN" altLang="en-US" dirty="0"/>
           </a:p>
         </p:txBody>
       </p:sp>
@@ -12713,11 +13073,64 @@
           </a:p>
         </p:txBody>
       </p:sp>
+      <p:pic>
+        <p:nvPicPr>
+          <p:cNvPr id="1026" name="Picture 2" descr="C:\Users\user\AppData\Local\Microsoft\Windows\Temporary Internet Files\Content.IE5\PW1M0FN8\MC900423171[1].wmf"/>
+          <p:cNvPicPr>
+            <a:picLocks noChangeAspect="1" noChangeArrowheads="1"/>
+          </p:cNvPicPr>
+          <p:nvPr/>
+        </p:nvPicPr>
+        <p:blipFill>
+          <a:blip r:embed="rId2"/>
+          <a:srcRect/>
+          <a:stretch>
+            <a:fillRect/>
+          </a:stretch>
+        </p:blipFill>
+        <p:spPr bwMode="auto">
+          <a:xfrm>
+            <a:off x="6072198" y="3086561"/>
+            <a:ext cx="556753" cy="556753"/>
+          </a:xfrm>
+          <a:prstGeom prst="rect">
+            <a:avLst/>
+          </a:prstGeom>
+          <a:noFill/>
+        </p:spPr>
+      </p:pic>
+      <p:pic>
+        <p:nvPicPr>
+          <p:cNvPr id="6" name="Picture 2" descr="C:\Users\user\AppData\Local\Microsoft\Windows\Temporary Internet Files\Content.IE5\PW1M0FN8\MC900423171[1].wmf"/>
+          <p:cNvPicPr>
+            <a:picLocks noChangeAspect="1" noChangeArrowheads="1"/>
+          </p:cNvPicPr>
+          <p:nvPr/>
+        </p:nvPicPr>
+        <p:blipFill>
+          <a:blip r:embed="rId2"/>
+          <a:srcRect/>
+          <a:stretch>
+            <a:fillRect/>
+          </a:stretch>
+        </p:blipFill>
+        <p:spPr bwMode="auto">
+          <a:xfrm>
+            <a:off x="3571868" y="3586627"/>
+            <a:ext cx="556753" cy="556753"/>
+          </a:xfrm>
+          <a:prstGeom prst="rect">
+            <a:avLst/>
+          </a:prstGeom>
+          <a:noFill/>
+        </p:spPr>
+      </p:pic>
     </p:spTree>
   </p:cSld>
   <p:clrMapOvr>
     <a:masterClrMapping/>
   </p:clrMapOvr>
+  <p:transition advTm="97828"/>
   <p:timing>
     <p:tnLst>
       <p:par>
@@ -12785,7 +13198,7 @@
           <a:p>
             <a:r>
               <a:rPr lang="zh-CN" altLang="en-US" dirty="0" smtClean="0"/>
-              <a:t>主要成果</a:t>
+              <a:t>主要创新</a:t>
             </a:r>
             <a:endParaRPr lang="en-US" altLang="zh-CN" dirty="0" smtClean="0"/>
           </a:p>
@@ -12793,11 +13206,19 @@
             <a:pPr lvl="1"/>
             <a:r>
               <a:rPr lang="zh-CN" altLang="en-US" dirty="0" smtClean="0"/>
-              <a:t>针对罗吉斯回归模型</a:t>
-            </a:r>
-            <a:r>
-              <a:rPr lang="zh-CN" altLang="en-US" dirty="0" smtClean="0"/>
-              <a:t>优化求解机器学习算法</a:t>
+              <a:t>进行了</a:t>
+            </a:r>
+            <a:r>
+              <a:rPr lang="zh-CN" altLang="en-US" dirty="0" smtClean="0">
+                <a:solidFill>
+                  <a:srgbClr val="FF0000"/>
+                </a:solidFill>
+              </a:rPr>
+              <a:t>客观综合</a:t>
+            </a:r>
+            <a:r>
+              <a:rPr lang="zh-CN" altLang="en-US" dirty="0" smtClean="0"/>
+              <a:t>地研究、测试、评价和比较。针对不同特点的数据集和不同的运行资源，给出了算法选择的建议。</a:t>
             </a:r>
             <a:endParaRPr lang="en-US" altLang="zh-CN" dirty="0" smtClean="0"/>
           </a:p>
@@ -12805,11 +13226,15 @@
             <a:pPr lvl="1"/>
             <a:r>
               <a:rPr lang="zh-CN" altLang="en-US" dirty="0" smtClean="0"/>
-              <a:t>大数据应用</a:t>
-            </a:r>
-            <a:r>
-              <a:rPr lang="zh-CN" altLang="en-US" dirty="0" smtClean="0"/>
-              <a:t>背景</a:t>
+              <a:t>提出了针对罗吉斯回归模型的新的并行次线性算法。其在</a:t>
+            </a:r>
+            <a:r>
+              <a:rPr lang="en-US" altLang="zh-CN" dirty="0" smtClean="0"/>
+              <a:t>SPARK</a:t>
+            </a:r>
+            <a:r>
+              <a:rPr lang="zh-CN" altLang="en-US" dirty="0" smtClean="0"/>
+              <a:t>系统上的运行取得了优良的效果。  </a:t>
             </a:r>
             <a:endParaRPr lang="en-US" altLang="zh-CN" dirty="0" smtClean="0"/>
           </a:p>
@@ -12817,86 +13242,17 @@
             <a:pPr lvl="1"/>
             <a:r>
               <a:rPr lang="zh-CN" altLang="en-US" dirty="0" smtClean="0"/>
-              <a:t>考虑了</a:t>
-            </a:r>
-            <a:r>
-              <a:rPr lang="zh-CN" altLang="en-US" dirty="0" smtClean="0"/>
-              <a:t>以下</a:t>
-            </a:r>
-            <a:r>
-              <a:rPr lang="zh-CN" altLang="en-US" dirty="0" smtClean="0"/>
-              <a:t>维度上的各个</a:t>
-            </a:r>
-            <a:r>
-              <a:rPr lang="zh-CN" altLang="en-US" dirty="0" smtClean="0"/>
-              <a:t>特点：</a:t>
-            </a:r>
-            <a:endParaRPr lang="en-US" altLang="zh-CN" dirty="0" smtClean="0"/>
-          </a:p>
-          <a:p>
-            <a:pPr lvl="2"/>
-            <a:r>
-              <a:rPr lang="zh-CN" altLang="en-US" dirty="0" smtClean="0"/>
-              <a:t>数据</a:t>
-            </a:r>
-            <a:r>
-              <a:rPr lang="zh-CN" altLang="en-US" dirty="0" smtClean="0"/>
-              <a:t>集</a:t>
-            </a:r>
-            <a:r>
-              <a:rPr lang="zh-CN" altLang="en-US" dirty="0" smtClean="0"/>
-              <a:t>：</a:t>
-            </a:r>
-            <a:r>
-              <a:rPr lang="en-US" altLang="zh-CN" dirty="0" smtClean="0"/>
-              <a:t>Size, #Instances, #Features, </a:t>
-            </a:r>
-            <a:r>
-              <a:rPr lang="en-US" altLang="zh-CN" dirty="0" err="1" smtClean="0"/>
-              <a:t>Sparsity</a:t>
-            </a:r>
-            <a:endParaRPr lang="en-US" altLang="zh-CN" dirty="0" smtClean="0"/>
-          </a:p>
-          <a:p>
-            <a:pPr lvl="2"/>
-            <a:r>
-              <a:rPr lang="zh-CN" altLang="en-US" dirty="0" smtClean="0"/>
-              <a:t>并行系统</a:t>
-            </a:r>
-            <a:r>
-              <a:rPr lang="zh-CN" altLang="en-US" dirty="0" smtClean="0"/>
-              <a:t>：</a:t>
-            </a:r>
-            <a:r>
-              <a:rPr lang="en-US" altLang="zh-CN" dirty="0" smtClean="0"/>
-              <a:t>Design, Feature, Mechanism</a:t>
-            </a:r>
-          </a:p>
-          <a:p>
-            <a:pPr lvl="2"/>
-            <a:r>
-              <a:rPr lang="zh-CN" altLang="en-US" dirty="0" smtClean="0"/>
-              <a:t>算法：</a:t>
-            </a:r>
-            <a:r>
-              <a:rPr lang="en-US" altLang="zh-CN" dirty="0" smtClean="0"/>
-              <a:t>Design, Framework, Code</a:t>
-            </a:r>
-          </a:p>
-          <a:p>
-            <a:pPr lvl="2"/>
-            <a:r>
-              <a:rPr lang="zh-CN" altLang="en-US" dirty="0" smtClean="0"/>
-              <a:t>综合测试</a:t>
-            </a:r>
-            <a:r>
-              <a:rPr lang="zh-CN" altLang="en-US" dirty="0" smtClean="0"/>
-              <a:t>：</a:t>
-            </a:r>
-            <a:r>
-              <a:rPr lang="en-US" altLang="zh-CN" dirty="0" smtClean="0"/>
-              <a:t>Correctness, Accuracy, Efficiency, Scalability, Fault Tolerance</a:t>
-            </a:r>
+              <a:t>将机器学习算法与系统综合考虑的研究思路也</a:t>
+            </a:r>
+            <a:r>
+              <a:rPr lang="zh-CN" altLang="en-US" dirty="0" smtClean="0"/>
+              <a:t>是论文的</a:t>
+            </a:r>
+            <a:r>
+              <a:rPr lang="zh-CN" altLang="en-US" dirty="0" smtClean="0"/>
+              <a:t>一个特色</a:t>
+            </a:r>
+            <a:endParaRPr lang="zh-CN" altLang="en-US" dirty="0"/>
           </a:p>
         </p:txBody>
       </p:sp>
@@ -12929,6 +13285,7 @@
   <p:clrMapOvr>
     <a:masterClrMapping/>
   </p:clrMapOvr>
+  <p:transition advTm="19204"/>
   <p:timing>
     <p:tnLst>
       <p:par>
@@ -12973,7 +13330,7 @@
           <a:p>
             <a:r>
               <a:rPr lang="zh-CN" altLang="en-US" dirty="0" smtClean="0"/>
-              <a:t>总结</a:t>
+              <a:t>下一步研究计划</a:t>
             </a:r>
             <a:endParaRPr lang="zh-CN" altLang="en-US" dirty="0"/>
           </a:p>
@@ -12996,89 +13353,100 @@
           <a:p>
             <a:r>
               <a:rPr lang="zh-CN" altLang="en-US" dirty="0" smtClean="0"/>
-              <a:t>主要创新</a:t>
+              <a:t>进一步</a:t>
+            </a:r>
+            <a:r>
+              <a:rPr lang="zh-CN" altLang="en-US" dirty="0" smtClean="0"/>
+              <a:t>增加综合测试</a:t>
+            </a:r>
+          </a:p>
+          <a:p>
+            <a:pPr lvl="1"/>
+            <a:r>
+              <a:rPr lang="zh-CN" altLang="en-US" dirty="0" smtClean="0"/>
+              <a:t>包括算法稳定性、算法收敛性等方面</a:t>
+            </a:r>
+          </a:p>
+          <a:p>
+            <a:pPr lvl="1"/>
+            <a:r>
+              <a:rPr lang="zh-CN" altLang="en-US" dirty="0" smtClean="0"/>
+              <a:t>增加实验节点数，在更大规模数据集上测试</a:t>
             </a:r>
             <a:endParaRPr lang="en-US" altLang="zh-CN" dirty="0" smtClean="0"/>
           </a:p>
           <a:p>
+            <a:r>
+              <a:rPr lang="zh-CN" altLang="en-US" dirty="0" smtClean="0">
+                <a:solidFill>
+                  <a:srgbClr val="000000"/>
+                </a:solidFill>
+                <a:latin typeface="宋体"/>
+                <a:ea typeface="宋体"/>
+              </a:rPr>
+              <a:t>并行次线性方法有待继续优化</a:t>
+            </a:r>
+            <a:endParaRPr lang="en-US" altLang="zh-CN" dirty="0" smtClean="0">
+              <a:solidFill>
+                <a:srgbClr val="000000"/>
+              </a:solidFill>
+              <a:latin typeface="宋体"/>
+              <a:ea typeface="宋体"/>
+            </a:endParaRPr>
+          </a:p>
+          <a:p>
+            <a:r>
+              <a:rPr lang="zh-CN" altLang="en-US" dirty="0" smtClean="0">
+                <a:solidFill>
+                  <a:srgbClr val="000000"/>
+                </a:solidFill>
+                <a:latin typeface="宋体"/>
+                <a:ea typeface="宋体"/>
+              </a:rPr>
+              <a:t>研究对象扩展</a:t>
+            </a:r>
+            <a:endParaRPr lang="en-US" altLang="zh-CN" dirty="0" smtClean="0">
+              <a:solidFill>
+                <a:srgbClr val="000000"/>
+              </a:solidFill>
+              <a:latin typeface="宋体"/>
+              <a:ea typeface="宋体"/>
+            </a:endParaRPr>
+          </a:p>
+          <a:p>
             <a:pPr lvl="1"/>
             <a:r>
               <a:rPr lang="zh-CN" altLang="en-US" dirty="0" smtClean="0"/>
-              <a:t>进行了</a:t>
-            </a:r>
+              <a:t>多分类问题以及其他</a:t>
+            </a:r>
+            <a:r>
+              <a:rPr lang="zh-CN" altLang="en-US" dirty="0" smtClean="0"/>
+              <a:t>模型</a:t>
+            </a:r>
+            <a:endParaRPr lang="en-US" altLang="zh-CN" dirty="0" smtClean="0"/>
+          </a:p>
+          <a:p>
             <a:r>
               <a:rPr lang="zh-CN" altLang="en-US" dirty="0" smtClean="0">
                 <a:solidFill>
                   <a:srgbClr val="FF0000"/>
                 </a:solidFill>
               </a:rPr>
-              <a:t>客观综合</a:t>
-            </a:r>
-            <a:r>
-              <a:rPr lang="zh-CN" altLang="en-US" dirty="0" smtClean="0"/>
-              <a:t>地研究</a:t>
-            </a:r>
-            <a:r>
-              <a:rPr lang="zh-CN" altLang="en-US" dirty="0" smtClean="0"/>
-              <a:t>、测试、评价和</a:t>
-            </a:r>
-            <a:r>
-              <a:rPr lang="zh-CN" altLang="en-US" dirty="0" smtClean="0"/>
-              <a:t>比较。针对</a:t>
-            </a:r>
-            <a:r>
-              <a:rPr lang="zh-CN" altLang="en-US" dirty="0" smtClean="0"/>
-              <a:t>不同特点的数据集和不同的运行资源</a:t>
-            </a:r>
-            <a:r>
-              <a:rPr lang="zh-CN" altLang="en-US" dirty="0" smtClean="0"/>
-              <a:t>，给</a:t>
-            </a:r>
-            <a:r>
-              <a:rPr lang="zh-CN" altLang="en-US" dirty="0" smtClean="0"/>
-              <a:t>出了算法选择的建议</a:t>
-            </a:r>
-            <a:r>
-              <a:rPr lang="zh-CN" altLang="en-US" dirty="0" smtClean="0"/>
-              <a:t>。</a:t>
-            </a:r>
-            <a:endParaRPr lang="en-US" altLang="zh-CN" dirty="0" smtClean="0"/>
-          </a:p>
-          <a:p>
-            <a:pPr lvl="1"/>
-            <a:r>
-              <a:rPr lang="zh-CN" altLang="en-US" dirty="0" smtClean="0"/>
-              <a:t>提出</a:t>
-            </a:r>
-            <a:r>
-              <a:rPr lang="zh-CN" altLang="en-US" dirty="0" smtClean="0"/>
-              <a:t>了针对罗吉斯回归模型的新的并行次线性算法。其在</a:t>
-            </a:r>
-            <a:r>
-              <a:rPr lang="en-US" altLang="zh-CN" dirty="0" smtClean="0"/>
-              <a:t>SPARK</a:t>
-            </a:r>
-            <a:r>
-              <a:rPr lang="zh-CN" altLang="en-US" dirty="0" smtClean="0"/>
-              <a:t>系统上的运行取得了优良的效果。 </a:t>
-            </a:r>
-            <a:r>
-              <a:rPr lang="zh-CN" altLang="en-US" dirty="0" smtClean="0"/>
-              <a:t> </a:t>
-            </a:r>
-            <a:endParaRPr lang="en-US" altLang="zh-CN" dirty="0" smtClean="0"/>
-          </a:p>
-          <a:p>
-            <a:pPr lvl="1"/>
-            <a:r>
-              <a:rPr lang="zh-CN" altLang="en-US" dirty="0" smtClean="0"/>
-              <a:t>将机器学习算法与系统综合考虑的研究</a:t>
-            </a:r>
-            <a:r>
-              <a:rPr lang="zh-CN" altLang="en-US" dirty="0" smtClean="0"/>
-              <a:t>思路也是本文的一个特色</a:t>
-            </a:r>
-            <a:endParaRPr lang="zh-CN" altLang="en-US" dirty="0"/>
+              <a:t>需要发展与机器学习算法相匹配的分布式并行计算</a:t>
+            </a:r>
+            <a:r>
+              <a:rPr lang="zh-CN" altLang="en-US" dirty="0" smtClean="0">
+                <a:solidFill>
+                  <a:srgbClr val="FF0000"/>
+                </a:solidFill>
+              </a:rPr>
+              <a:t>系统</a:t>
+            </a:r>
+            <a:endParaRPr lang="en-US" altLang="zh-CN" dirty="0" smtClean="0">
+              <a:solidFill>
+                <a:srgbClr val="FF0000"/>
+              </a:solidFill>
+            </a:endParaRPr>
           </a:p>
         </p:txBody>
       </p:sp>
@@ -13111,6 +13479,7 @@
   <p:clrMapOvr>
     <a:masterClrMapping/>
   </p:clrMapOvr>
+  <p:transition advTm="33556"/>
   <p:timing>
     <p:tnLst>
       <p:par>
@@ -13155,7 +13524,7 @@
           <a:p>
             <a:r>
               <a:rPr lang="zh-CN" altLang="en-US" dirty="0" smtClean="0"/>
-              <a:t>下一步研究计划</a:t>
+              <a:t>主要参考文献</a:t>
             </a:r>
             <a:endParaRPr lang="zh-CN" altLang="en-US" dirty="0"/>
           </a:p>
@@ -13177,123 +13546,87 @@
           <a:lstStyle/>
           <a:p>
             <a:r>
-              <a:rPr lang="zh-CN" altLang="en-US" dirty="0" smtClean="0"/>
-              <a:t>需要发展与机器学习算法相匹配的分布式</a:t>
-            </a:r>
-            <a:r>
-              <a:rPr lang="zh-CN" altLang="en-US" dirty="0" smtClean="0"/>
-              <a:t>并行计算系统</a:t>
-            </a:r>
-            <a:endParaRPr lang="en-US" altLang="zh-CN" dirty="0" smtClean="0"/>
-          </a:p>
-          <a:p>
-            <a:r>
-              <a:rPr lang="zh-CN" altLang="en-US" dirty="0" smtClean="0"/>
-              <a:t>进一步增加综合测试</a:t>
-            </a:r>
-          </a:p>
-          <a:p>
-            <a:pPr lvl="1"/>
-            <a:r>
-              <a:rPr lang="zh-CN" altLang="en-US" dirty="0" smtClean="0"/>
-              <a:t>包括算法稳定性、算法收敛性等方面</a:t>
-            </a:r>
-          </a:p>
-          <a:p>
-            <a:pPr lvl="1"/>
-            <a:r>
-              <a:rPr lang="zh-CN" altLang="en-US" dirty="0" smtClean="0"/>
-              <a:t>增加实验节点数</a:t>
-            </a:r>
-            <a:r>
-              <a:rPr lang="zh-CN" altLang="en-US" dirty="0" smtClean="0"/>
-              <a:t>，在更大规模数据集上测试</a:t>
-            </a:r>
-            <a:endParaRPr lang="en-US" altLang="zh-CN" dirty="0" smtClean="0"/>
-          </a:p>
-          <a:p>
-            <a:r>
-              <a:rPr lang="zh-CN" altLang="en-US" dirty="0" smtClean="0">
-                <a:solidFill>
-                  <a:srgbClr val="000000"/>
-                </a:solidFill>
-                <a:latin typeface="宋体"/>
-                <a:ea typeface="宋体"/>
-              </a:rPr>
-              <a:t>并行</a:t>
-            </a:r>
-            <a:r>
-              <a:rPr lang="zh-CN" altLang="en-US" dirty="0" smtClean="0">
-                <a:solidFill>
-                  <a:srgbClr val="000000"/>
-                </a:solidFill>
-                <a:latin typeface="宋体"/>
-                <a:ea typeface="宋体"/>
-              </a:rPr>
-              <a:t>次线性</a:t>
-            </a:r>
-            <a:r>
-              <a:rPr lang="zh-CN" altLang="en-US" dirty="0" smtClean="0">
-                <a:solidFill>
-                  <a:srgbClr val="000000"/>
-                </a:solidFill>
-                <a:latin typeface="宋体"/>
-                <a:ea typeface="宋体"/>
-              </a:rPr>
-              <a:t>方法有待继续优化</a:t>
-            </a:r>
-            <a:endParaRPr lang="en-US" altLang="zh-CN" dirty="0" smtClean="0">
-              <a:solidFill>
-                <a:srgbClr val="000000"/>
-              </a:solidFill>
-              <a:latin typeface="宋体"/>
-              <a:ea typeface="宋体"/>
-            </a:endParaRPr>
-          </a:p>
-          <a:p>
-            <a:r>
-              <a:rPr lang="zh-CN" altLang="en-US" dirty="0" smtClean="0">
-                <a:solidFill>
-                  <a:srgbClr val="000000"/>
-                </a:solidFill>
-                <a:latin typeface="宋体"/>
-                <a:ea typeface="宋体"/>
-              </a:rPr>
-              <a:t>研究</a:t>
-            </a:r>
-            <a:r>
-              <a:rPr lang="zh-CN" altLang="en-US" dirty="0" smtClean="0">
-                <a:solidFill>
-                  <a:srgbClr val="000000"/>
-                </a:solidFill>
-                <a:latin typeface="宋体"/>
-                <a:ea typeface="宋体"/>
-              </a:rPr>
-              <a:t>对象扩展</a:t>
-            </a:r>
-            <a:endParaRPr lang="en-US" altLang="zh-CN" dirty="0" smtClean="0">
-              <a:solidFill>
-                <a:srgbClr val="000000"/>
-              </a:solidFill>
-              <a:latin typeface="宋体"/>
-              <a:ea typeface="宋体"/>
-            </a:endParaRPr>
-          </a:p>
-          <a:p>
-            <a:pPr lvl="1"/>
-            <a:r>
-              <a:rPr lang="zh-CN" altLang="en-US" dirty="0" smtClean="0"/>
-              <a:t>多</a:t>
-            </a:r>
-            <a:r>
-              <a:rPr lang="zh-CN" altLang="en-US" dirty="0" smtClean="0"/>
-              <a:t>分类</a:t>
-            </a:r>
-            <a:r>
-              <a:rPr lang="zh-CN" altLang="en-US" dirty="0" smtClean="0"/>
-              <a:t>问题以及其他模型</a:t>
-            </a:r>
-            <a:endParaRPr lang="zh-CN" altLang="en-US" dirty="0" smtClean="0"/>
+              <a:rPr lang="en-US" sz="2000" dirty="0" smtClean="0"/>
+              <a:t>[1] Justin Ma, Lawrence K. Saul, Stefan Savage, and Geoffrey M. </a:t>
+            </a:r>
+            <a:r>
+              <a:rPr lang="en-US" sz="2000" dirty="0" err="1" smtClean="0"/>
+              <a:t>Voelker</a:t>
+            </a:r>
+            <a:r>
+              <a:rPr lang="en-US" sz="2000" dirty="0" smtClean="0"/>
+              <a:t>, Identifying Suspicious URLs: An Application of Large-Scale Online Learning. I</a:t>
+            </a:r>
+            <a:r>
+              <a:rPr lang="en-US" altLang="zh-CN" sz="2000" dirty="0" smtClean="0"/>
+              <a:t>n </a:t>
+            </a:r>
+            <a:r>
+              <a:rPr lang="en-US" sz="2000" i="1" dirty="0" smtClean="0"/>
+              <a:t>Proceedings of the International Conference on Machine Learning (ICML)</a:t>
+            </a:r>
+            <a:r>
+              <a:rPr lang="en-US" sz="2000" dirty="0" smtClean="0"/>
+              <a:t>, pages 681-688, Montreal, Quebec, June 2009.</a:t>
+            </a:r>
+          </a:p>
+          <a:p>
+            <a:r>
+              <a:rPr lang="en-US" sz="2000" dirty="0" smtClean="0"/>
+              <a:t>[2] http://qwone.com/~jason/20Newsgroups/</a:t>
+            </a:r>
+          </a:p>
+          <a:p>
+            <a:r>
+              <a:rPr lang="en-US" sz="2000" dirty="0" smtClean="0"/>
+              <a:t>[3] I. </a:t>
+            </a:r>
+            <a:r>
+              <a:rPr lang="en-US" sz="2000" dirty="0" err="1" smtClean="0"/>
+              <a:t>Guyon</a:t>
+            </a:r>
+            <a:r>
+              <a:rPr lang="en-US" sz="2000" dirty="0" smtClean="0"/>
+              <a:t>, S. Gunn, A. Ben-</a:t>
+            </a:r>
+            <a:r>
+              <a:rPr lang="en-US" sz="2000" dirty="0" err="1" smtClean="0"/>
+              <a:t>Hur</a:t>
+            </a:r>
+            <a:r>
+              <a:rPr lang="en-US" sz="2000" dirty="0" smtClean="0"/>
+              <a:t>, and G. </a:t>
+            </a:r>
+            <a:r>
+              <a:rPr lang="en-US" sz="2000" dirty="0" err="1" smtClean="0"/>
+              <a:t>Dror</a:t>
+            </a:r>
+            <a:r>
+              <a:rPr lang="en-US" sz="2000" dirty="0" smtClean="0"/>
+              <a:t>. Result analysis of the nips 2003 feature selection challenge. </a:t>
+            </a:r>
+            <a:r>
+              <a:rPr lang="en-US" sz="2000" i="1" dirty="0" smtClean="0"/>
+              <a:t>Advances in Neural Information Processing Systems</a:t>
+            </a:r>
+            <a:r>
+              <a:rPr lang="en-US" sz="2000" dirty="0" smtClean="0"/>
+              <a:t>, 17:545–552, 2004.</a:t>
+            </a:r>
+          </a:p>
+          <a:p>
+            <a:r>
+              <a:rPr lang="en-US" sz="2000" dirty="0" smtClean="0"/>
+              <a:t>[4] S. J. Delany, P. Cunningham, A. </a:t>
+            </a:r>
+            <a:r>
+              <a:rPr lang="en-US" sz="2000" dirty="0" err="1" smtClean="0"/>
+              <a:t>Tsymbal</a:t>
+            </a:r>
+            <a:r>
+              <a:rPr lang="en-US" sz="2000" dirty="0" smtClean="0"/>
+              <a:t>, and L. Coyle. A case-based technique for tracking concept drift in spam filtering. Knowledge-Based Systems, 18(4–5):187–195, 2005.</a:t>
+            </a:r>
           </a:p>
         </p:txBody>
       </p:sp>
@@ -13326,6 +13659,7 @@
   <p:clrMapOvr>
     <a:masterClrMapping/>
   </p:clrMapOvr>
+  <p:transition advTm="1435"/>
   <p:timing>
     <p:tnLst>
       <p:par>
@@ -13393,86 +13727,125 @@
           <a:p>
             <a:r>
               <a:rPr lang="en-US" sz="2000" dirty="0" smtClean="0"/>
-              <a:t>[1] Justin Ma, Lawrence K. Saul, Stefan Savage, and Geoffrey M. </a:t>
+              <a:t>[5] Haoruo Peng, Zhengyu Wang, Edward Y. Chang, </a:t>
             </a:r>
             <a:r>
               <a:rPr lang="en-US" sz="2000" dirty="0" err="1" smtClean="0"/>
-              <a:t>Voelker</a:t>
+              <a:t>Shuchang</a:t>
             </a:r>
             <a:r>
               <a:rPr lang="en-US" sz="2000" dirty="0" smtClean="0"/>
-              <a:t>, Identifying Suspicious URLs: An Application of Large-Scale Online Learning. I</a:t>
-            </a:r>
-            <a:r>
-              <a:rPr lang="en-US" altLang="zh-CN" sz="2000" dirty="0" smtClean="0"/>
-              <a:t>n </a:t>
+              <a:t> Zhou and </a:t>
+            </a:r>
+            <a:r>
+              <a:rPr lang="en-US" sz="2000" dirty="0" err="1" smtClean="0"/>
+              <a:t>Zhihua</a:t>
+            </a:r>
+            <a:r>
+              <a:rPr lang="en-US" sz="2000" dirty="0" smtClean="0"/>
+              <a:t> Zhang. </a:t>
+            </a:r>
+            <a:r>
+              <a:rPr lang="en-US" sz="2000" dirty="0" err="1" smtClean="0"/>
+              <a:t>Sublinear</a:t>
+            </a:r>
+            <a:r>
+              <a:rPr lang="en-US" sz="2000" dirty="0" smtClean="0"/>
+              <a:t> Algorithms for Penalized Logistic Regression in Massive Datasets. In </a:t>
             </a:r>
             <a:r>
               <a:rPr lang="en-US" sz="2000" i="1" dirty="0" smtClean="0"/>
-              <a:t>Proceedings of the International Conference on Machine Learning (ICML)</a:t>
+              <a:t>Proceedings of the European Conference on Machine Learning and Principles and Practice of Knowledge Discovery in Databases, </a:t>
             </a:r>
             <a:r>
               <a:rPr lang="en-US" sz="2000" dirty="0" smtClean="0"/>
-              <a:t>, pages 681-688, Montreal, Quebec, June 2009.</a:t>
+              <a:t>2012.</a:t>
             </a:r>
           </a:p>
           <a:p>
             <a:r>
               <a:rPr lang="en-US" sz="2000" dirty="0" smtClean="0"/>
-              <a:t>[2] http://qwone.com/~jason/20Newsgroups/</a:t>
+              <a:t>[6] Mahout - Apache Software Foundation project homepage, http://lucene.apache.org/mahout</a:t>
             </a:r>
           </a:p>
           <a:p>
             <a:r>
               <a:rPr lang="en-US" sz="2000" dirty="0" smtClean="0"/>
-              <a:t>[3] I. </a:t>
+              <a:t>[7] Fan R E, Chang K W, Hsieh C J, et al. LIBLINEAR: A library for large linear classification[J]. </a:t>
+            </a:r>
+            <a:r>
+              <a:rPr lang="en-US" sz="2000" i="1" dirty="0" smtClean="0"/>
+              <a:t>The Journal of Machine Learning Research</a:t>
+            </a:r>
+            <a:r>
+              <a:rPr lang="en-US" sz="2000" dirty="0" smtClean="0"/>
+              <a:t>, 2008, 9: 1871-1874.</a:t>
+            </a:r>
+          </a:p>
+          <a:p>
+            <a:r>
+              <a:rPr lang="en-US" sz="2000" dirty="0" smtClean="0"/>
+              <a:t>[8] </a:t>
             </a:r>
             <a:r>
               <a:rPr lang="en-US" sz="2000" dirty="0" err="1" smtClean="0"/>
-              <a:t>Guyon</a:t>
+              <a:t>Matei</a:t>
             </a:r>
             <a:r>
               <a:rPr lang="en-US" sz="2000" dirty="0" smtClean="0"/>
-              <a:t>, S. Gunn, A. Ben-</a:t>
+              <a:t> </a:t>
             </a:r>
             <a:r>
               <a:rPr lang="en-US" sz="2000" dirty="0" err="1" smtClean="0"/>
-              <a:t>Hur</a:t>
+              <a:t>Zaharia</a:t>
             </a:r>
             <a:r>
               <a:rPr lang="en-US" sz="2000" dirty="0" smtClean="0"/>
-              <a:t>, and G. </a:t>
+              <a:t>, </a:t>
             </a:r>
             <a:r>
               <a:rPr lang="en-US" sz="2000" dirty="0" err="1" smtClean="0"/>
-              <a:t>Dror</a:t>
+              <a:t>Mosharaf</a:t>
             </a:r>
             <a:r>
               <a:rPr lang="en-US" sz="2000" dirty="0" smtClean="0"/>
-              <a:t>. Result analysis of the nips 2003 feature selection challenge. </a:t>
-            </a:r>
-            <a:r>
-              <a:rPr lang="en-US" sz="2000" i="1" dirty="0" smtClean="0"/>
-              <a:t>Advances in Neural Information Processing Systems</a:t>
+              <a:t> </a:t>
+            </a:r>
+            <a:r>
+              <a:rPr lang="en-US" sz="2000" dirty="0" err="1" smtClean="0"/>
+              <a:t>Chowdhury</a:t>
             </a:r>
             <a:r>
               <a:rPr lang="en-US" sz="2000" dirty="0" smtClean="0"/>
-              <a:t>, 17:545–552, 2004.</a:t>
-            </a:r>
-          </a:p>
-          <a:p>
+              <a:t>, Michael J. Franklin, Scott </a:t>
+            </a:r>
+            <a:r>
+              <a:rPr lang="en-US" sz="2000" dirty="0" err="1" smtClean="0"/>
+              <a:t>Shenker</a:t>
+            </a:r>
             <a:r>
               <a:rPr lang="en-US" sz="2000" dirty="0" smtClean="0"/>
-              <a:t>[4] S. J. Delany, P. Cunningham, A. </a:t>
+              <a:t>, Ion </a:t>
             </a:r>
             <a:r>
               <a:rPr lang="en-US" sz="2000" dirty="0" err="1" smtClean="0"/>
-              <a:t>Tsymbal</a:t>
+              <a:t>Stoica</a:t>
             </a:r>
             <a:r>
               <a:rPr lang="en-US" sz="2000" dirty="0" smtClean="0"/>
-              <a:t>, and L. Coyle. A case-based technique for tracking concept drift in spam filtering. Knowledge-Based Systems, 18(4–5):187–195, 2005.</a:t>
-            </a:r>
+              <a:t>.  Spark: Cluster Computing with Working Sets. </a:t>
+            </a:r>
+            <a:r>
+              <a:rPr lang="en-US" sz="2000" i="1" dirty="0" err="1" smtClean="0"/>
+              <a:t>HotCloud</a:t>
+            </a:r>
+            <a:r>
+              <a:rPr lang="en-US" sz="2000" dirty="0" smtClean="0"/>
+              <a:t> 2010. June 2010.</a:t>
+            </a:r>
+          </a:p>
+          <a:p>
+            <a:endParaRPr lang="en-US" altLang="zh-CN" sz="2000" dirty="0" smtClean="0"/>
           </a:p>
         </p:txBody>
       </p:sp>
@@ -13505,6 +13878,7 @@
   <p:clrMapOvr>
     <a:masterClrMapping/>
   </p:clrMapOvr>
+  <p:transition advTm="562"/>
   <p:timing>
     <p:tnLst>
       <p:par>
@@ -13549,7 +13923,7 @@
           <a:p>
             <a:r>
               <a:rPr lang="zh-CN" altLang="en-US" dirty="0" smtClean="0"/>
-              <a:t>主要参考文献</a:t>
+              <a:t>几点补充说明</a:t>
             </a:r>
             <a:endParaRPr lang="zh-CN" altLang="en-US" dirty="0"/>
           </a:p>
@@ -13571,126 +13945,59 @@
           <a:lstStyle/>
           <a:p>
             <a:r>
-              <a:rPr lang="en-US" sz="2000" dirty="0" smtClean="0"/>
-              <a:t>[5] Haoruo Peng, Zhengyu Wang, Edward Y. Chang, </a:t>
-            </a:r>
-            <a:r>
-              <a:rPr lang="en-US" sz="2000" dirty="0" err="1" smtClean="0"/>
-              <a:t>Shuchang</a:t>
-            </a:r>
-            <a:r>
-              <a:rPr lang="en-US" sz="2000" dirty="0" smtClean="0"/>
-              <a:t> Zhou and </a:t>
-            </a:r>
-            <a:r>
-              <a:rPr lang="en-US" sz="2000" dirty="0" err="1" smtClean="0"/>
-              <a:t>Zhihua</a:t>
-            </a:r>
-            <a:r>
-              <a:rPr lang="en-US" sz="2000" dirty="0" smtClean="0"/>
-              <a:t> Zhang. </a:t>
-            </a:r>
-            <a:r>
-              <a:rPr lang="en-US" sz="2000" dirty="0" err="1" smtClean="0"/>
-              <a:t>Sublinear</a:t>
-            </a:r>
-            <a:r>
-              <a:rPr lang="en-US" sz="2000" dirty="0" smtClean="0"/>
-              <a:t> Algorithms for Penalized Logistic Regression in Massive Datasets. In </a:t>
-            </a:r>
-            <a:r>
-              <a:rPr lang="en-US" sz="2000" i="1" dirty="0" smtClean="0"/>
-              <a:t>Proceedings of the European Conference on Machine Learning and Principles and Practice of Knowledge Discovery in Databases, </a:t>
-            </a:r>
-            <a:r>
-              <a:rPr lang="en-US" sz="2000" dirty="0" smtClean="0"/>
-              <a:t>2012.</a:t>
-            </a:r>
-          </a:p>
-          <a:p>
-            <a:r>
-              <a:rPr lang="en-US" sz="2000" dirty="0" smtClean="0"/>
-              <a:t>[6] Mahout - Apache Software Foundation project homepage, http://lucene.apache.org/mahout</a:t>
-            </a:r>
-          </a:p>
-          <a:p>
-            <a:r>
-              <a:rPr lang="en-US" sz="2000" dirty="0" smtClean="0"/>
-              <a:t>[7] Fan R E, Chang K W, Hsieh C J, et al. LIBLINEAR: A library for large linear classification[J]. </a:t>
-            </a:r>
-            <a:r>
-              <a:rPr lang="en-US" sz="2000" i="1" dirty="0" smtClean="0"/>
-              <a:t>The Journal of Machine Learning Research</a:t>
-            </a:r>
-            <a:r>
-              <a:rPr lang="en-US" sz="2000" dirty="0" smtClean="0"/>
-              <a:t>, 2008, 9: 1871-1874.</a:t>
-            </a:r>
-          </a:p>
-          <a:p>
-            <a:r>
-              <a:rPr lang="en-US" sz="2000" dirty="0" smtClean="0"/>
-              <a:t>[8] </a:t>
-            </a:r>
-            <a:r>
-              <a:rPr lang="en-US" sz="2000" dirty="0" err="1" smtClean="0"/>
-              <a:t>Matei</a:t>
-            </a:r>
-            <a:r>
-              <a:rPr lang="en-US" sz="2000" dirty="0" smtClean="0"/>
-              <a:t> </a:t>
-            </a:r>
-            <a:r>
-              <a:rPr lang="en-US" sz="2000" dirty="0" err="1" smtClean="0"/>
-              <a:t>Zaharia</a:t>
-            </a:r>
-            <a:r>
-              <a:rPr lang="en-US" sz="2000" dirty="0" smtClean="0"/>
-              <a:t>, </a:t>
-            </a:r>
-            <a:r>
-              <a:rPr lang="en-US" sz="2000" dirty="0" err="1" smtClean="0"/>
-              <a:t>Mosharaf</a:t>
-            </a:r>
-            <a:r>
-              <a:rPr lang="en-US" sz="2000" dirty="0" smtClean="0"/>
-              <a:t> </a:t>
-            </a:r>
-            <a:r>
-              <a:rPr lang="en-US" sz="2000" dirty="0" err="1" smtClean="0"/>
-              <a:t>Chowdhury</a:t>
-            </a:r>
-            <a:r>
-              <a:rPr lang="en-US" sz="2000" dirty="0" smtClean="0"/>
-              <a:t>, Michael J. Franklin, Scott </a:t>
-            </a:r>
-            <a:r>
-              <a:rPr lang="en-US" sz="2000" dirty="0" err="1" smtClean="0"/>
-              <a:t>Shenker</a:t>
-            </a:r>
-            <a:r>
-              <a:rPr lang="en-US" sz="2000" dirty="0" smtClean="0"/>
-              <a:t>, Ion </a:t>
-            </a:r>
-            <a:r>
-              <a:rPr lang="en-US" sz="2000" dirty="0" err="1" smtClean="0"/>
-              <a:t>Stoica</a:t>
-            </a:r>
-            <a:r>
-              <a:rPr lang="en-US" sz="2000" dirty="0" smtClean="0"/>
-              <a:t>.  Spark: Cluster Computing with Working Sets. </a:t>
-            </a:r>
-            <a:r>
-              <a:rPr lang="en-US" sz="2000" i="1" dirty="0" err="1" smtClean="0"/>
-              <a:t>HotCloud</a:t>
-            </a:r>
-            <a:r>
-              <a:rPr lang="en-US" sz="2000" dirty="0" smtClean="0"/>
-              <a:t> 2010. June 2010.</a:t>
-            </a:r>
-          </a:p>
-          <a:p>
-            <a:endParaRPr lang="en-US" altLang="zh-CN" sz="2000" dirty="0" smtClean="0"/>
+              <a:rPr lang="zh-CN" altLang="en-US" dirty="0" smtClean="0">
+                <a:solidFill>
+                  <a:srgbClr val="FF0000"/>
+                </a:solidFill>
+              </a:rPr>
+              <a:t>任务并行 </a:t>
+            </a:r>
+            <a:r>
+              <a:rPr lang="en-US" altLang="zh-CN" dirty="0" smtClean="0"/>
+              <a:t>VS </a:t>
+            </a:r>
+            <a:r>
+              <a:rPr lang="zh-CN" altLang="en-US" dirty="0" smtClean="0"/>
+              <a:t>数据并行</a:t>
+            </a:r>
+            <a:endParaRPr lang="en-US" altLang="zh-CN" dirty="0" smtClean="0"/>
+          </a:p>
+          <a:p>
+            <a:r>
+              <a:rPr lang="zh-CN" altLang="en-US" dirty="0" smtClean="0"/>
+              <a:t>尝试过其他方式的并行化</a:t>
+            </a:r>
+            <a:endParaRPr lang="en-US" altLang="zh-CN" dirty="0" smtClean="0"/>
+          </a:p>
+          <a:p>
+            <a:pPr lvl="1"/>
+            <a:r>
+              <a:rPr lang="zh-CN" altLang="en-US" dirty="0" smtClean="0"/>
+              <a:t>对偶</a:t>
+            </a:r>
+            <a:r>
+              <a:rPr lang="zh-CN" altLang="en-US" dirty="0" smtClean="0"/>
+              <a:t>更新考虑所有维度</a:t>
+            </a:r>
+            <a:endParaRPr lang="en-US" altLang="zh-CN" dirty="0" smtClean="0"/>
+          </a:p>
+          <a:p>
+            <a:pPr lvl="1"/>
+            <a:r>
+              <a:rPr lang="zh-CN" altLang="en-US" dirty="0" smtClean="0"/>
+              <a:t>延迟更新策略</a:t>
+            </a:r>
+            <a:endParaRPr lang="en-US" altLang="zh-CN" dirty="0" smtClean="0"/>
+          </a:p>
+          <a:p>
+            <a:r>
+              <a:rPr lang="zh-CN" altLang="en-US" dirty="0" smtClean="0"/>
+              <a:t>英文版论文投稿至</a:t>
+            </a:r>
+            <a:r>
+              <a:rPr lang="en-US" altLang="zh-CN" dirty="0" smtClean="0"/>
+              <a:t>IEEE Big Data Conference</a:t>
+            </a:r>
           </a:p>
         </p:txBody>
       </p:sp>
@@ -13723,6 +14030,7 @@
   <p:clrMapOvr>
     <a:masterClrMapping/>
   </p:clrMapOvr>
+  <p:transition advTm="10640"/>
   <p:timing>
     <p:tnLst>
       <p:par>
@@ -13849,6 +14157,7 @@
   <p:clrMapOvr>
     <a:masterClrMapping/>
   </p:clrMapOvr>
+  <p:transition advTm="5662"/>
   <p:timing>
     <p:tnLst>
       <p:par>
@@ -13893,7 +14202,7 @@
           <a:p>
             <a:r>
               <a:rPr lang="zh-CN" altLang="en-US" dirty="0" smtClean="0"/>
-              <a:t>研究内容与方式</a:t>
+              <a:t>相关工作</a:t>
             </a:r>
             <a:endParaRPr lang="zh-CN" altLang="en-US" dirty="0"/>
           </a:p>
@@ -13916,75 +14225,87 @@
           <a:p>
             <a:r>
               <a:rPr lang="zh-CN" altLang="en-US" dirty="0" smtClean="0"/>
-              <a:t>从并行系统层面和算法层面综合</a:t>
-            </a:r>
-            <a:r>
-              <a:rPr lang="zh-CN" altLang="en-US" dirty="0" smtClean="0"/>
-              <a:t>解决罗吉斯回归模型优化算法的</a:t>
-            </a:r>
-            <a:r>
-              <a:rPr lang="zh-CN" altLang="en-US" dirty="0" smtClean="0"/>
-              <a:t>计算效率问题</a:t>
+              <a:t>大数据背景下的机器学习算法</a:t>
             </a:r>
             <a:endParaRPr lang="en-US" altLang="zh-CN" dirty="0" smtClean="0"/>
           </a:p>
           <a:p>
-            <a:r>
-              <a:rPr lang="zh-CN" altLang="en-US" dirty="0" smtClean="0"/>
-              <a:t>主要加速方式：并行计算</a:t>
+            <a:pPr lvl="1"/>
+            <a:r>
+              <a:rPr lang="en-US" altLang="zh-CN" dirty="0" smtClean="0"/>
+              <a:t>PSVM</a:t>
+            </a:r>
+            <a:r>
+              <a:rPr lang="zh-CN" altLang="en-US" dirty="0" smtClean="0"/>
+              <a:t>、</a:t>
+            </a:r>
+            <a:r>
+              <a:rPr lang="en-US" altLang="zh-CN" dirty="0" smtClean="0"/>
+              <a:t>PLDA</a:t>
+            </a:r>
+            <a:r>
+              <a:rPr lang="zh-CN" altLang="en-US" dirty="0" smtClean="0"/>
+              <a:t>、</a:t>
+            </a:r>
+            <a:r>
+              <a:rPr lang="en-US" altLang="zh-CN" dirty="0" smtClean="0"/>
+              <a:t>DP</a:t>
+            </a:r>
+            <a:r>
+              <a:rPr lang="zh-CN" altLang="en-US" dirty="0" smtClean="0"/>
+              <a:t>、</a:t>
+            </a:r>
+            <a:r>
+              <a:rPr lang="en-US" altLang="zh-CN" dirty="0" err="1" smtClean="0"/>
+              <a:t>GraphLab</a:t>
             </a:r>
             <a:endParaRPr lang="en-US" altLang="zh-CN" dirty="0" smtClean="0"/>
           </a:p>
           <a:p>
             <a:r>
               <a:rPr lang="zh-CN" altLang="en-US" dirty="0" smtClean="0"/>
-              <a:t>研究重点在于充分认识</a:t>
+              <a:t>并行框架</a:t>
             </a:r>
             <a:endParaRPr lang="en-US" altLang="zh-CN" dirty="0" smtClean="0"/>
           </a:p>
           <a:p>
             <a:pPr lvl="1"/>
             <a:r>
-              <a:rPr lang="zh-CN" altLang="en-US" dirty="0" smtClean="0"/>
-              <a:t>在何种情况下选择并行</a:t>
+              <a:rPr lang="en-US" altLang="zh-CN" dirty="0" smtClean="0"/>
+              <a:t>Hadoop</a:t>
             </a:r>
             <a:endParaRPr lang="en-US" altLang="zh-CN" dirty="0" smtClean="0"/>
           </a:p>
           <a:p>
             <a:pPr lvl="1"/>
             <a:r>
-              <a:rPr lang="zh-CN" altLang="en-US" dirty="0" smtClean="0"/>
-              <a:t>选择什么并行系统</a:t>
+              <a:rPr lang="en-US" altLang="zh-CN" dirty="0" smtClean="0"/>
+              <a:t>Mahout</a:t>
             </a:r>
             <a:endParaRPr lang="en-US" altLang="zh-CN" dirty="0" smtClean="0"/>
           </a:p>
           <a:p>
             <a:pPr lvl="1"/>
             <a:r>
-              <a:rPr lang="zh-CN" altLang="en-US" dirty="0" smtClean="0"/>
-              <a:t>选择</a:t>
-            </a:r>
-            <a:r>
-              <a:rPr lang="zh-CN" altLang="en-US" dirty="0" smtClean="0"/>
-              <a:t>怎样的</a:t>
-            </a:r>
-            <a:r>
-              <a:rPr lang="zh-CN" altLang="en-US" dirty="0" smtClean="0"/>
-              <a:t>并行算法</a:t>
+              <a:rPr lang="en-US" altLang="zh-CN" dirty="0" smtClean="0"/>
+              <a:t>Spark</a:t>
             </a:r>
             <a:endParaRPr lang="en-US" altLang="zh-CN" dirty="0" smtClean="0"/>
           </a:p>
           <a:p>
+            <a:r>
+              <a:rPr lang="zh-CN" altLang="en-US" dirty="0" smtClean="0"/>
+              <a:t>算法框架</a:t>
+            </a:r>
+            <a:endParaRPr lang="en-US" altLang="zh-CN" dirty="0" smtClean="0"/>
+          </a:p>
+          <a:p>
             <a:pPr lvl="1"/>
             <a:r>
               <a:rPr lang="zh-CN" altLang="en-US" dirty="0" smtClean="0"/>
-              <a:t>次</a:t>
-            </a:r>
-            <a:r>
-              <a:rPr lang="zh-CN" altLang="en-US" dirty="0" smtClean="0"/>
-              <a:t>重点为新的次线性并行算法的提出</a:t>
-            </a:r>
-            <a:endParaRPr lang="zh-CN" altLang="en-US" dirty="0"/>
+              <a:t>次线性、并行梯度下降、随机梯度下降</a:t>
+            </a:r>
+            <a:endParaRPr lang="en-US" altLang="zh-CN" dirty="0" smtClean="0"/>
           </a:p>
         </p:txBody>
       </p:sp>
@@ -14017,6 +14338,7 @@
   <p:clrMapOvr>
     <a:masterClrMapping/>
   </p:clrMapOvr>
+  <p:transition advTm="31465"/>
   <p:timing>
     <p:tnLst>
       <p:par>
@@ -14183,6 +14505,7 @@
   <p:clrMapOvr>
     <a:masterClrMapping/>
   </p:clrMapOvr>
+  <p:transition advTm="25257"/>
   <p:timing>
     <p:tnLst>
       <p:par>
@@ -14270,31 +14593,7 @@
             </a:r>
             <a:r>
               <a:rPr lang="zh-CN" altLang="en-US" dirty="0" smtClean="0"/>
-              <a:t>类支持的算法：推荐系统</a:t>
-            </a:r>
-            <a:r>
-              <a:rPr lang="zh-CN" altLang="en-US" dirty="0" smtClean="0"/>
-              <a:t>、</a:t>
-            </a:r>
-            <a:r>
-              <a:rPr lang="zh-CN" altLang="en-US" dirty="0" smtClean="0"/>
-              <a:t>聚类</a:t>
-            </a:r>
-            <a:r>
-              <a:rPr lang="zh-CN" altLang="en-US" dirty="0" smtClean="0"/>
-              <a:t>、</a:t>
-            </a:r>
-            <a:r>
-              <a:rPr lang="zh-CN" altLang="en-US" dirty="0" smtClean="0"/>
-              <a:t>分类</a:t>
-            </a:r>
-            <a:r>
-              <a:rPr lang="zh-CN" altLang="en-US" dirty="0" smtClean="0"/>
-              <a:t>、</a:t>
-            </a:r>
-            <a:r>
-              <a:rPr lang="zh-CN" altLang="en-US" dirty="0" smtClean="0"/>
-              <a:t>频繁模式</a:t>
+              <a:t>类支持的算法：推荐系统、聚类、分类、频繁模式</a:t>
             </a:r>
             <a:endParaRPr lang="en-US" altLang="zh-CN" dirty="0" smtClean="0"/>
           </a:p>
@@ -14306,11 +14605,7 @@
             </a:r>
             <a:r>
               <a:rPr lang="en-US" altLang="zh-CN" dirty="0" smtClean="0"/>
-              <a:t> </a:t>
-            </a:r>
-            <a:r>
-              <a:rPr lang="en-US" altLang="zh-CN" dirty="0" smtClean="0"/>
-              <a:t>K-means</a:t>
+              <a:t> K-means</a:t>
             </a:r>
             <a:r>
               <a:rPr lang="zh-CN" altLang="en-US" dirty="0" smtClean="0"/>
@@ -14372,7 +14667,15 @@
             </a:r>
             <a:r>
               <a:rPr lang="zh-CN" altLang="en-US" dirty="0" smtClean="0"/>
-              <a:t>的算法使用在线随机梯度下降法，没有使用多机并行，而使用单击多线程</a:t>
+              <a:t>的算法使用在线随机梯度下降法，没有使用多机并行，而使用</a:t>
+            </a:r>
+            <a:r>
+              <a:rPr lang="zh-CN" altLang="en-US" dirty="0" smtClean="0"/>
+              <a:t>单机多</a:t>
+            </a:r>
+            <a:r>
+              <a:rPr lang="zh-CN" altLang="en-US" dirty="0" smtClean="0"/>
+              <a:t>线程</a:t>
             </a:r>
             <a:endParaRPr lang="en-US" altLang="zh-CN" dirty="0" smtClean="0"/>
           </a:p>
@@ -14411,6 +14714,7 @@
   <p:clrMapOvr>
     <a:masterClrMapping/>
   </p:clrMapOvr>
+  <p:transition advTm="17846"/>
   <p:timing>
     <p:tnLst>
       <p:par>
@@ -14551,11 +14855,7 @@
           <a:p>
             <a:r>
               <a:rPr lang="zh-CN" altLang="en-US" dirty="0" smtClean="0"/>
-              <a:t>弹性分布式数据</a:t>
-            </a:r>
-            <a:r>
-              <a:rPr lang="zh-CN" altLang="en-US" dirty="0" smtClean="0"/>
-              <a:t>集</a:t>
+              <a:t>弹性分布式数据集</a:t>
             </a:r>
             <a:r>
               <a:rPr lang="en-US" altLang="zh-CN" dirty="0" smtClean="0"/>
@@ -14576,11 +14876,7 @@
           <a:p>
             <a:r>
               <a:rPr lang="zh-CN" altLang="en-US" dirty="0" smtClean="0"/>
-              <a:t>对节点</a:t>
-            </a:r>
-            <a:r>
-              <a:rPr lang="zh-CN" altLang="en-US" dirty="0" smtClean="0"/>
-              <a:t>失败鲁棒性</a:t>
+              <a:t>对节点失败鲁棒性</a:t>
             </a:r>
             <a:endParaRPr lang="en-US" altLang="zh-CN" dirty="0" smtClean="0"/>
           </a:p>
@@ -14639,6 +14935,7 @@
   <p:clrMapOvr>
     <a:masterClrMapping/>
   </p:clrMapOvr>
+  <p:transition advTm="19968"/>
   <p:timing>
     <p:tnLst>
       <p:par>
@@ -14710,11 +15007,7 @@
           <a:p>
             <a:r>
               <a:rPr lang="zh-CN" altLang="en-US" dirty="0" smtClean="0"/>
-              <a:t>训练</a:t>
-            </a:r>
-            <a:r>
-              <a:rPr lang="zh-CN" altLang="en-US" dirty="0" smtClean="0"/>
-              <a:t>数据集定义</a:t>
+              <a:t>训练数据集定义</a:t>
             </a:r>
             <a:endParaRPr lang="en-US" altLang="zh-CN" dirty="0" smtClean="0"/>
           </a:p>
@@ -15030,6 +15323,7 @@
   <p:clrMapOvr>
     <a:masterClrMapping/>
   </p:clrMapOvr>
+  <p:transition advTm="28018"/>
   <p:timing>
     <p:tnLst>
       <p:par>
@@ -15140,6 +15434,12 @@
     </p:bldLst>
   </p:timing>
 </p:sld>
+</file>
+
+<file path=ppt/tags/tag1.xml><?xml version="1.0" encoding="utf-8"?>
+<p:tagLst xmlns:a="http://schemas.openxmlformats.org/drawingml/2006/main" xmlns:r="http://schemas.openxmlformats.org/officeDocument/2006/relationships" xmlns:p="http://schemas.openxmlformats.org/presentationml/2006/main">
+  <p:tag name="TIMING" val="|6.7|6.1"/>
+</p:tagLst>
 </file>
 
 <file path=ppt/theme/theme1.xml><?xml version="1.0" encoding="utf-8"?>
